--- a/files/ballway_resume.pptx
+++ b/files/ballway_resume.pptx
@@ -5,7 +5,7 @@
     <p:sldMasterId id="2147483660" r:id="rId1"/>
   </p:sldMasterIdLst>
   <p:sldIdLst>
-    <p:sldId id="256" r:id="rId2"/>
+    <p:sldId id="262" r:id="rId2"/>
     <p:sldId id="258" r:id="rId3"/>
   </p:sldIdLst>
   <p:sldSz cx="6858000" cy="9906000" type="A4"/>
@@ -244,7 +244,7 @@
           <a:p>
             <a:fld id="{BB12F56D-023A-42EB-BC13-71E5FD690DFE}" type="datetimeFigureOut">
               <a:rPr lang="zh-TW" altLang="en-US" smtClean="0"/>
-              <a:t>2022/5/2</a:t>
+              <a:t>2022/5/3</a:t>
             </a:fld>
             <a:endParaRPr lang="zh-TW" altLang="en-US"/>
           </a:p>
@@ -414,7 +414,7 @@
           <a:p>
             <a:fld id="{BB12F56D-023A-42EB-BC13-71E5FD690DFE}" type="datetimeFigureOut">
               <a:rPr lang="zh-TW" altLang="en-US" smtClean="0"/>
-              <a:t>2022/5/2</a:t>
+              <a:t>2022/5/3</a:t>
             </a:fld>
             <a:endParaRPr lang="zh-TW" altLang="en-US"/>
           </a:p>
@@ -594,7 +594,7 @@
           <a:p>
             <a:fld id="{BB12F56D-023A-42EB-BC13-71E5FD690DFE}" type="datetimeFigureOut">
               <a:rPr lang="zh-TW" altLang="en-US" smtClean="0"/>
-              <a:t>2022/5/2</a:t>
+              <a:t>2022/5/3</a:t>
             </a:fld>
             <a:endParaRPr lang="zh-TW" altLang="en-US"/>
           </a:p>
@@ -764,7 +764,7 @@
           <a:p>
             <a:fld id="{BB12F56D-023A-42EB-BC13-71E5FD690DFE}" type="datetimeFigureOut">
               <a:rPr lang="zh-TW" altLang="en-US" smtClean="0"/>
-              <a:t>2022/5/2</a:t>
+              <a:t>2022/5/3</a:t>
             </a:fld>
             <a:endParaRPr lang="zh-TW" altLang="en-US"/>
           </a:p>
@@ -1008,7 +1008,7 @@
           <a:p>
             <a:fld id="{BB12F56D-023A-42EB-BC13-71E5FD690DFE}" type="datetimeFigureOut">
               <a:rPr lang="zh-TW" altLang="en-US" smtClean="0"/>
-              <a:t>2022/5/2</a:t>
+              <a:t>2022/5/3</a:t>
             </a:fld>
             <a:endParaRPr lang="zh-TW" altLang="en-US"/>
           </a:p>
@@ -1240,7 +1240,7 @@
           <a:p>
             <a:fld id="{BB12F56D-023A-42EB-BC13-71E5FD690DFE}" type="datetimeFigureOut">
               <a:rPr lang="zh-TW" altLang="en-US" smtClean="0"/>
-              <a:t>2022/5/2</a:t>
+              <a:t>2022/5/3</a:t>
             </a:fld>
             <a:endParaRPr lang="zh-TW" altLang="en-US"/>
           </a:p>
@@ -1607,7 +1607,7 @@
           <a:p>
             <a:fld id="{BB12F56D-023A-42EB-BC13-71E5FD690DFE}" type="datetimeFigureOut">
               <a:rPr lang="zh-TW" altLang="en-US" smtClean="0"/>
-              <a:t>2022/5/2</a:t>
+              <a:t>2022/5/3</a:t>
             </a:fld>
             <a:endParaRPr lang="zh-TW" altLang="en-US"/>
           </a:p>
@@ -1725,7 +1725,7 @@
           <a:p>
             <a:fld id="{BB12F56D-023A-42EB-BC13-71E5FD690DFE}" type="datetimeFigureOut">
               <a:rPr lang="zh-TW" altLang="en-US" smtClean="0"/>
-              <a:t>2022/5/2</a:t>
+              <a:t>2022/5/3</a:t>
             </a:fld>
             <a:endParaRPr lang="zh-TW" altLang="en-US"/>
           </a:p>
@@ -1820,7 +1820,7 @@
           <a:p>
             <a:fld id="{BB12F56D-023A-42EB-BC13-71E5FD690DFE}" type="datetimeFigureOut">
               <a:rPr lang="zh-TW" altLang="en-US" smtClean="0"/>
-              <a:t>2022/5/2</a:t>
+              <a:t>2022/5/3</a:t>
             </a:fld>
             <a:endParaRPr lang="zh-TW" altLang="en-US"/>
           </a:p>
@@ -2097,7 +2097,7 @@
           <a:p>
             <a:fld id="{BB12F56D-023A-42EB-BC13-71E5FD690DFE}" type="datetimeFigureOut">
               <a:rPr lang="zh-TW" altLang="en-US" smtClean="0"/>
-              <a:t>2022/5/2</a:t>
+              <a:t>2022/5/3</a:t>
             </a:fld>
             <a:endParaRPr lang="zh-TW" altLang="en-US"/>
           </a:p>
@@ -2354,7 +2354,7 @@
           <a:p>
             <a:fld id="{BB12F56D-023A-42EB-BC13-71E5FD690DFE}" type="datetimeFigureOut">
               <a:rPr lang="zh-TW" altLang="en-US" smtClean="0"/>
-              <a:t>2022/5/2</a:t>
+              <a:t>2022/5/3</a:t>
             </a:fld>
             <a:endParaRPr lang="zh-TW" altLang="en-US"/>
           </a:p>
@@ -2567,7 +2567,7 @@
           <a:p>
             <a:fld id="{BB12F56D-023A-42EB-BC13-71E5FD690DFE}" type="datetimeFigureOut">
               <a:rPr lang="zh-TW" altLang="en-US" smtClean="0"/>
-              <a:t>2022/5/2</a:t>
+              <a:t>2022/5/3</a:t>
             </a:fld>
             <a:endParaRPr lang="zh-TW" altLang="en-US"/>
           </a:p>
@@ -2974,26 +2974,22 @@
       </p:grpSpPr>
       <p:sp>
         <p:nvSpPr>
-          <p:cNvPr id="6" name="矩形 5">
-            <a:extLst>
-              <a:ext uri="{FF2B5EF4-FFF2-40B4-BE49-F238E27FC236}">
-                <a16:creationId xmlns:a16="http://schemas.microsoft.com/office/drawing/2014/main" id="{F4DB8766-7689-2879-BB75-A5A4E60C7D93}"/>
-              </a:ext>
-            </a:extLst>
-          </p:cNvPr>
+          <p:cNvPr id="2" name="矩形 1"/>
           <p:cNvSpPr/>
           <p:nvPr/>
         </p:nvSpPr>
         <p:spPr>
           <a:xfrm>
-            <a:off x="0" y="0"/>
-            <a:ext cx="6858000" cy="1960007"/>
+            <a:off x="0" y="1805721"/>
+            <a:ext cx="6858000" cy="339274"/>
           </a:xfrm>
           <a:prstGeom prst="rect">
             <a:avLst/>
           </a:prstGeom>
           <a:solidFill>
-            <a:srgbClr val="2E406F"/>
+            <a:schemeClr val="bg1">
+              <a:lumMod val="50000"/>
+            </a:schemeClr>
           </a:solidFill>
           <a:ln>
             <a:noFill/>
@@ -3024,161 +3020,55 @@
           </a:p>
         </p:txBody>
       </p:sp>
-      <p:pic>
-        <p:nvPicPr>
-          <p:cNvPr id="8" name="圖片 7">
+      <p:sp>
+        <p:nvSpPr>
+          <p:cNvPr id="46" name="矩形 45">
             <a:extLst>
               <a:ext uri="{FF2B5EF4-FFF2-40B4-BE49-F238E27FC236}">
-                <a16:creationId xmlns:a16="http://schemas.microsoft.com/office/drawing/2014/main" id="{1DB47B64-0149-1669-7268-F04D7627D77C}"/>
+                <a16:creationId xmlns:a16="http://schemas.microsoft.com/office/drawing/2014/main" id="{F4DB8766-7689-2879-BB75-A5A4E60C7D93}"/>
               </a:ext>
             </a:extLst>
           </p:cNvPr>
-          <p:cNvPicPr>
-            <a:picLocks noChangeAspect="1"/>
-          </p:cNvPicPr>
+          <p:cNvSpPr/>
           <p:nvPr/>
-        </p:nvPicPr>
-        <p:blipFill rotWithShape="1">
-          <a:blip r:embed="rId2">
-            <a:extLst>
-              <a:ext uri="{28A0092B-C50C-407E-A947-70E740481C1C}">
-                <a14:useLocalDpi xmlns:a14="http://schemas.microsoft.com/office/drawing/2010/main" val="0"/>
-              </a:ext>
-            </a:extLst>
-          </a:blip>
-          <a:srcRect t="14070" r="365" b="19492"/>
-          <a:stretch/>
-        </p:blipFill>
+        </p:nvSpPr>
         <p:spPr>
           <a:xfrm>
-            <a:off x="342900" y="152400"/>
-            <a:ext cx="1278256" cy="1278255"/>
-          </a:xfrm>
-          <a:prstGeom prst="ellipse">
-            <a:avLst/>
-          </a:prstGeom>
-          <a:ln w="12700">
-            <a:noFill/>
-          </a:ln>
-        </p:spPr>
-      </p:pic>
-      <p:sp>
-        <p:nvSpPr>
-          <p:cNvPr id="10" name="文字方塊 9">
-            <a:extLst>
-              <a:ext uri="{FF2B5EF4-FFF2-40B4-BE49-F238E27FC236}">
-                <a16:creationId xmlns:a16="http://schemas.microsoft.com/office/drawing/2014/main" id="{8C9D97E0-EB21-C1B7-2AE5-D23EA005633B}"/>
-              </a:ext>
-            </a:extLst>
-          </p:cNvPr>
-          <p:cNvSpPr txBox="1"/>
-          <p:nvPr/>
-        </p:nvSpPr>
-        <p:spPr>
-          <a:xfrm>
-            <a:off x="543446" y="1505331"/>
-            <a:ext cx="877163" cy="369332"/>
+            <a:off x="0" y="1"/>
+            <a:ext cx="6858000" cy="1811548"/>
           </a:xfrm>
           <a:prstGeom prst="rect">
             <a:avLst/>
           </a:prstGeom>
-          <a:noFill/>
-        </p:spPr>
-        <p:txBody>
-          <a:bodyPr wrap="none" rtlCol="0">
-            <a:spAutoFit/>
-          </a:bodyPr>
-          <a:lstStyle/>
-          <a:p>
-            <a:r>
-              <a:rPr lang="zh-TW" altLang="en-US" b="1" dirty="0">
-                <a:solidFill>
-                  <a:schemeClr val="bg1"/>
-                </a:solidFill>
-                <a:latin typeface="微軟正黑體" panose="020B0604030504040204" pitchFamily="34" charset="-120"/>
-                <a:ea typeface="微軟正黑體" panose="020B0604030504040204" pitchFamily="34" charset="-120"/>
-                <a:cs typeface="芫荽 0.94" pitchFamily="2" charset="-120"/>
-              </a:rPr>
-              <a:t>王柏崴</a:t>
-            </a:r>
-          </a:p>
-        </p:txBody>
-      </p:sp>
-      <p:sp>
-        <p:nvSpPr>
-          <p:cNvPr id="11" name="文字方塊 10">
-            <a:extLst>
-              <a:ext uri="{FF2B5EF4-FFF2-40B4-BE49-F238E27FC236}">
-                <a16:creationId xmlns:a16="http://schemas.microsoft.com/office/drawing/2014/main" id="{995C867D-4568-1F8E-221A-529DF99B56B8}"/>
-              </a:ext>
-            </a:extLst>
-          </p:cNvPr>
-          <p:cNvSpPr txBox="1"/>
-          <p:nvPr/>
-        </p:nvSpPr>
-        <p:spPr>
-          <a:xfrm>
-            <a:off x="1746886" y="337666"/>
-            <a:ext cx="4977764" cy="1200329"/>
-          </a:xfrm>
-          <a:prstGeom prst="rect">
-            <a:avLst/>
-          </a:prstGeom>
-          <a:noFill/>
-        </p:spPr>
-        <p:txBody>
-          <a:bodyPr wrap="square" rtlCol="0">
-            <a:spAutoFit/>
-          </a:bodyPr>
-          <a:lstStyle/>
-          <a:p>
-            <a:r>
-              <a:rPr lang="en-US" altLang="zh-TW" sz="1200" dirty="0">
-                <a:solidFill>
-                  <a:schemeClr val="bg1"/>
-                </a:solidFill>
-              </a:rPr>
-              <a:t>I am currently a program learner.</a:t>
-            </a:r>
-          </a:p>
-          <a:p>
-            <a:endParaRPr lang="en-US" altLang="zh-TW" sz="1200" dirty="0">
-              <a:solidFill>
-                <a:schemeClr val="bg1"/>
-              </a:solidFill>
-            </a:endParaRPr>
-          </a:p>
-          <a:p>
-            <a:r>
-              <a:rPr lang="en-US" altLang="zh-TW" sz="1200" dirty="0">
-                <a:solidFill>
-                  <a:schemeClr val="bg1"/>
-                </a:solidFill>
-              </a:rPr>
-              <a:t>For the past 7 months, I have been learning C#, which is a programming language can be used for developing desktop apps, mobile apps and websites.</a:t>
-            </a:r>
-          </a:p>
-          <a:p>
-            <a:endParaRPr lang="en-US" altLang="zh-TW" sz="1200" dirty="0">
-              <a:solidFill>
-                <a:schemeClr val="bg1"/>
-              </a:solidFill>
-            </a:endParaRPr>
-          </a:p>
-          <a:p>
-            <a:r>
-              <a:rPr lang="en-US" altLang="zh-TW" sz="1200" dirty="0">
-                <a:solidFill>
-                  <a:schemeClr val="bg1"/>
-                </a:solidFill>
-              </a:rPr>
-              <a:t>Please feel free to visit my GitHub page!</a:t>
-            </a:r>
-            <a:endParaRPr lang="zh-TW" altLang="en-US" sz="1200" dirty="0">
-              <a:solidFill>
-                <a:schemeClr val="bg1"/>
-              </a:solidFill>
-            </a:endParaRPr>
+          <a:solidFill>
+            <a:srgbClr val="2E406F"/>
+          </a:solidFill>
+          <a:ln>
+            <a:noFill/>
+          </a:ln>
+        </p:spPr>
+        <p:style>
+          <a:lnRef idx="2">
+            <a:schemeClr val="accent1">
+              <a:shade val="50000"/>
+            </a:schemeClr>
+          </a:lnRef>
+          <a:fillRef idx="1">
+            <a:schemeClr val="accent1"/>
+          </a:fillRef>
+          <a:effectRef idx="0">
+            <a:schemeClr val="accent1"/>
+          </a:effectRef>
+          <a:fontRef idx="minor">
+            <a:schemeClr val="lt1"/>
+          </a:fontRef>
+        </p:style>
+        <p:txBody>
+          <a:bodyPr rtlCol="0" anchor="ctr"/>
+          <a:lstStyle/>
+          <a:p>
+            <a:pPr algn="ctr"/>
+            <a:endParaRPr lang="zh-TW" altLang="en-US"/>
           </a:p>
         </p:txBody>
       </p:sp>
@@ -3196,8 +3086,8 @@
         </p:nvSpPr>
         <p:spPr>
           <a:xfrm>
-            <a:off x="440436" y="2508620"/>
-            <a:ext cx="4445448" cy="961482"/>
+            <a:off x="440436" y="4358060"/>
+            <a:ext cx="4445448" cy="992579"/>
           </a:xfrm>
           <a:prstGeom prst="rect">
             <a:avLst/>
@@ -3316,15 +3206,15 @@
               <a:t> </a:t>
             </a:r>
             <a:r>
-              <a:rPr lang="en-US" altLang="zh-TW" sz="1050" b="1" dirty="0">
-                <a:latin typeface="微軟正黑體" panose="020B0604030504040204" pitchFamily="34" charset="-120"/>
-                <a:ea typeface="微軟正黑體" panose="020B0604030504040204" pitchFamily="34" charset="-120"/>
-                <a:cs typeface="芫荽 0.94" pitchFamily="2" charset="-120"/>
-              </a:rPr>
-              <a:t>2021</a:t>
-            </a:r>
-            <a:r>
-              <a:rPr lang="zh-TW" altLang="en-US" sz="1050" b="1" dirty="0">
+              <a:rPr lang="en-US" altLang="zh-TW" sz="1050" b="1" dirty="0" smtClean="0">
+                <a:latin typeface="微軟正黑體" panose="020B0604030504040204" pitchFamily="34" charset="-120"/>
+                <a:ea typeface="微軟正黑體" panose="020B0604030504040204" pitchFamily="34" charset="-120"/>
+                <a:cs typeface="芫荽 0.94" pitchFamily="2" charset="-120"/>
+              </a:rPr>
+              <a:t>2022</a:t>
+            </a:r>
+            <a:r>
+              <a:rPr lang="zh-TW" altLang="en-US" sz="1050" b="1" dirty="0" smtClean="0">
                 <a:latin typeface="微軟正黑體" panose="020B0604030504040204" pitchFamily="34" charset="-120"/>
                 <a:ea typeface="微軟正黑體" panose="020B0604030504040204" pitchFamily="34" charset="-120"/>
                 <a:cs typeface="芫荽 0.94" pitchFamily="2" charset="-120"/>
@@ -3418,7 +3308,7 @@
         </p:nvSpPr>
         <p:spPr>
           <a:xfrm>
-            <a:off x="234061" y="2101275"/>
+            <a:off x="234061" y="3950715"/>
             <a:ext cx="629563" cy="374571"/>
           </a:xfrm>
           <a:prstGeom prst="roundRect">
@@ -3472,7 +3362,7 @@
         </p:nvSpPr>
         <p:spPr>
           <a:xfrm>
-            <a:off x="509016" y="4647247"/>
+            <a:off x="509016" y="6601885"/>
             <a:ext cx="5724004" cy="1056636"/>
           </a:xfrm>
           <a:prstGeom prst="rect">
@@ -3768,8 +3658,8 @@
         </p:nvSpPr>
         <p:spPr>
           <a:xfrm>
-            <a:off x="234061" y="3602872"/>
-            <a:ext cx="629563" cy="374571"/>
+            <a:off x="234061" y="5557510"/>
+            <a:ext cx="1034574" cy="374571"/>
           </a:xfrm>
           <a:prstGeom prst="roundRect">
             <a:avLst/>
@@ -3787,7 +3677,7 @@
           <a:lstStyle/>
           <a:p>
             <a:r>
-              <a:rPr lang="zh-TW" altLang="en-US" sz="1600" b="1" dirty="0">
+              <a:rPr lang="zh-TW" altLang="en-US" sz="1600" b="1" dirty="0" smtClean="0">
                 <a:solidFill>
                   <a:srgbClr val="2E406F"/>
                 </a:solidFill>
@@ -3795,7 +3685,7 @@
                 <a:ea typeface="微軟正黑體" panose="020B0604030504040204" pitchFamily="34" charset="-120"/>
                 <a:cs typeface="芫荽 0.94" pitchFamily="2" charset="-120"/>
               </a:rPr>
-              <a:t>專題</a:t>
+              <a:t>專題經歷</a:t>
             </a:r>
             <a:endParaRPr lang="en-US" altLang="zh-TW" sz="1600" b="1" dirty="0">
               <a:solidFill>
@@ -3822,7 +3712,7 @@
         </p:nvSpPr>
         <p:spPr>
           <a:xfrm>
-            <a:off x="440436" y="3992240"/>
+            <a:off x="440436" y="5946878"/>
             <a:ext cx="5792584" cy="638316"/>
           </a:xfrm>
           <a:prstGeom prst="rect">
@@ -3940,7 +3830,7 @@
         </p:nvSpPr>
         <p:spPr>
           <a:xfrm>
-            <a:off x="509016" y="6939412"/>
+            <a:off x="509016" y="8989300"/>
             <a:ext cx="5532120" cy="525721"/>
           </a:xfrm>
           <a:prstGeom prst="rect">
@@ -4018,7 +3908,7 @@
         </p:nvSpPr>
         <p:spPr>
           <a:xfrm>
-            <a:off x="234061" y="5897900"/>
+            <a:off x="234061" y="7947788"/>
             <a:ext cx="1034574" cy="374571"/>
           </a:xfrm>
           <a:prstGeom prst="roundRect">
@@ -4037,7 +3927,7 @@
           <a:lstStyle/>
           <a:p>
             <a:r>
-              <a:rPr lang="zh-TW" altLang="en-US" sz="1600" b="1" dirty="0">
+              <a:rPr lang="zh-TW" altLang="en-US" sz="1600" b="1" dirty="0" smtClean="0">
                 <a:solidFill>
                   <a:srgbClr val="2E406F"/>
                 </a:solidFill>
@@ -4072,7 +3962,7 @@
         </p:nvSpPr>
         <p:spPr>
           <a:xfrm>
-            <a:off x="440436" y="6284348"/>
+            <a:off x="440436" y="8334236"/>
             <a:ext cx="5600700" cy="638316"/>
           </a:xfrm>
           <a:prstGeom prst="rect">
@@ -4173,10 +4063,62 @@
       </p:sp>
       <p:sp>
         <p:nvSpPr>
-          <p:cNvPr id="26" name="文字方塊 25">
+          <p:cNvPr id="54" name="矩形 53">
             <a:extLst>
               <a:ext uri="{FF2B5EF4-FFF2-40B4-BE49-F238E27FC236}">
-                <a16:creationId xmlns:a16="http://schemas.microsoft.com/office/drawing/2014/main" id="{B5958756-D601-C66C-64FA-0BB532F109FD}"/>
+                <a16:creationId xmlns:a16="http://schemas.microsoft.com/office/drawing/2014/main" id="{B4F1B7A1-6F14-E0CE-6193-95E833FDB005}"/>
+              </a:ext>
+            </a:extLst>
+          </p:cNvPr>
+          <p:cNvSpPr/>
+          <p:nvPr/>
+        </p:nvSpPr>
+        <p:spPr>
+          <a:xfrm>
+            <a:off x="0" y="2323572"/>
+            <a:ext cx="6858000" cy="1293698"/>
+          </a:xfrm>
+          <a:prstGeom prst="rect">
+            <a:avLst/>
+          </a:prstGeom>
+          <a:solidFill>
+            <a:srgbClr val="F2F2F2"/>
+          </a:solidFill>
+          <a:ln>
+            <a:noFill/>
+          </a:ln>
+        </p:spPr>
+        <p:style>
+          <a:lnRef idx="2">
+            <a:schemeClr val="accent1">
+              <a:shade val="50000"/>
+            </a:schemeClr>
+          </a:lnRef>
+          <a:fillRef idx="1">
+            <a:schemeClr val="accent1"/>
+          </a:fillRef>
+          <a:effectRef idx="0">
+            <a:schemeClr val="accent1"/>
+          </a:effectRef>
+          <a:fontRef idx="minor">
+            <a:schemeClr val="lt1"/>
+          </a:fontRef>
+        </p:style>
+        <p:txBody>
+          <a:bodyPr rtlCol="0" anchor="ctr"/>
+          <a:lstStyle/>
+          <a:p>
+            <a:pPr algn="ctr"/>
+            <a:endParaRPr lang="zh-TW" altLang="en-US"/>
+          </a:p>
+        </p:txBody>
+      </p:sp>
+      <p:sp>
+        <p:nvSpPr>
+          <p:cNvPr id="59" name="文字方塊 58">
+            <a:extLst>
+              <a:ext uri="{FF2B5EF4-FFF2-40B4-BE49-F238E27FC236}">
+                <a16:creationId xmlns:a16="http://schemas.microsoft.com/office/drawing/2014/main" id="{02F7192D-752D-F447-43FA-98C0273B139E}"/>
               </a:ext>
             </a:extLst>
           </p:cNvPr>
@@ -4185,8 +4127,8 @@
         </p:nvSpPr>
         <p:spPr>
           <a:xfrm>
-            <a:off x="509015" y="8656327"/>
-            <a:ext cx="5792584" cy="1056636"/>
+            <a:off x="2417287" y="2848437"/>
+            <a:ext cx="1385431" cy="646331"/>
           </a:xfrm>
           <a:prstGeom prst="rect">
             <a:avLst/>
@@ -4200,116 +4142,102 @@
           <a:lstStyle/>
           <a:p>
             <a:pPr marL="171450" indent="-171450">
-              <a:lnSpc>
-                <a:spcPct val="150000"/>
-              </a:lnSpc>
               <a:buFont typeface="Arial" panose="020B0604020202020204" pitchFamily="34" charset="0"/>
               <a:buChar char="•"/>
             </a:pPr>
             <a:r>
-              <a:rPr lang="zh-TW" altLang="en-US" sz="1000" b="1" dirty="0">
-                <a:solidFill>
-                  <a:schemeClr val="tx1">
-                    <a:lumMod val="75000"/>
-                    <a:lumOff val="25000"/>
-                  </a:schemeClr>
-                </a:solidFill>
-                <a:latin typeface="微軟正黑體" panose="020B0604030504040204" pitchFamily="34" charset="-120"/>
-                <a:ea typeface="微軟正黑體" panose="020B0604030504040204" pitchFamily="34" charset="-120"/>
-                <a:cs typeface="芫荽 0.94" pitchFamily="2" charset="-120"/>
-              </a:rPr>
-              <a:t>在 </a:t>
-            </a:r>
-            <a:r>
-              <a:rPr lang="en-US" altLang="zh-TW" sz="1000" b="1" dirty="0">
-                <a:solidFill>
-                  <a:schemeClr val="tx1">
-                    <a:lumMod val="75000"/>
-                    <a:lumOff val="25000"/>
-                  </a:schemeClr>
-                </a:solidFill>
-                <a:latin typeface="微軟正黑體" panose="020B0604030504040204" pitchFamily="34" charset="-120"/>
-                <a:ea typeface="微軟正黑體" panose="020B0604030504040204" pitchFamily="34" charset="-120"/>
-                <a:cs typeface="芫荽 0.94" pitchFamily="2" charset="-120"/>
-              </a:rPr>
-              <a:t>300</a:t>
-            </a:r>
-            <a:r>
-              <a:rPr lang="zh-TW" altLang="en-US" sz="1000" b="1" dirty="0">
-                <a:solidFill>
-                  <a:schemeClr val="tx1">
-                    <a:lumMod val="75000"/>
-                    <a:lumOff val="25000"/>
-                  </a:schemeClr>
-                </a:solidFill>
-                <a:latin typeface="微軟正黑體" panose="020B0604030504040204" pitchFamily="34" charset="-120"/>
-                <a:ea typeface="微軟正黑體" panose="020B0604030504040204" pitchFamily="34" charset="-120"/>
-                <a:cs typeface="芫荽 0.94" pitchFamily="2" charset="-120"/>
-              </a:rPr>
-              <a:t> 個參賽隊伍中排名第 </a:t>
-            </a:r>
-            <a:r>
-              <a:rPr lang="en-US" altLang="zh-TW" sz="1000" b="1" dirty="0">
-                <a:solidFill>
-                  <a:schemeClr val="tx1">
-                    <a:lumMod val="75000"/>
-                    <a:lumOff val="25000"/>
-                  </a:schemeClr>
-                </a:solidFill>
-                <a:latin typeface="微軟正黑體" panose="020B0604030504040204" pitchFamily="34" charset="-120"/>
-                <a:ea typeface="微軟正黑體" panose="020B0604030504040204" pitchFamily="34" charset="-120"/>
-                <a:cs typeface="芫荽 0.94" pitchFamily="2" charset="-120"/>
-              </a:rPr>
-              <a:t>3</a:t>
-            </a:r>
-          </a:p>
-          <a:p>
-            <a:pPr>
-              <a:lnSpc>
-                <a:spcPct val="150000"/>
-              </a:lnSpc>
+              <a:rPr lang="en-US" altLang="zh-TW" sz="1200" dirty="0">
+                <a:solidFill>
+                  <a:srgbClr val="2E406F"/>
+                </a:solidFill>
+              </a:rPr>
+              <a:t>Teamwork</a:t>
+            </a:r>
+          </a:p>
+          <a:p>
+            <a:pPr marL="171450" indent="-171450">
+              <a:buFont typeface="Arial" panose="020B0604020202020204" pitchFamily="34" charset="0"/>
+              <a:buChar char="•"/>
             </a:pPr>
-            <a:endParaRPr lang="en-US" altLang="zh-TW" sz="300" b="1" dirty="0">
+            <a:r>
+              <a:rPr lang="en-US" altLang="zh-TW" sz="1200" dirty="0">
+                <a:solidFill>
+                  <a:srgbClr val="2E406F"/>
+                </a:solidFill>
+              </a:rPr>
+              <a:t>Presentation</a:t>
+            </a:r>
+          </a:p>
+          <a:p>
+            <a:pPr marL="171450" indent="-171450">
+              <a:buFont typeface="Arial" panose="020B0604020202020204" pitchFamily="34" charset="0"/>
+              <a:buChar char="•"/>
+            </a:pPr>
+            <a:r>
+              <a:rPr lang="en-US" altLang="zh-TW" sz="1200" dirty="0" smtClean="0">
+                <a:solidFill>
+                  <a:srgbClr val="2E406F"/>
+                </a:solidFill>
+              </a:rPr>
+              <a:t>Leadership</a:t>
+            </a:r>
+            <a:endParaRPr lang="zh-TW" altLang="en-US" sz="1200" dirty="0">
               <a:solidFill>
-                <a:schemeClr val="tx1">
-                  <a:lumMod val="75000"/>
-                  <a:lumOff val="25000"/>
-                </a:schemeClr>
+                <a:srgbClr val="2E406F"/>
               </a:solidFill>
-              <a:latin typeface="微軟正黑體" panose="020B0604030504040204" pitchFamily="34" charset="-120"/>
-              <a:ea typeface="微軟正黑體" panose="020B0604030504040204" pitchFamily="34" charset="-120"/>
-              <a:cs typeface="芫荽 0.94" pitchFamily="2" charset="-120"/>
             </a:endParaRPr>
           </a:p>
-          <a:p>
-            <a:pPr>
-              <a:lnSpc>
-                <a:spcPct val="150000"/>
-              </a:lnSpc>
-            </a:pPr>
-            <a:r>
-              <a:rPr lang="zh-TW" altLang="en-US" sz="1000" b="1" dirty="0">
-                <a:solidFill>
-                  <a:schemeClr val="tx1">
-                    <a:lumMod val="75000"/>
-                    <a:lumOff val="25000"/>
-                  </a:schemeClr>
-                </a:solidFill>
-                <a:latin typeface="微軟正黑體" panose="020B0604030504040204" pitchFamily="34" charset="-120"/>
-                <a:ea typeface="微軟正黑體" panose="020B0604030504040204" pitchFamily="34" charset="-120"/>
-                <a:cs typeface="芫荽 0.94" pitchFamily="2" charset="-120"/>
-              </a:rPr>
-              <a:t>受邀擔任由中正大學與輔仁大學學生跨校隊伍的指導老師。藉由傳授自身前一屆的參賽心得與經驗，對隊伍進行企畫指導。在長達三個月的賽期中，該隊伍陸續通過桃園市政府青年事務局組內初、複賽，最終被選為企業決賽代表隊，並在全國舞台中贏得季軍殊榮。</a:t>
-            </a:r>
-          </a:p>
-        </p:txBody>
-      </p:sp>
-      <p:sp>
-        <p:nvSpPr>
-          <p:cNvPr id="27" name="文字方塊 26">
+        </p:txBody>
+      </p:sp>
+      <p:cxnSp>
+        <p:nvCxnSpPr>
+          <p:cNvPr id="60" name="直線接點 59">
             <a:extLst>
               <a:ext uri="{FF2B5EF4-FFF2-40B4-BE49-F238E27FC236}">
-                <a16:creationId xmlns:a16="http://schemas.microsoft.com/office/drawing/2014/main" id="{BA0A9061-99B3-6F5E-CB9E-3EC7410D99B3}"/>
+                <a16:creationId xmlns:a16="http://schemas.microsoft.com/office/drawing/2014/main" id="{F677E023-567C-2A63-3EF1-7493A678A6E4}"/>
+              </a:ext>
+            </a:extLst>
+          </p:cNvPr>
+          <p:cNvCxnSpPr>
+            <a:cxnSpLocks/>
+          </p:cNvCxnSpPr>
+          <p:nvPr/>
+        </p:nvCxnSpPr>
+        <p:spPr>
+          <a:xfrm>
+            <a:off x="2417288" y="2808784"/>
+            <a:ext cx="1385430" cy="0"/>
+          </a:xfrm>
+          <a:prstGeom prst="line">
+            <a:avLst/>
+          </a:prstGeom>
+          <a:ln w="19050">
+            <a:solidFill>
+              <a:srgbClr val="2E406F"/>
+            </a:solidFill>
+          </a:ln>
+        </p:spPr>
+        <p:style>
+          <a:lnRef idx="1">
+            <a:schemeClr val="accent1"/>
+          </a:lnRef>
+          <a:fillRef idx="0">
+            <a:schemeClr val="accent1"/>
+          </a:fillRef>
+          <a:effectRef idx="0">
+            <a:schemeClr val="accent1"/>
+          </a:effectRef>
+          <a:fontRef idx="minor">
+            <a:schemeClr val="tx1"/>
+          </a:fontRef>
+        </p:style>
+      </p:cxnSp>
+      <p:sp>
+        <p:nvSpPr>
+          <p:cNvPr id="61" name="文字方塊 60">
+            <a:extLst>
+              <a:ext uri="{FF2B5EF4-FFF2-40B4-BE49-F238E27FC236}">
+                <a16:creationId xmlns:a16="http://schemas.microsoft.com/office/drawing/2014/main" id="{F5040517-79D6-5A6E-781D-4B9B05760F87}"/>
               </a:ext>
             </a:extLst>
           </p:cNvPr>
@@ -4318,52 +4246,42 @@
         </p:nvSpPr>
         <p:spPr>
           <a:xfrm>
-            <a:off x="234061" y="7624340"/>
-            <a:ext cx="1034574" cy="374571"/>
-          </a:xfrm>
-          <a:prstGeom prst="roundRect">
+            <a:off x="2417287" y="2472149"/>
+            <a:ext cx="1385431" cy="307777"/>
+          </a:xfrm>
+          <a:prstGeom prst="rect">
             <a:avLst/>
           </a:prstGeom>
-          <a:solidFill>
-            <a:schemeClr val="bg1">
-              <a:lumMod val="95000"/>
-            </a:schemeClr>
-          </a:solidFill>
-        </p:spPr>
-        <p:txBody>
-          <a:bodyPr wrap="none" rtlCol="0">
+          <a:noFill/>
+        </p:spPr>
+        <p:txBody>
+          <a:bodyPr wrap="square" rtlCol="0">
             <a:spAutoFit/>
           </a:bodyPr>
           <a:lstStyle/>
           <a:p>
             <a:r>
-              <a:rPr lang="zh-TW" altLang="en-US" sz="1600" b="1" dirty="0">
+              <a:rPr lang="en-US" altLang="zh-TW" sz="1400" b="1" dirty="0">
                 <a:solidFill>
                   <a:srgbClr val="2E406F"/>
                 </a:solidFill>
-                <a:latin typeface="微軟正黑體" panose="020B0604030504040204" pitchFamily="34" charset="-120"/>
-                <a:ea typeface="微軟正黑體" panose="020B0604030504040204" pitchFamily="34" charset="-120"/>
-                <a:cs typeface="芫荽 0.94" pitchFamily="2" charset="-120"/>
-              </a:rPr>
-              <a:t>競賽榮譽</a:t>
-            </a:r>
-            <a:endParaRPr lang="en-US" altLang="zh-TW" sz="1600" b="1" dirty="0">
+              </a:rPr>
+              <a:t>Soft Skills</a:t>
+            </a:r>
+            <a:endParaRPr lang="zh-TW" altLang="en-US" sz="1400" b="1" dirty="0">
               <a:solidFill>
                 <a:srgbClr val="2E406F"/>
               </a:solidFill>
-              <a:latin typeface="微軟正黑體" panose="020B0604030504040204" pitchFamily="34" charset="-120"/>
-              <a:ea typeface="微軟正黑體" panose="020B0604030504040204" pitchFamily="34" charset="-120"/>
-              <a:cs typeface="芫荽 0.94" pitchFamily="2" charset="-120"/>
             </a:endParaRPr>
           </a:p>
         </p:txBody>
       </p:sp>
       <p:sp>
         <p:nvSpPr>
-          <p:cNvPr id="28" name="文字方塊 27">
+          <p:cNvPr id="62" name="文字方塊 61">
             <a:extLst>
               <a:ext uri="{FF2B5EF4-FFF2-40B4-BE49-F238E27FC236}">
-                <a16:creationId xmlns:a16="http://schemas.microsoft.com/office/drawing/2014/main" id="{912E264E-54E6-7D9D-28C2-D0D78A7D9B0F}"/>
+                <a16:creationId xmlns:a16="http://schemas.microsoft.com/office/drawing/2014/main" id="{F904CC4A-28EB-4AAA-31E7-9C5643D06AF5}"/>
               </a:ext>
             </a:extLst>
           </p:cNvPr>
@@ -4372,8 +4290,8 @@
         </p:nvSpPr>
         <p:spPr>
           <a:xfrm>
-            <a:off x="440436" y="8010788"/>
-            <a:ext cx="4716780" cy="638316"/>
+            <a:off x="201040" y="2848437"/>
+            <a:ext cx="2064639" cy="646331"/>
           </a:xfrm>
           <a:prstGeom prst="rect">
             <a:avLst/>
@@ -4386,158 +4304,180 @@
           </a:bodyPr>
           <a:lstStyle/>
           <a:p>
-            <a:pPr>
-              <a:lnSpc>
-                <a:spcPct val="150000"/>
-              </a:lnSpc>
+            <a:pPr marL="171450" indent="-171450">
+              <a:buFont typeface="Arial" panose="020B0604020202020204" pitchFamily="34" charset="0"/>
+              <a:buChar char="•"/>
             </a:pPr>
             <a:r>
-              <a:rPr lang="en-US" altLang="zh-TW" sz="1300" b="1" dirty="0">
-                <a:latin typeface="微軟正黑體" panose="020B0604030504040204" pitchFamily="34" charset="-120"/>
-                <a:ea typeface="微軟正黑體" panose="020B0604030504040204" pitchFamily="34" charset="-120"/>
-                <a:cs typeface="芫荽 0.94" pitchFamily="2" charset="-120"/>
-              </a:rPr>
-              <a:t>18</a:t>
-            </a:r>
-            <a:r>
-              <a:rPr lang="en-US" altLang="zh-TW" sz="1300" b="1" baseline="30000" dirty="0">
-                <a:latin typeface="微軟正黑體" panose="020B0604030504040204" pitchFamily="34" charset="-120"/>
-                <a:ea typeface="微軟正黑體" panose="020B0604030504040204" pitchFamily="34" charset="-120"/>
-                <a:cs typeface="芫荽 0.94" pitchFamily="2" charset="-120"/>
-              </a:rPr>
-              <a:t>th</a:t>
-            </a:r>
-            <a:r>
-              <a:rPr lang="en-US" altLang="zh-TW" sz="1300" b="1" dirty="0">
-                <a:latin typeface="微軟正黑體" panose="020B0604030504040204" pitchFamily="34" charset="-120"/>
-                <a:ea typeface="微軟正黑體" panose="020B0604030504040204" pitchFamily="34" charset="-120"/>
-                <a:cs typeface="芫荽 0.94" pitchFamily="2" charset="-120"/>
-              </a:rPr>
-              <a:t> </a:t>
-            </a:r>
-            <a:r>
-              <a:rPr lang="zh-TW" altLang="en-US" sz="1300" b="1" dirty="0">
-                <a:latin typeface="微軟正黑體" panose="020B0604030504040204" pitchFamily="34" charset="-120"/>
-                <a:ea typeface="微軟正黑體" panose="020B0604030504040204" pitchFamily="34" charset="-120"/>
-                <a:cs typeface="芫荽 0.94" pitchFamily="2" charset="-120"/>
-              </a:rPr>
-              <a:t>全國季軍參賽隊伍 </a:t>
-            </a:r>
-            <a:r>
-              <a:rPr lang="en-US" altLang="zh-TW" sz="1300" b="1" dirty="0">
-                <a:latin typeface="微軟正黑體" panose="020B0604030504040204" pitchFamily="34" charset="-120"/>
-                <a:ea typeface="微軟正黑體" panose="020B0604030504040204" pitchFamily="34" charset="-120"/>
-                <a:cs typeface="芫荽 0.94" pitchFamily="2" charset="-120"/>
-              </a:rPr>
-              <a:t>|</a:t>
-            </a:r>
-            <a:r>
-              <a:rPr lang="zh-TW" altLang="en-US" sz="1300" b="1" dirty="0">
-                <a:latin typeface="微軟正黑體" panose="020B0604030504040204" pitchFamily="34" charset="-120"/>
-                <a:ea typeface="微軟正黑體" panose="020B0604030504040204" pitchFamily="34" charset="-120"/>
-                <a:cs typeface="芫荽 0.94" pitchFamily="2" charset="-120"/>
-              </a:rPr>
-              <a:t> 導師．</a:t>
-            </a:r>
-            <a:r>
-              <a:rPr lang="en-US" altLang="zh-TW" sz="1300" b="1" dirty="0">
+              <a:rPr lang="en-US" altLang="zh-TW" sz="1200" dirty="0">
                 <a:solidFill>
                   <a:srgbClr val="2E406F"/>
                 </a:solidFill>
-                <a:latin typeface="微軟正黑體" panose="020B0604030504040204" pitchFamily="34" charset="-120"/>
-                <a:ea typeface="微軟正黑體" panose="020B0604030504040204" pitchFamily="34" charset="-120"/>
-                <a:cs typeface="芫荽 0.94" pitchFamily="2" charset="-120"/>
-              </a:rPr>
-              <a:t>ATCC </a:t>
-            </a:r>
-            <a:r>
-              <a:rPr lang="zh-TW" altLang="en-US" sz="1300" b="1" dirty="0">
+              </a:rPr>
+              <a:t>Chinese - Native</a:t>
+            </a:r>
+          </a:p>
+          <a:p>
+            <a:pPr marL="171450" indent="-171450">
+              <a:buFont typeface="Arial" panose="020B0604020202020204" pitchFamily="34" charset="0"/>
+              <a:buChar char="•"/>
+            </a:pPr>
+            <a:r>
+              <a:rPr lang="en-US" altLang="zh-TW" sz="1200" dirty="0">
                 <a:solidFill>
                   <a:srgbClr val="2E406F"/>
                 </a:solidFill>
-                <a:latin typeface="微軟正黑體" panose="020B0604030504040204" pitchFamily="34" charset="-120"/>
-                <a:ea typeface="微軟正黑體" panose="020B0604030504040204" pitchFamily="34" charset="-120"/>
-                <a:cs typeface="芫荽 0.94" pitchFamily="2" charset="-120"/>
-              </a:rPr>
-              <a:t>全國大專院校商業競賽</a:t>
-            </a:r>
-            <a:r>
-              <a:rPr lang="en-US" altLang="zh-TW" sz="1300" b="1" dirty="0">
+              </a:rPr>
+              <a:t>English </a:t>
+            </a:r>
+            <a:r>
+              <a:rPr lang="en-US" altLang="zh-TW" sz="1200" dirty="0" smtClean="0">
                 <a:solidFill>
                   <a:srgbClr val="2E406F"/>
                 </a:solidFill>
-                <a:latin typeface="微軟正黑體" panose="020B0604030504040204" pitchFamily="34" charset="-120"/>
-                <a:ea typeface="微軟正黑體" panose="020B0604030504040204" pitchFamily="34" charset="-120"/>
-                <a:cs typeface="芫荽 0.94" pitchFamily="2" charset="-120"/>
-              </a:rPr>
-              <a:t> </a:t>
-            </a:r>
-          </a:p>
-          <a:p>
-            <a:pPr>
-              <a:lnSpc>
-                <a:spcPct val="150000"/>
-              </a:lnSpc>
+              </a:rPr>
+              <a:t>- </a:t>
+            </a:r>
+            <a:r>
+              <a:rPr lang="en-US" altLang="zh-TW" sz="1200" dirty="0" smtClean="0">
+                <a:solidFill>
+                  <a:srgbClr val="2E406F"/>
+                </a:solidFill>
+              </a:rPr>
+              <a:t>High </a:t>
+            </a:r>
+            <a:r>
+              <a:rPr lang="en-US" altLang="zh-TW" sz="1200" dirty="0" smtClean="0">
+                <a:solidFill>
+                  <a:srgbClr val="2E406F"/>
+                </a:solidFill>
+              </a:rPr>
+              <a:t>Intermediate</a:t>
+            </a:r>
+            <a:endParaRPr lang="en-US" altLang="zh-TW" sz="1200" dirty="0">
+              <a:solidFill>
+                <a:srgbClr val="2E406F"/>
+              </a:solidFill>
+            </a:endParaRPr>
+          </a:p>
+          <a:p>
+            <a:pPr marL="171450" indent="-171450">
+              <a:buFont typeface="Arial" panose="020B0604020202020204" pitchFamily="34" charset="0"/>
+              <a:buChar char="•"/>
             </a:pPr>
             <a:r>
-              <a:rPr lang="en-US" altLang="zh-TW" sz="1100" b="1" dirty="0">
-                <a:latin typeface="微軟正黑體" panose="020B0604030504040204" pitchFamily="34" charset="-120"/>
-                <a:ea typeface="微軟正黑體" panose="020B0604030504040204" pitchFamily="34" charset="-120"/>
-                <a:cs typeface="芫荽 0.94" pitchFamily="2" charset="-120"/>
-              </a:rPr>
-              <a:t>2020/03</a:t>
-            </a:r>
-            <a:r>
-              <a:rPr lang="zh-TW" altLang="en-US" sz="1100" b="1" dirty="0">
-                <a:latin typeface="微軟正黑體" panose="020B0604030504040204" pitchFamily="34" charset="-120"/>
-                <a:ea typeface="微軟正黑體" panose="020B0604030504040204" pitchFamily="34" charset="-120"/>
-                <a:cs typeface="芫荽 0.94" pitchFamily="2" charset="-120"/>
-              </a:rPr>
-              <a:t>  </a:t>
-            </a:r>
-            <a:r>
-              <a:rPr lang="en-US" altLang="zh-TW" sz="1100" b="1" dirty="0">
-                <a:latin typeface="微軟正黑體" panose="020B0604030504040204" pitchFamily="34" charset="-120"/>
-                <a:ea typeface="微軟正黑體" panose="020B0604030504040204" pitchFamily="34" charset="-120"/>
-                <a:cs typeface="芫荽 0.94" pitchFamily="2" charset="-120"/>
-              </a:rPr>
-              <a:t>–</a:t>
-            </a:r>
-            <a:r>
-              <a:rPr lang="zh-TW" altLang="en-US" sz="1100" b="1" dirty="0">
-                <a:latin typeface="微軟正黑體" panose="020B0604030504040204" pitchFamily="34" charset="-120"/>
-                <a:ea typeface="微軟正黑體" panose="020B0604030504040204" pitchFamily="34" charset="-120"/>
-                <a:cs typeface="芫荽 0.94" pitchFamily="2" charset="-120"/>
-              </a:rPr>
-              <a:t>  </a:t>
-            </a:r>
-            <a:r>
-              <a:rPr lang="en-US" altLang="zh-TW" sz="1100" b="1" dirty="0">
-                <a:latin typeface="微軟正黑體" panose="020B0604030504040204" pitchFamily="34" charset="-120"/>
-                <a:ea typeface="微軟正黑體" panose="020B0604030504040204" pitchFamily="34" charset="-120"/>
-                <a:cs typeface="芫荽 0.94" pitchFamily="2" charset="-120"/>
-              </a:rPr>
-              <a:t>2020/07</a:t>
-            </a:r>
-          </a:p>
-        </p:txBody>
-      </p:sp>
-      <p:pic>
-        <p:nvPicPr>
-          <p:cNvPr id="2050" name="Picture 2">
+              <a:rPr lang="en-US" altLang="zh-TW" sz="1200" dirty="0">
+                <a:solidFill>
+                  <a:srgbClr val="2E406F"/>
+                </a:solidFill>
+              </a:rPr>
+              <a:t>Japanese - Beginner</a:t>
+            </a:r>
+            <a:endParaRPr lang="zh-TW" altLang="en-US" sz="1200" dirty="0">
+              <a:solidFill>
+                <a:srgbClr val="2E406F"/>
+              </a:solidFill>
+            </a:endParaRPr>
+          </a:p>
+        </p:txBody>
+      </p:sp>
+      <p:cxnSp>
+        <p:nvCxnSpPr>
+          <p:cNvPr id="63" name="直線接點 62">
             <a:extLst>
               <a:ext uri="{FF2B5EF4-FFF2-40B4-BE49-F238E27FC236}">
-                <a16:creationId xmlns:a16="http://schemas.microsoft.com/office/drawing/2014/main" id="{1682E712-64BA-D256-741E-97D9F8BB06E9}"/>
+                <a16:creationId xmlns:a16="http://schemas.microsoft.com/office/drawing/2014/main" id="{4185E31E-31AD-9AAE-3F42-3A95E5CE2F6A}"/>
               </a:ext>
             </a:extLst>
           </p:cNvPr>
+          <p:cNvCxnSpPr>
+            <a:cxnSpLocks/>
+          </p:cNvCxnSpPr>
+          <p:nvPr/>
+        </p:nvCxnSpPr>
+        <p:spPr>
+          <a:xfrm>
+            <a:off x="234062" y="2808784"/>
+            <a:ext cx="2001137" cy="0"/>
+          </a:xfrm>
+          <a:prstGeom prst="line">
+            <a:avLst/>
+          </a:prstGeom>
+          <a:ln w="19050">
+            <a:solidFill>
+              <a:srgbClr val="2E406F"/>
+            </a:solidFill>
+          </a:ln>
+        </p:spPr>
+        <p:style>
+          <a:lnRef idx="1">
+            <a:schemeClr val="accent1"/>
+          </a:lnRef>
+          <a:fillRef idx="0">
+            <a:schemeClr val="accent1"/>
+          </a:fillRef>
+          <a:effectRef idx="0">
+            <a:schemeClr val="accent1"/>
+          </a:effectRef>
+          <a:fontRef idx="minor">
+            <a:schemeClr val="tx1"/>
+          </a:fontRef>
+        </p:style>
+      </p:cxnSp>
+      <p:sp>
+        <p:nvSpPr>
+          <p:cNvPr id="64" name="文字方塊 63">
+            <a:extLst>
+              <a:ext uri="{FF2B5EF4-FFF2-40B4-BE49-F238E27FC236}">
+                <a16:creationId xmlns:a16="http://schemas.microsoft.com/office/drawing/2014/main" id="{2CE7E1CB-B215-D50A-9E0A-D31FF379E999}"/>
+              </a:ext>
+            </a:extLst>
+          </p:cNvPr>
+          <p:cNvSpPr txBox="1"/>
+          <p:nvPr/>
+        </p:nvSpPr>
+        <p:spPr>
+          <a:xfrm>
+            <a:off x="234061" y="2472149"/>
+            <a:ext cx="2001137" cy="307777"/>
+          </a:xfrm>
+          <a:prstGeom prst="rect">
+            <a:avLst/>
+          </a:prstGeom>
+          <a:noFill/>
+        </p:spPr>
+        <p:txBody>
+          <a:bodyPr wrap="square" rtlCol="0">
+            <a:spAutoFit/>
+          </a:bodyPr>
+          <a:lstStyle/>
+          <a:p>
+            <a:r>
+              <a:rPr lang="en-US" altLang="zh-TW" sz="1400" b="1" dirty="0">
+                <a:solidFill>
+                  <a:srgbClr val="2E406F"/>
+                </a:solidFill>
+              </a:rPr>
+              <a:t>Language</a:t>
+            </a:r>
+            <a:endParaRPr lang="zh-TW" altLang="en-US" sz="1400" b="1" dirty="0">
+              <a:solidFill>
+                <a:srgbClr val="2E406F"/>
+              </a:solidFill>
+            </a:endParaRPr>
+          </a:p>
+        </p:txBody>
+      </p:sp>
+      <p:pic>
+        <p:nvPicPr>
+          <p:cNvPr id="66" name="Picture 2" descr="https://upload.wikimedia.org/wikipedia/zh/thumb/5/5d/National_Chung_Cheng_University_logo.svg/1200px-National_Chung_Cheng_University_logo.svg.png"/>
           <p:cNvPicPr>
             <a:picLocks noChangeAspect="1" noChangeArrowheads="1"/>
           </p:cNvPicPr>
           <p:nvPr/>
         </p:nvPicPr>
         <p:blipFill>
-          <a:blip r:embed="rId3">
+          <a:blip r:embed="rId2" cstate="hqprint">
             <a:extLst>
               <a:ext uri="{28A0092B-C50C-407E-A947-70E740481C1C}">
                 <a14:useLocalDpi xmlns:a14="http://schemas.microsoft.com/office/drawing/2010/main" val="0"/>
@@ -4551,8 +4491,8 @@
         </p:blipFill>
         <p:spPr bwMode="auto">
           <a:xfrm>
-            <a:off x="5876728" y="8059528"/>
-            <a:ext cx="540836" cy="540836"/>
+            <a:off x="7279252" y="4471941"/>
+            <a:ext cx="647630" cy="617407"/>
           </a:xfrm>
           <a:prstGeom prst="rect">
             <a:avLst/>
@@ -4569,9 +4509,208 @@
           </a:extLst>
         </p:spPr>
       </p:pic>
-      <p:sp>
-        <p:nvSpPr>
-          <p:cNvPr id="31" name="矩形 30">
+      <p:pic>
+        <p:nvPicPr>
+          <p:cNvPr id="1028" name="Picture 4" descr="https://www.chanchao.com.tw/exhibitorservicefiles/logo/241790_173656_B.jpg"/>
+          <p:cNvPicPr>
+            <a:picLocks noChangeAspect="1" noChangeArrowheads="1"/>
+          </p:cNvPicPr>
+          <p:nvPr/>
+        </p:nvPicPr>
+        <p:blipFill>
+          <a:blip r:embed="rId3" cstate="hqprint">
+            <a:extLst>
+              <a:ext uri="{28A0092B-C50C-407E-A947-70E740481C1C}">
+                <a14:useLocalDpi xmlns:a14="http://schemas.microsoft.com/office/drawing/2010/main" val="0"/>
+              </a:ext>
+            </a:extLst>
+          </a:blip>
+          <a:srcRect/>
+          <a:stretch>
+            <a:fillRect/>
+          </a:stretch>
+        </p:blipFill>
+        <p:spPr bwMode="auto">
+          <a:xfrm>
+            <a:off x="5715708" y="4471941"/>
+            <a:ext cx="733720" cy="733720"/>
+          </a:xfrm>
+          <a:prstGeom prst="rect">
+            <a:avLst/>
+          </a:prstGeom>
+          <a:noFill/>
+          <a:extLst>
+            <a:ext uri="{909E8E84-426E-40DD-AFC4-6F175D3DCCD1}">
+              <a14:hiddenFill xmlns:a14="http://schemas.microsoft.com/office/drawing/2010/main">
+                <a:solidFill>
+                  <a:srgbClr val="FFFFFF"/>
+                </a:solidFill>
+              </a14:hiddenFill>
+            </a:ext>
+          </a:extLst>
+        </p:spPr>
+      </p:pic>
+      <p:pic>
+        <p:nvPicPr>
+          <p:cNvPr id="47" name="圖片 46">
+            <a:extLst>
+              <a:ext uri="{FF2B5EF4-FFF2-40B4-BE49-F238E27FC236}">
+                <a16:creationId xmlns:a16="http://schemas.microsoft.com/office/drawing/2014/main" id="{1DB47B64-0149-1669-7268-F04D7627D77C}"/>
+              </a:ext>
+            </a:extLst>
+          </p:cNvPr>
+          <p:cNvPicPr>
+            <a:picLocks noChangeAspect="1"/>
+          </p:cNvPicPr>
+          <p:nvPr/>
+        </p:nvPicPr>
+        <p:blipFill rotWithShape="1">
+          <a:blip r:embed="rId4" cstate="hqprint">
+            <a:extLst>
+              <a:ext uri="{28A0092B-C50C-407E-A947-70E740481C1C}">
+                <a14:useLocalDpi xmlns:a14="http://schemas.microsoft.com/office/drawing/2010/main" val="0"/>
+              </a:ext>
+            </a:extLst>
+          </a:blip>
+          <a:srcRect t="14070" r="365" b="19492"/>
+          <a:stretch/>
+        </p:blipFill>
+        <p:spPr>
+          <a:xfrm>
+            <a:off x="333976" y="150275"/>
+            <a:ext cx="1206093" cy="1206092"/>
+          </a:xfrm>
+          <a:prstGeom prst="ellipse">
+            <a:avLst/>
+          </a:prstGeom>
+          <a:ln w="28575">
+            <a:noFill/>
+          </a:ln>
+        </p:spPr>
+      </p:pic>
+      <p:sp>
+        <p:nvSpPr>
+          <p:cNvPr id="48" name="文字方塊 47">
+            <a:extLst>
+              <a:ext uri="{FF2B5EF4-FFF2-40B4-BE49-F238E27FC236}">
+                <a16:creationId xmlns:a16="http://schemas.microsoft.com/office/drawing/2014/main" id="{8C9D97E0-EB21-C1B7-2AE5-D23EA005633B}"/>
+              </a:ext>
+            </a:extLst>
+          </p:cNvPr>
+          <p:cNvSpPr txBox="1"/>
+          <p:nvPr/>
+        </p:nvSpPr>
+        <p:spPr>
+          <a:xfrm>
+            <a:off x="575384" y="1399121"/>
+            <a:ext cx="723275" cy="307777"/>
+          </a:xfrm>
+          <a:prstGeom prst="rect">
+            <a:avLst/>
+          </a:prstGeom>
+          <a:noFill/>
+        </p:spPr>
+        <p:txBody>
+          <a:bodyPr wrap="none" rtlCol="0">
+            <a:spAutoFit/>
+          </a:bodyPr>
+          <a:lstStyle/>
+          <a:p>
+            <a:r>
+              <a:rPr lang="zh-TW" altLang="en-US" sz="1400" b="1" dirty="0">
+                <a:solidFill>
+                  <a:schemeClr val="bg1"/>
+                </a:solidFill>
+                <a:latin typeface="微軟正黑體" panose="020B0604030504040204" pitchFamily="34" charset="-120"/>
+                <a:ea typeface="微軟正黑體" panose="020B0604030504040204" pitchFamily="34" charset="-120"/>
+                <a:cs typeface="芫荽 0.94" pitchFamily="2" charset="-120"/>
+              </a:rPr>
+              <a:t>王柏崴</a:t>
+            </a:r>
+          </a:p>
+        </p:txBody>
+      </p:sp>
+      <p:sp>
+        <p:nvSpPr>
+          <p:cNvPr id="49" name="文字方塊 48">
+            <a:extLst>
+              <a:ext uri="{FF2B5EF4-FFF2-40B4-BE49-F238E27FC236}">
+                <a16:creationId xmlns:a16="http://schemas.microsoft.com/office/drawing/2014/main" id="{995C867D-4568-1F8E-221A-529DF99B56B8}"/>
+              </a:ext>
+            </a:extLst>
+          </p:cNvPr>
+          <p:cNvSpPr txBox="1"/>
+          <p:nvPr/>
+        </p:nvSpPr>
+        <p:spPr>
+          <a:xfrm>
+            <a:off x="1746886" y="216607"/>
+            <a:ext cx="4977764" cy="1200329"/>
+          </a:xfrm>
+          <a:prstGeom prst="rect">
+            <a:avLst/>
+          </a:prstGeom>
+          <a:noFill/>
+        </p:spPr>
+        <p:txBody>
+          <a:bodyPr wrap="square" rtlCol="0">
+            <a:spAutoFit/>
+          </a:bodyPr>
+          <a:lstStyle/>
+          <a:p>
+            <a:r>
+              <a:rPr lang="en-US" altLang="zh-TW" sz="1200" dirty="0">
+                <a:solidFill>
+                  <a:schemeClr val="bg1"/>
+                </a:solidFill>
+              </a:rPr>
+              <a:t>I am currently a program learner.</a:t>
+            </a:r>
+          </a:p>
+          <a:p>
+            <a:endParaRPr lang="en-US" altLang="zh-TW" sz="1200" dirty="0">
+              <a:solidFill>
+                <a:schemeClr val="bg1"/>
+              </a:solidFill>
+            </a:endParaRPr>
+          </a:p>
+          <a:p>
+            <a:r>
+              <a:rPr lang="en-US" altLang="zh-TW" sz="1200" dirty="0">
+                <a:solidFill>
+                  <a:schemeClr val="bg1"/>
+                </a:solidFill>
+              </a:rPr>
+              <a:t>For the past 7 months, I have been learning C#, which is a programming language can be used for developing desktop apps, mobile apps and websites.</a:t>
+            </a:r>
+          </a:p>
+          <a:p>
+            <a:endParaRPr lang="en-US" altLang="zh-TW" sz="1200" dirty="0">
+              <a:solidFill>
+                <a:schemeClr val="bg1"/>
+              </a:solidFill>
+            </a:endParaRPr>
+          </a:p>
+          <a:p>
+            <a:r>
+              <a:rPr lang="en-US" altLang="zh-TW" sz="1200" dirty="0">
+                <a:solidFill>
+                  <a:schemeClr val="bg1"/>
+                </a:solidFill>
+              </a:rPr>
+              <a:t>Please feel free to visit my GitHub page!</a:t>
+            </a:r>
+            <a:endParaRPr lang="zh-TW" altLang="en-US" sz="1200" dirty="0">
+              <a:solidFill>
+                <a:schemeClr val="bg1"/>
+              </a:solidFill>
+            </a:endParaRPr>
+          </a:p>
+        </p:txBody>
+      </p:sp>
+      <p:sp>
+        <p:nvSpPr>
+          <p:cNvPr id="50" name="矩形 49">
             <a:extLst>
               <a:ext uri="{FF2B5EF4-FFF2-40B4-BE49-F238E27FC236}">
                 <a16:creationId xmlns:a16="http://schemas.microsoft.com/office/drawing/2014/main" id="{586C710D-AF73-9AA0-F21F-EAACFA5E8276}"/>
@@ -4583,8 +4722,8 @@
         </p:nvSpPr>
         <p:spPr>
           <a:xfrm>
-            <a:off x="5301353" y="19764"/>
-            <a:ext cx="1531188" cy="246221"/>
+            <a:off x="1999428" y="1859028"/>
+            <a:ext cx="841897" cy="246221"/>
           </a:xfrm>
           <a:prstGeom prst="rect">
             <a:avLst/>
@@ -4597,11 +4736,58 @@
           <a:lstStyle/>
           <a:p>
             <a:r>
+              <a:rPr lang="en-US" altLang="zh-TW" sz="1000" dirty="0" smtClean="0">
+                <a:solidFill>
+                  <a:schemeClr val="bg1"/>
+                </a:solidFill>
+                <a:latin typeface="+mj-lt"/>
+                <a:ea typeface="Noto Serif CJK TC Medium" panose="02020500000000000000" pitchFamily="18" charset="-120"/>
+              </a:rPr>
+              <a:t>0936607911</a:t>
+            </a:r>
+            <a:endParaRPr lang="en-US" altLang="zh-TW" sz="1000" dirty="0">
+              <a:solidFill>
+                <a:schemeClr val="bg1"/>
+              </a:solidFill>
+              <a:latin typeface="+mj-lt"/>
+              <a:ea typeface="Noto Serif CJK TC Medium" panose="02020500000000000000" pitchFamily="18" charset="-120"/>
+            </a:endParaRPr>
+          </a:p>
+        </p:txBody>
+      </p:sp>
+      <p:sp>
+        <p:nvSpPr>
+          <p:cNvPr id="51" name="矩形 50">
+            <a:extLst>
+              <a:ext uri="{FF2B5EF4-FFF2-40B4-BE49-F238E27FC236}">
+                <a16:creationId xmlns:a16="http://schemas.microsoft.com/office/drawing/2014/main" id="{586C710D-AF73-9AA0-F21F-EAACFA5E8276}"/>
+              </a:ext>
+            </a:extLst>
+          </p:cNvPr>
+          <p:cNvSpPr/>
+          <p:nvPr/>
+        </p:nvSpPr>
+        <p:spPr>
+          <a:xfrm>
+            <a:off x="3396407" y="1858884"/>
+            <a:ext cx="1348446" cy="246221"/>
+          </a:xfrm>
+          <a:prstGeom prst="rect">
+            <a:avLst/>
+          </a:prstGeom>
+        </p:spPr>
+        <p:txBody>
+          <a:bodyPr wrap="none">
+            <a:spAutoFit/>
+          </a:bodyPr>
+          <a:lstStyle/>
+          <a:p>
+            <a:r>
               <a:rPr lang="en-US" altLang="zh-TW" sz="1000" dirty="0">
                 <a:solidFill>
                   <a:schemeClr val="bg1"/>
                 </a:solidFill>
-                <a:latin typeface="Noto Serif CJK TC Medium" panose="02020500000000000000" pitchFamily="18" charset="-120"/>
+                <a:latin typeface="+mj-lt"/>
                 <a:ea typeface="Noto Serif CJK TC Medium" panose="02020500000000000000" pitchFamily="18" charset="-120"/>
               </a:rPr>
               <a:t>ballway.w@gmail.com</a:t>
@@ -4611,7 +4797,7 @@
       </p:sp>
       <p:pic>
         <p:nvPicPr>
-          <p:cNvPr id="33" name="圖片 32">
+          <p:cNvPr id="52" name="圖片 51">
             <a:extLst>
               <a:ext uri="{FF2B5EF4-FFF2-40B4-BE49-F238E27FC236}">
                 <a16:creationId xmlns:a16="http://schemas.microsoft.com/office/drawing/2014/main" id="{E31D1751-7023-CBC0-3FC1-CF4625CD011B}"/>
@@ -4624,7 +4810,7 @@
           <p:nvPr/>
         </p:nvPicPr>
         <p:blipFill>
-          <a:blip r:embed="rId4" cstate="print">
+          <a:blip r:embed="rId5" cstate="print">
             <a:lum bright="70000" contrast="-70000"/>
             <a:extLst>
               <a:ext uri="{28A0092B-C50C-407E-A947-70E740481C1C}">
@@ -4638,7 +4824,7 @@
         </p:blipFill>
         <p:spPr>
           <a:xfrm>
-            <a:off x="5168003" y="52885"/>
+            <a:off x="3271236" y="1892575"/>
             <a:ext cx="157764" cy="179977"/>
           </a:xfrm>
           <a:prstGeom prst="rect">
@@ -4648,8 +4834,39 @@
       </p:pic>
       <p:pic>
         <p:nvPicPr>
-          <p:cNvPr id="34" name="圖片 33">
-            <a:hlinkClick r:id="rId5"/>
+          <p:cNvPr id="53" name="圖片 52"/>
+          <p:cNvPicPr>
+            <a:picLocks noChangeAspect="1"/>
+          </p:cNvPicPr>
+          <p:nvPr/>
+        </p:nvPicPr>
+        <p:blipFill>
+          <a:blip r:embed="rId6" cstate="hqprint">
+            <a:lum bright="70000" contrast="-70000"/>
+            <a:extLst>
+              <a:ext uri="{28A0092B-C50C-407E-A947-70E740481C1C}">
+                <a14:useLocalDpi xmlns:a14="http://schemas.microsoft.com/office/drawing/2010/main" val="0"/>
+              </a:ext>
+            </a:extLst>
+          </a:blip>
+          <a:stretch>
+            <a:fillRect/>
+          </a:stretch>
+        </p:blipFill>
+        <p:spPr>
+          <a:xfrm>
+            <a:off x="1837428" y="1893797"/>
+            <a:ext cx="162000" cy="162000"/>
+          </a:xfrm>
+          <a:prstGeom prst="rect">
+            <a:avLst/>
+          </a:prstGeom>
+        </p:spPr>
+      </p:pic>
+      <p:pic>
+        <p:nvPicPr>
+          <p:cNvPr id="68" name="圖片 67">
+            <a:hlinkClick r:id="rId7"/>
             <a:extLst>
               <a:ext uri="{FF2B5EF4-FFF2-40B4-BE49-F238E27FC236}">
                 <a16:creationId xmlns:a16="http://schemas.microsoft.com/office/drawing/2014/main" id="{5723286D-00BB-D105-1BAE-96AEE9AC8575}"/>
@@ -4662,7 +4879,8 @@
           <p:nvPr/>
         </p:nvPicPr>
         <p:blipFill>
-          <a:blip r:embed="rId6">
+          <a:blip r:embed="rId8" cstate="hqprint">
+            <a:lum bright="70000" contrast="-70000"/>
             <a:extLst>
               <a:ext uri="{28A0092B-C50C-407E-A947-70E740481C1C}">
                 <a14:useLocalDpi xmlns:a14="http://schemas.microsoft.com/office/drawing/2010/main" val="0"/>
@@ -4675,24 +4893,540 @@
         </p:blipFill>
         <p:spPr>
           <a:xfrm>
-            <a:off x="6493383" y="1614129"/>
-            <a:ext cx="257865" cy="257865"/>
+            <a:off x="5194611" y="1903908"/>
+            <a:ext cx="158228" cy="158228"/>
           </a:xfrm>
           <a:prstGeom prst="rect">
             <a:avLst/>
           </a:prstGeom>
         </p:spPr>
       </p:pic>
+      <p:sp>
+        <p:nvSpPr>
+          <p:cNvPr id="69" name="矩形 68">
+            <a:extLst>
+              <a:ext uri="{FF2B5EF4-FFF2-40B4-BE49-F238E27FC236}">
+                <a16:creationId xmlns:a16="http://schemas.microsoft.com/office/drawing/2014/main" id="{586C710D-AF73-9AA0-F21F-EAACFA5E8276}"/>
+              </a:ext>
+            </a:extLst>
+          </p:cNvPr>
+          <p:cNvSpPr/>
+          <p:nvPr/>
+        </p:nvSpPr>
+        <p:spPr>
+          <a:xfrm>
+            <a:off x="5320805" y="1860175"/>
+            <a:ext cx="1537195" cy="246221"/>
+          </a:xfrm>
+          <a:prstGeom prst="rect">
+            <a:avLst/>
+          </a:prstGeom>
+        </p:spPr>
+        <p:txBody>
+          <a:bodyPr wrap="square">
+            <a:spAutoFit/>
+          </a:bodyPr>
+          <a:lstStyle/>
+          <a:p>
+            <a:r>
+              <a:rPr lang="en-US" altLang="zh-TW" sz="1000" dirty="0">
+                <a:solidFill>
+                  <a:schemeClr val="bg1"/>
+                </a:solidFill>
+                <a:ea typeface="Noto Serif CJK TC Medium" panose="02020500000000000000" pitchFamily="18" charset="-120"/>
+              </a:rPr>
+              <a:t>linkedin.com/in/</a:t>
+            </a:r>
+            <a:r>
+              <a:rPr lang="en-US" altLang="zh-TW" sz="1000" dirty="0" err="1">
+                <a:solidFill>
+                  <a:schemeClr val="bg1"/>
+                </a:solidFill>
+                <a:ea typeface="Noto Serif CJK TC Medium" panose="02020500000000000000" pitchFamily="18" charset="-120"/>
+              </a:rPr>
+              <a:t>ballway</a:t>
+            </a:r>
+            <a:endParaRPr lang="en-US" altLang="zh-TW" sz="1000" dirty="0">
+              <a:solidFill>
+                <a:schemeClr val="bg1"/>
+              </a:solidFill>
+              <a:ea typeface="Noto Serif CJK TC Medium" panose="02020500000000000000" pitchFamily="18" charset="-120"/>
+            </a:endParaRPr>
+          </a:p>
+        </p:txBody>
+      </p:sp>
+      <p:sp>
+        <p:nvSpPr>
+          <p:cNvPr id="67" name="矩形 66">
+            <a:extLst>
+              <a:ext uri="{FF2B5EF4-FFF2-40B4-BE49-F238E27FC236}">
+                <a16:creationId xmlns:a16="http://schemas.microsoft.com/office/drawing/2014/main" id="{586C710D-AF73-9AA0-F21F-EAACFA5E8276}"/>
+              </a:ext>
+            </a:extLst>
+          </p:cNvPr>
+          <p:cNvSpPr/>
+          <p:nvPr/>
+        </p:nvSpPr>
+        <p:spPr>
+          <a:xfrm>
+            <a:off x="432842" y="1861905"/>
+            <a:ext cx="1051426" cy="246221"/>
+          </a:xfrm>
+          <a:prstGeom prst="rect">
+            <a:avLst/>
+          </a:prstGeom>
+        </p:spPr>
+        <p:txBody>
+          <a:bodyPr wrap="square">
+            <a:spAutoFit/>
+          </a:bodyPr>
+          <a:lstStyle/>
+          <a:p>
+            <a:pPr algn="ctr"/>
+            <a:r>
+              <a:rPr lang="en-US" altLang="zh-TW" sz="1000" dirty="0" smtClean="0">
+                <a:solidFill>
+                  <a:schemeClr val="bg1"/>
+                </a:solidFill>
+                <a:latin typeface="+mj-lt"/>
+                <a:ea typeface="Noto Serif CJK TC Medium" panose="02020500000000000000" pitchFamily="18" charset="-120"/>
+              </a:rPr>
+              <a:t>Taipei, Taiwan</a:t>
+            </a:r>
+            <a:endParaRPr lang="en-US" altLang="zh-TW" sz="1000" dirty="0">
+              <a:solidFill>
+                <a:schemeClr val="bg1"/>
+              </a:solidFill>
+              <a:latin typeface="+mj-lt"/>
+              <a:ea typeface="Noto Serif CJK TC Medium" panose="02020500000000000000" pitchFamily="18" charset="-120"/>
+            </a:endParaRPr>
+          </a:p>
+        </p:txBody>
+      </p:sp>
+      <p:pic>
+        <p:nvPicPr>
+          <p:cNvPr id="65" name="圖片 64"/>
+          <p:cNvPicPr>
+            <a:picLocks noChangeAspect="1"/>
+          </p:cNvPicPr>
+          <p:nvPr/>
+        </p:nvPicPr>
+        <p:blipFill>
+          <a:blip r:embed="rId9" cstate="hqprint">
+            <a:lum bright="70000" contrast="-70000"/>
+            <a:extLst>
+              <a:ext uri="{28A0092B-C50C-407E-A947-70E740481C1C}">
+                <a14:useLocalDpi xmlns:a14="http://schemas.microsoft.com/office/drawing/2010/main" val="0"/>
+              </a:ext>
+            </a:extLst>
+          </a:blip>
+          <a:stretch>
+            <a:fillRect/>
+          </a:stretch>
+        </p:blipFill>
+        <p:spPr>
+          <a:xfrm>
+            <a:off x="353777" y="1907264"/>
+            <a:ext cx="152401" cy="152401"/>
+          </a:xfrm>
+          <a:prstGeom prst="rect">
+            <a:avLst/>
+          </a:prstGeom>
+        </p:spPr>
+      </p:pic>
+      <p:pic>
+        <p:nvPicPr>
+          <p:cNvPr id="36" name="圖片 35">
+            <a:hlinkClick r:id="rId10"/>
+            <a:extLst>
+              <a:ext uri="{FF2B5EF4-FFF2-40B4-BE49-F238E27FC236}">
+                <a16:creationId xmlns:a16="http://schemas.microsoft.com/office/drawing/2014/main" id="{5723286D-00BB-D105-1BAE-96AEE9AC8575}"/>
+              </a:ext>
+            </a:extLst>
+          </p:cNvPr>
+          <p:cNvPicPr>
+            <a:picLocks noChangeAspect="1"/>
+          </p:cNvPicPr>
+          <p:nvPr/>
+        </p:nvPicPr>
+        <p:blipFill>
+          <a:blip r:embed="rId11" cstate="hqprint">
+            <a:duotone>
+              <a:prstClr val="black"/>
+              <a:schemeClr val="accent3">
+                <a:tint val="45000"/>
+                <a:satMod val="400000"/>
+              </a:schemeClr>
+            </a:duotone>
+            <a:extLst>
+              <a:ext uri="{28A0092B-C50C-407E-A947-70E740481C1C}">
+                <a14:useLocalDpi xmlns:a14="http://schemas.microsoft.com/office/drawing/2010/main" val="0"/>
+              </a:ext>
+            </a:extLst>
+          </a:blip>
+          <a:stretch>
+            <a:fillRect/>
+          </a:stretch>
+        </p:blipFill>
+        <p:spPr>
+          <a:xfrm>
+            <a:off x="5078082" y="1451632"/>
+            <a:ext cx="254385" cy="254385"/>
+          </a:xfrm>
+          <a:prstGeom prst="rect">
+            <a:avLst/>
+          </a:prstGeom>
+        </p:spPr>
+      </p:pic>
+      <p:sp>
+        <p:nvSpPr>
+          <p:cNvPr id="37" name="矩形 36">
+            <a:extLst>
+              <a:ext uri="{FF2B5EF4-FFF2-40B4-BE49-F238E27FC236}">
+                <a16:creationId xmlns:a16="http://schemas.microsoft.com/office/drawing/2014/main" id="{586C710D-AF73-9AA0-F21F-EAACFA5E8276}"/>
+              </a:ext>
+            </a:extLst>
+          </p:cNvPr>
+          <p:cNvSpPr/>
+          <p:nvPr/>
+        </p:nvSpPr>
+        <p:spPr>
+          <a:xfrm>
+            <a:off x="5332467" y="1453801"/>
+            <a:ext cx="1537195" cy="253916"/>
+          </a:xfrm>
+          <a:prstGeom prst="rect">
+            <a:avLst/>
+          </a:prstGeom>
+        </p:spPr>
+        <p:txBody>
+          <a:bodyPr wrap="square">
+            <a:spAutoFit/>
+          </a:bodyPr>
+          <a:lstStyle/>
+          <a:p>
+            <a:r>
+              <a:rPr lang="en-US" altLang="zh-TW" sz="1050" dirty="0" smtClean="0">
+                <a:solidFill>
+                  <a:schemeClr val="bg1"/>
+                </a:solidFill>
+                <a:latin typeface="+mj-lt"/>
+                <a:ea typeface="Noto Serif CJK TC Medium" panose="02020500000000000000" pitchFamily="18" charset="-120"/>
+              </a:rPr>
+              <a:t>https://ballway.github.io</a:t>
+            </a:r>
+            <a:endParaRPr lang="en-US" altLang="zh-TW" sz="1050" dirty="0">
+              <a:solidFill>
+                <a:schemeClr val="bg1"/>
+              </a:solidFill>
+              <a:latin typeface="+mj-lt"/>
+              <a:ea typeface="Noto Serif CJK TC Medium" panose="02020500000000000000" pitchFamily="18" charset="-120"/>
+            </a:endParaRPr>
+          </a:p>
+        </p:txBody>
+      </p:sp>
+      <p:sp>
+        <p:nvSpPr>
+          <p:cNvPr id="43" name="文字方塊 42">
+            <a:extLst>
+              <a:ext uri="{FF2B5EF4-FFF2-40B4-BE49-F238E27FC236}">
+                <a16:creationId xmlns:a16="http://schemas.microsoft.com/office/drawing/2014/main" id="{F904CC4A-28EB-4AAA-31E7-9C5643D06AF5}"/>
+              </a:ext>
+            </a:extLst>
+          </p:cNvPr>
+          <p:cNvSpPr txBox="1"/>
+          <p:nvPr/>
+        </p:nvSpPr>
+        <p:spPr>
+          <a:xfrm>
+            <a:off x="3984807" y="2848437"/>
+            <a:ext cx="1112973" cy="646331"/>
+          </a:xfrm>
+          <a:prstGeom prst="rect">
+            <a:avLst/>
+          </a:prstGeom>
+          <a:noFill/>
+        </p:spPr>
+        <p:txBody>
+          <a:bodyPr wrap="square" rtlCol="0">
+            <a:spAutoFit/>
+          </a:bodyPr>
+          <a:lstStyle/>
+          <a:p>
+            <a:pPr marL="171450" indent="-171450">
+              <a:buFont typeface="Arial" panose="020B0604020202020204" pitchFamily="34" charset="0"/>
+              <a:buChar char="•"/>
+            </a:pPr>
+            <a:r>
+              <a:rPr lang="en-US" altLang="zh-TW" sz="1200" dirty="0" smtClean="0">
+                <a:solidFill>
+                  <a:srgbClr val="2E406F"/>
+                </a:solidFill>
+              </a:rPr>
+              <a:t>C#</a:t>
+            </a:r>
+            <a:endParaRPr lang="en-US" altLang="zh-TW" sz="1200" dirty="0">
+              <a:solidFill>
+                <a:srgbClr val="2E406F"/>
+              </a:solidFill>
+            </a:endParaRPr>
+          </a:p>
+          <a:p>
+            <a:pPr marL="171450" indent="-171450">
+              <a:buFont typeface="Arial" panose="020B0604020202020204" pitchFamily="34" charset="0"/>
+              <a:buChar char="•"/>
+            </a:pPr>
+            <a:r>
+              <a:rPr lang="en-US" altLang="zh-TW" sz="1200" dirty="0" smtClean="0">
+                <a:solidFill>
+                  <a:srgbClr val="2E406F"/>
+                </a:solidFill>
+              </a:rPr>
+              <a:t>ASP.NET</a:t>
+            </a:r>
+          </a:p>
+          <a:p>
+            <a:pPr marL="171450" indent="-171450">
+              <a:buFont typeface="Arial" panose="020B0604020202020204" pitchFamily="34" charset="0"/>
+              <a:buChar char="•"/>
+            </a:pPr>
+            <a:r>
+              <a:rPr lang="en-US" altLang="zh-TW" sz="1200" dirty="0" smtClean="0">
+                <a:solidFill>
+                  <a:srgbClr val="2E406F"/>
+                </a:solidFill>
+              </a:rPr>
+              <a:t>MS SQL</a:t>
+            </a:r>
+          </a:p>
+        </p:txBody>
+      </p:sp>
+      <p:cxnSp>
+        <p:nvCxnSpPr>
+          <p:cNvPr id="44" name="直線接點 43">
+            <a:extLst>
+              <a:ext uri="{FF2B5EF4-FFF2-40B4-BE49-F238E27FC236}">
+                <a16:creationId xmlns:a16="http://schemas.microsoft.com/office/drawing/2014/main" id="{4185E31E-31AD-9AAE-3F42-3A95E5CE2F6A}"/>
+              </a:ext>
+            </a:extLst>
+          </p:cNvPr>
+          <p:cNvCxnSpPr>
+            <a:cxnSpLocks/>
+          </p:cNvCxnSpPr>
+          <p:nvPr/>
+        </p:nvCxnSpPr>
+        <p:spPr>
+          <a:xfrm>
+            <a:off x="3984808" y="2808784"/>
+            <a:ext cx="2609400" cy="16793"/>
+          </a:xfrm>
+          <a:prstGeom prst="line">
+            <a:avLst/>
+          </a:prstGeom>
+          <a:ln w="19050">
+            <a:solidFill>
+              <a:srgbClr val="2E406F"/>
+            </a:solidFill>
+          </a:ln>
+        </p:spPr>
+        <p:style>
+          <a:lnRef idx="1">
+            <a:schemeClr val="accent1"/>
+          </a:lnRef>
+          <a:fillRef idx="0">
+            <a:schemeClr val="accent1"/>
+          </a:fillRef>
+          <a:effectRef idx="0">
+            <a:schemeClr val="accent1"/>
+          </a:effectRef>
+          <a:fontRef idx="minor">
+            <a:schemeClr val="tx1"/>
+          </a:fontRef>
+        </p:style>
+      </p:cxnSp>
+      <p:sp>
+        <p:nvSpPr>
+          <p:cNvPr id="45" name="文字方塊 44">
+            <a:extLst>
+              <a:ext uri="{FF2B5EF4-FFF2-40B4-BE49-F238E27FC236}">
+                <a16:creationId xmlns:a16="http://schemas.microsoft.com/office/drawing/2014/main" id="{2CE7E1CB-B215-D50A-9E0A-D31FF379E999}"/>
+              </a:ext>
+            </a:extLst>
+          </p:cNvPr>
+          <p:cNvSpPr txBox="1"/>
+          <p:nvPr/>
+        </p:nvSpPr>
+        <p:spPr>
+          <a:xfrm>
+            <a:off x="3984807" y="2472149"/>
+            <a:ext cx="2034993" cy="307777"/>
+          </a:xfrm>
+          <a:prstGeom prst="rect">
+            <a:avLst/>
+          </a:prstGeom>
+          <a:noFill/>
+        </p:spPr>
+        <p:txBody>
+          <a:bodyPr wrap="square" rtlCol="0">
+            <a:spAutoFit/>
+          </a:bodyPr>
+          <a:lstStyle/>
+          <a:p>
+            <a:r>
+              <a:rPr lang="en-US" altLang="zh-TW" sz="1400" b="1" dirty="0" smtClean="0">
+                <a:solidFill>
+                  <a:srgbClr val="2E406F"/>
+                </a:solidFill>
+              </a:rPr>
+              <a:t>Programming Related</a:t>
+            </a:r>
+            <a:endParaRPr lang="zh-TW" altLang="en-US" sz="1400" b="1" dirty="0">
+              <a:solidFill>
+                <a:srgbClr val="2E406F"/>
+              </a:solidFill>
+            </a:endParaRPr>
+          </a:p>
+        </p:txBody>
+      </p:sp>
+      <p:sp>
+        <p:nvSpPr>
+          <p:cNvPr id="70" name="文字方塊 69">
+            <a:extLst>
+              <a:ext uri="{FF2B5EF4-FFF2-40B4-BE49-F238E27FC236}">
+                <a16:creationId xmlns:a16="http://schemas.microsoft.com/office/drawing/2014/main" id="{F904CC4A-28EB-4AAA-31E7-9C5643D06AF5}"/>
+              </a:ext>
+            </a:extLst>
+          </p:cNvPr>
+          <p:cNvSpPr txBox="1"/>
+          <p:nvPr/>
+        </p:nvSpPr>
+        <p:spPr>
+          <a:xfrm>
+            <a:off x="5237034" y="2848437"/>
+            <a:ext cx="1357174" cy="646331"/>
+          </a:xfrm>
+          <a:prstGeom prst="rect">
+            <a:avLst/>
+          </a:prstGeom>
+          <a:noFill/>
+        </p:spPr>
+        <p:txBody>
+          <a:bodyPr wrap="square" rtlCol="0">
+            <a:spAutoFit/>
+          </a:bodyPr>
+          <a:lstStyle/>
+          <a:p>
+            <a:pPr marL="171450" indent="-171450">
+              <a:buFont typeface="Arial" panose="020B0604020202020204" pitchFamily="34" charset="0"/>
+              <a:buChar char="•"/>
+            </a:pPr>
+            <a:r>
+              <a:rPr lang="en-US" altLang="zh-TW" sz="1200" dirty="0" smtClean="0">
+                <a:solidFill>
+                  <a:srgbClr val="2E406F"/>
+                </a:solidFill>
+              </a:rPr>
+              <a:t>HTML / CSS</a:t>
+            </a:r>
+            <a:endParaRPr lang="en-US" altLang="zh-TW" sz="1200" dirty="0">
+              <a:solidFill>
+                <a:srgbClr val="2E406F"/>
+              </a:solidFill>
+            </a:endParaRPr>
+          </a:p>
+          <a:p>
+            <a:pPr marL="171450" indent="-171450">
+              <a:buFont typeface="Arial" panose="020B0604020202020204" pitchFamily="34" charset="0"/>
+              <a:buChar char="•"/>
+            </a:pPr>
+            <a:r>
+              <a:rPr lang="en-US" altLang="zh-TW" sz="1200" dirty="0">
+                <a:solidFill>
+                  <a:srgbClr val="2E406F"/>
+                </a:solidFill>
+              </a:rPr>
+              <a:t>JavaScript</a:t>
+            </a:r>
+            <a:endParaRPr lang="en-US" altLang="zh-TW" sz="1200" dirty="0" smtClean="0">
+              <a:solidFill>
+                <a:srgbClr val="2E406F"/>
+              </a:solidFill>
+            </a:endParaRPr>
+          </a:p>
+          <a:p>
+            <a:pPr marL="171450" indent="-171450">
+              <a:buFont typeface="Arial" panose="020B0604020202020204" pitchFamily="34" charset="0"/>
+              <a:buChar char="•"/>
+            </a:pPr>
+            <a:r>
+              <a:rPr lang="en-US" altLang="zh-TW" sz="1200" dirty="0" smtClean="0">
+                <a:solidFill>
+                  <a:srgbClr val="2E406F"/>
+                </a:solidFill>
+              </a:rPr>
+              <a:t>Ajax</a:t>
+            </a:r>
+            <a:endParaRPr lang="zh-TW" altLang="en-US" sz="1200" dirty="0">
+              <a:solidFill>
+                <a:srgbClr val="2E406F"/>
+              </a:solidFill>
+            </a:endParaRPr>
+          </a:p>
+        </p:txBody>
+      </p:sp>
+      <p:sp>
+        <p:nvSpPr>
+          <p:cNvPr id="7" name="文字方塊 6"/>
+          <p:cNvSpPr txBox="1"/>
+          <p:nvPr/>
+        </p:nvSpPr>
+        <p:spPr>
+          <a:xfrm>
+            <a:off x="6233020" y="9515021"/>
+            <a:ext cx="503664" cy="307777"/>
+          </a:xfrm>
+          <a:prstGeom prst="rect">
+            <a:avLst/>
+          </a:prstGeom>
+          <a:noFill/>
+        </p:spPr>
+        <p:txBody>
+          <a:bodyPr wrap="none" rtlCol="0">
+            <a:spAutoFit/>
+          </a:bodyPr>
+          <a:lstStyle/>
+          <a:p>
+            <a:r>
+              <a:rPr lang="en-US" altLang="zh-TW" sz="1400" dirty="0" smtClean="0">
+                <a:latin typeface="Times New Roman" panose="02020603050405020304" pitchFamily="18" charset="0"/>
+                <a:cs typeface="Times New Roman" panose="02020603050405020304" pitchFamily="18" charset="0"/>
+              </a:rPr>
+              <a:t>1 / 2</a:t>
+            </a:r>
+            <a:endParaRPr lang="zh-TW" altLang="en-US" sz="1400" dirty="0">
+              <a:latin typeface="Times New Roman" panose="02020603050405020304" pitchFamily="18" charset="0"/>
+              <a:cs typeface="Times New Roman" panose="02020603050405020304" pitchFamily="18" charset="0"/>
+            </a:endParaRPr>
+          </a:p>
+        </p:txBody>
+      </p:sp>
     </p:spTree>
     <p:extLst>
       <p:ext uri="{BB962C8B-B14F-4D97-AF65-F5344CB8AC3E}">
-        <p14:creationId xmlns:p14="http://schemas.microsoft.com/office/powerpoint/2010/main" val="1401727704"/>
+        <p14:creationId xmlns:p14="http://schemas.microsoft.com/office/powerpoint/2010/main" val="1142339006"/>
       </p:ext>
     </p:extLst>
   </p:cSld>
   <p:clrMapOvr>
     <a:masterClrMapping/>
   </p:clrMapOvr>
+  <p:timing>
+    <p:tnLst>
+      <p:par>
+        <p:cTn id="1" dur="indefinite" restart="never" nodeType="tmRoot"/>
+      </p:par>
+    </p:tnLst>
+  </p:timing>
 </p:sld>
 </file>
 
@@ -4727,7 +5461,7 @@
         </p:nvSpPr>
         <p:spPr>
           <a:xfrm>
-            <a:off x="234061" y="2422265"/>
+            <a:off x="234061" y="4106695"/>
             <a:ext cx="1034574" cy="374571"/>
           </a:xfrm>
           <a:prstGeom prst="roundRect">
@@ -4781,7 +5515,7 @@
         </p:nvSpPr>
         <p:spPr>
           <a:xfrm>
-            <a:off x="509015" y="1235690"/>
+            <a:off x="509015" y="2945656"/>
             <a:ext cx="5792584" cy="1056636"/>
           </a:xfrm>
           <a:prstGeom prst="rect">
@@ -4914,7 +5648,7 @@
         </p:nvSpPr>
         <p:spPr>
           <a:xfrm>
-            <a:off x="234061" y="203703"/>
+            <a:off x="234061" y="167607"/>
             <a:ext cx="1034574" cy="374571"/>
           </a:xfrm>
           <a:prstGeom prst="roundRect">
@@ -4968,7 +5702,7 @@
         </p:nvSpPr>
         <p:spPr>
           <a:xfrm>
-            <a:off x="440436" y="590151"/>
+            <a:off x="440436" y="2346761"/>
             <a:ext cx="4619244" cy="638316"/>
           </a:xfrm>
           <a:prstGeom prst="rect">
@@ -5134,7 +5868,7 @@
         </p:nvCxnSpPr>
         <p:spPr>
           <a:xfrm>
-            <a:off x="1487424" y="2609550"/>
+            <a:off x="1487424" y="4293980"/>
             <a:ext cx="5086350" cy="0"/>
           </a:xfrm>
           <a:prstGeom prst="line">
@@ -5171,8 +5905,8 @@
         </p:nvSpPr>
         <p:spPr>
           <a:xfrm>
-            <a:off x="1040035" y="2831537"/>
-            <a:ext cx="3439083" cy="961482"/>
+            <a:off x="1040035" y="4531035"/>
+            <a:ext cx="2973186" cy="923330"/>
           </a:xfrm>
           <a:prstGeom prst="rect">
             <a:avLst/>
@@ -5191,7 +5925,7 @@
               </a:lnSpc>
             </a:pPr>
             <a:r>
-              <a:rPr lang="en-US" altLang="zh-TW" sz="1400" b="1" dirty="0">
+              <a:rPr lang="en-US" altLang="zh-TW" sz="1200" b="1" dirty="0">
                 <a:latin typeface="微軟正黑體" panose="020B0604030504040204" pitchFamily="34" charset="-120"/>
                 <a:ea typeface="微軟正黑體" panose="020B0604030504040204" pitchFamily="34" charset="-120"/>
                 <a:cs typeface="芫荽 0.94" pitchFamily="2" charset="-120"/>
@@ -5199,14 +5933,14 @@
               <a:t>TOEIC Golden Certificate </a:t>
             </a:r>
             <a:r>
-              <a:rPr lang="zh-TW" altLang="en-US" sz="1400" b="1" dirty="0">
+              <a:rPr lang="zh-TW" altLang="en-US" sz="1200" b="1" dirty="0">
                 <a:latin typeface="微軟正黑體" panose="020B0604030504040204" pitchFamily="34" charset="-120"/>
                 <a:ea typeface="微軟正黑體" panose="020B0604030504040204" pitchFamily="34" charset="-120"/>
                 <a:cs typeface="芫荽 0.94" pitchFamily="2" charset="-120"/>
               </a:rPr>
               <a:t>多益金色證書</a:t>
             </a:r>
-            <a:endParaRPr lang="en-US" altLang="zh-TW" sz="1400" b="1" dirty="0">
+            <a:endParaRPr lang="en-US" altLang="zh-TW" sz="1200" b="1" dirty="0">
               <a:latin typeface="微軟正黑體" panose="020B0604030504040204" pitchFamily="34" charset="-120"/>
               <a:ea typeface="微軟正黑體" panose="020B0604030504040204" pitchFamily="34" charset="-120"/>
               <a:cs typeface="芫荽 0.94" pitchFamily="2" charset="-120"/>
@@ -5219,7 +5953,7 @@
               </a:lnSpc>
             </a:pPr>
             <a:r>
-              <a:rPr lang="zh-TW" altLang="en-US" sz="1400" b="1" dirty="0">
+              <a:rPr lang="zh-TW" altLang="en-US" sz="1200" b="1" dirty="0">
                 <a:latin typeface="微軟正黑體" panose="020B0604030504040204" pitchFamily="34" charset="-120"/>
                 <a:ea typeface="微軟正黑體" panose="020B0604030504040204" pitchFamily="34" charset="-120"/>
                 <a:cs typeface="芫荽 0.94" pitchFamily="2" charset="-120"/>
@@ -5227,7 +5961,7 @@
               <a:t> </a:t>
             </a:r>
             <a:r>
-              <a:rPr lang="en-US" altLang="zh-TW" sz="1300" b="1" dirty="0">
+              <a:rPr lang="en-US" altLang="zh-TW" sz="1200" b="1" dirty="0">
                 <a:solidFill>
                   <a:srgbClr val="2E406F"/>
                 </a:solidFill>
@@ -5238,7 +5972,7 @@
               <a:t>(ETS) </a:t>
             </a:r>
             <a:r>
-              <a:rPr lang="zh-TW" altLang="en-US" sz="1300" b="1" dirty="0">
+              <a:rPr lang="zh-TW" altLang="en-US" sz="1200" b="1" dirty="0">
                 <a:solidFill>
                   <a:srgbClr val="2E406F"/>
                 </a:solidFill>
@@ -5248,7 +5982,7 @@
               </a:rPr>
               <a:t>美國教育測驗服務社</a:t>
             </a:r>
-            <a:endParaRPr lang="en-US" altLang="zh-TW" sz="1300" b="1" dirty="0">
+            <a:endParaRPr lang="en-US" altLang="zh-TW" sz="1200" b="1" dirty="0">
               <a:solidFill>
                 <a:srgbClr val="2E406F"/>
               </a:solidFill>
@@ -5264,31 +5998,31 @@
               </a:lnSpc>
             </a:pPr>
             <a:r>
+              <a:rPr lang="zh-TW" altLang="en-US" sz="1000" b="1" dirty="0">
+                <a:latin typeface="微軟正黑體" panose="020B0604030504040204" pitchFamily="34" charset="-120"/>
+                <a:ea typeface="微軟正黑體" panose="020B0604030504040204" pitchFamily="34" charset="-120"/>
+                <a:cs typeface="芫荽 0.94" pitchFamily="2" charset="-120"/>
+              </a:rPr>
+              <a:t> </a:t>
+            </a:r>
+            <a:r>
+              <a:rPr lang="en-US" altLang="zh-TW" sz="1000" b="1" dirty="0">
+                <a:latin typeface="微軟正黑體" panose="020B0604030504040204" pitchFamily="34" charset="-120"/>
+                <a:ea typeface="微軟正黑體" panose="020B0604030504040204" pitchFamily="34" charset="-120"/>
+                <a:cs typeface="芫荽 0.94" pitchFamily="2" charset="-120"/>
+              </a:rPr>
+              <a:t>19072583</a:t>
+            </a:r>
+            <a:r>
+              <a:rPr lang="zh-TW" altLang="en-US" sz="1000" b="1" dirty="0">
+                <a:latin typeface="微軟正黑體" panose="020B0604030504040204" pitchFamily="34" charset="-120"/>
+                <a:ea typeface="微軟正黑體" panose="020B0604030504040204" pitchFamily="34" charset="-120"/>
+                <a:cs typeface="芫荽 0.94" pitchFamily="2" charset="-120"/>
+              </a:rPr>
+              <a:t>     </a:t>
+            </a:r>
+            <a:r>
               <a:rPr lang="zh-TW" altLang="en-US" sz="1050" b="1" dirty="0">
-                <a:latin typeface="微軟正黑體" panose="020B0604030504040204" pitchFamily="34" charset="-120"/>
-                <a:ea typeface="微軟正黑體" panose="020B0604030504040204" pitchFamily="34" charset="-120"/>
-                <a:cs typeface="芫荽 0.94" pitchFamily="2" charset="-120"/>
-              </a:rPr>
-              <a:t> </a:t>
-            </a:r>
-            <a:r>
-              <a:rPr lang="en-US" altLang="zh-TW" sz="1050" b="1" dirty="0">
-                <a:latin typeface="微軟正黑體" panose="020B0604030504040204" pitchFamily="34" charset="-120"/>
-                <a:ea typeface="微軟正黑體" panose="020B0604030504040204" pitchFamily="34" charset="-120"/>
-                <a:cs typeface="芫荽 0.94" pitchFamily="2" charset="-120"/>
-              </a:rPr>
-              <a:t>19072583</a:t>
-            </a:r>
-            <a:r>
-              <a:rPr lang="zh-TW" altLang="en-US" sz="1050" b="1" dirty="0">
-                <a:latin typeface="微軟正黑體" panose="020B0604030504040204" pitchFamily="34" charset="-120"/>
-                <a:ea typeface="微軟正黑體" panose="020B0604030504040204" pitchFamily="34" charset="-120"/>
-                <a:cs typeface="芫荽 0.94" pitchFamily="2" charset="-120"/>
-              </a:rPr>
-              <a:t>     </a:t>
-            </a:r>
-            <a:r>
-              <a:rPr lang="zh-TW" altLang="en-US" sz="1100" b="1" dirty="0">
                 <a:solidFill>
                   <a:schemeClr val="tx1">
                     <a:lumMod val="75000"/>
@@ -5302,7 +6036,7 @@
               <a:t>發照日期 </a:t>
             </a:r>
             <a:r>
-              <a:rPr lang="en-US" altLang="zh-TW" sz="1100" b="1" dirty="0">
+              <a:rPr lang="en-US" altLang="zh-TW" sz="1050" b="1" dirty="0" smtClean="0">
                 <a:solidFill>
                   <a:schemeClr val="tx1">
                     <a:lumMod val="75000"/>
@@ -5313,10 +6047,10 @@
                 <a:ea typeface="微軟正黑體" panose="020B0604030504040204" pitchFamily="34" charset="-120"/>
                 <a:cs typeface="芫荽 0.94" pitchFamily="2" charset="-120"/>
               </a:rPr>
-              <a:t>Sep 2019</a:t>
-            </a:r>
-            <a:r>
-              <a:rPr lang="zh-TW" altLang="en-US" sz="1100" b="1" dirty="0">
+              <a:t>2019 / 09</a:t>
+            </a:r>
+            <a:r>
+              <a:rPr lang="zh-TW" altLang="en-US" sz="1050" b="1" dirty="0" smtClean="0">
                 <a:solidFill>
                   <a:schemeClr val="tx1">
                     <a:lumMod val="75000"/>
@@ -5327,7 +6061,21 @@
                 <a:ea typeface="微軟正黑體" panose="020B0604030504040204" pitchFamily="34" charset="-120"/>
                 <a:cs typeface="芫荽 0.94" pitchFamily="2" charset="-120"/>
               </a:rPr>
-              <a:t>．永久有效</a:t>
+              <a:t>．</a:t>
+            </a:r>
+            <a:r>
+              <a:rPr lang="zh-TW" altLang="en-US" sz="1050" b="1" dirty="0">
+                <a:solidFill>
+                  <a:schemeClr val="tx1">
+                    <a:lumMod val="75000"/>
+                    <a:lumOff val="25000"/>
+                  </a:schemeClr>
+                </a:solidFill>
+                <a:latin typeface="微軟正黑體" panose="020B0604030504040204" pitchFamily="34" charset="-120"/>
+                <a:ea typeface="微軟正黑體" panose="020B0604030504040204" pitchFamily="34" charset="-120"/>
+                <a:cs typeface="芫荽 0.94" pitchFamily="2" charset="-120"/>
+              </a:rPr>
+              <a:t>永久有效</a:t>
             </a:r>
           </a:p>
         </p:txBody>
@@ -5346,8 +6094,8 @@
         </p:nvSpPr>
         <p:spPr>
           <a:xfrm>
-            <a:off x="1040035" y="3929053"/>
-            <a:ext cx="4086760" cy="961482"/>
+            <a:off x="1040035" y="5621017"/>
+            <a:ext cx="3529492" cy="923330"/>
           </a:xfrm>
           <a:prstGeom prst="rect">
             <a:avLst/>
@@ -5366,7 +6114,7 @@
               </a:lnSpc>
             </a:pPr>
             <a:r>
-              <a:rPr lang="en-US" altLang="zh-TW" sz="1400" b="1" dirty="0">
+              <a:rPr lang="en-US" altLang="zh-TW" sz="1200" b="1" dirty="0">
                 <a:latin typeface="微軟正黑體" panose="020B0604030504040204" pitchFamily="34" charset="-120"/>
                 <a:ea typeface="微軟正黑體" panose="020B0604030504040204" pitchFamily="34" charset="-120"/>
                 <a:cs typeface="芫荽 0.94" pitchFamily="2" charset="-120"/>
@@ -5374,14 +6122,14 @@
               <a:t>GEPT High-Intermediate Level </a:t>
             </a:r>
             <a:r>
-              <a:rPr lang="zh-TW" altLang="en-US" sz="1400" b="1" dirty="0">
+              <a:rPr lang="zh-TW" altLang="en-US" sz="1200" b="1" dirty="0">
                 <a:latin typeface="微軟正黑體" panose="020B0604030504040204" pitchFamily="34" charset="-120"/>
                 <a:ea typeface="微軟正黑體" panose="020B0604030504040204" pitchFamily="34" charset="-120"/>
                 <a:cs typeface="芫荽 0.94" pitchFamily="2" charset="-120"/>
               </a:rPr>
               <a:t>全民英檢中高級</a:t>
             </a:r>
-            <a:endParaRPr lang="en-US" altLang="zh-TW" sz="1400" b="1" dirty="0">
+            <a:endParaRPr lang="en-US" altLang="zh-TW" sz="1200" b="1" dirty="0">
               <a:latin typeface="微軟正黑體" panose="020B0604030504040204" pitchFamily="34" charset="-120"/>
               <a:ea typeface="微軟正黑體" panose="020B0604030504040204" pitchFamily="34" charset="-120"/>
               <a:cs typeface="芫荽 0.94" pitchFamily="2" charset="-120"/>
@@ -5394,7 +6142,7 @@
               </a:lnSpc>
             </a:pPr>
             <a:r>
-              <a:rPr lang="zh-TW" altLang="en-US" sz="1400" b="1" dirty="0">
+              <a:rPr lang="zh-TW" altLang="en-US" sz="1200" b="1" dirty="0">
                 <a:latin typeface="微軟正黑體" panose="020B0604030504040204" pitchFamily="34" charset="-120"/>
                 <a:ea typeface="微軟正黑體" panose="020B0604030504040204" pitchFamily="34" charset="-120"/>
                 <a:cs typeface="芫荽 0.94" pitchFamily="2" charset="-120"/>
@@ -5402,7 +6150,7 @@
               <a:t> </a:t>
             </a:r>
             <a:r>
-              <a:rPr lang="en-US" altLang="zh-TW" sz="1300" b="1" dirty="0">
+              <a:rPr lang="en-US" altLang="zh-TW" sz="1200" b="1" dirty="0">
                 <a:solidFill>
                   <a:srgbClr val="2E406F"/>
                 </a:solidFill>
@@ -5413,7 +6161,7 @@
               <a:t>(LTTC) </a:t>
             </a:r>
             <a:r>
-              <a:rPr lang="zh-TW" altLang="en-US" sz="1300" b="1" dirty="0">
+              <a:rPr lang="zh-TW" altLang="en-US" sz="1200" b="1" dirty="0">
                 <a:solidFill>
                   <a:srgbClr val="2E406F"/>
                 </a:solidFill>
@@ -5423,7 +6171,7 @@
               </a:rPr>
               <a:t>財團法人語言訓練測驗中心</a:t>
             </a:r>
-            <a:endParaRPr lang="en-US" altLang="zh-TW" sz="1300" b="1" dirty="0">
+            <a:endParaRPr lang="en-US" altLang="zh-TW" sz="1200" b="1" dirty="0">
               <a:solidFill>
                 <a:srgbClr val="2E406F"/>
               </a:solidFill>
@@ -5439,7 +6187,7 @@
               </a:lnSpc>
             </a:pPr>
             <a:r>
-              <a:rPr lang="zh-TW" altLang="en-US" sz="1050" b="1" dirty="0">
+              <a:rPr lang="zh-TW" altLang="en-US" sz="1000" b="1" dirty="0">
                 <a:latin typeface="微軟正黑體" panose="020B0604030504040204" pitchFamily="34" charset="-120"/>
                 <a:ea typeface="微軟正黑體" panose="020B0604030504040204" pitchFamily="34" charset="-120"/>
                 <a:cs typeface="芫荽 0.94" pitchFamily="2" charset="-120"/>
@@ -5447,7 +6195,7 @@
               <a:t> </a:t>
             </a:r>
             <a:r>
-              <a:rPr lang="en-US" altLang="zh-TW" sz="1050" b="1" dirty="0">
+              <a:rPr lang="en-US" altLang="zh-TW" sz="1000" b="1" dirty="0">
                 <a:latin typeface="微軟正黑體" panose="020B0604030504040204" pitchFamily="34" charset="-120"/>
                 <a:ea typeface="微軟正黑體" panose="020B0604030504040204" pitchFamily="34" charset="-120"/>
                 <a:cs typeface="芫荽 0.94" pitchFamily="2" charset="-120"/>
@@ -5455,7 +6203,7 @@
               <a:t>H054801</a:t>
             </a:r>
             <a:r>
-              <a:rPr lang="zh-TW" altLang="en-US" sz="1050" b="1" dirty="0">
+              <a:rPr lang="zh-TW" altLang="en-US" sz="1000" b="1" dirty="0">
                 <a:latin typeface="微軟正黑體" panose="020B0604030504040204" pitchFamily="34" charset="-120"/>
                 <a:ea typeface="微軟正黑體" panose="020B0604030504040204" pitchFamily="34" charset="-120"/>
                 <a:cs typeface="芫荽 0.94" pitchFamily="2" charset="-120"/>
@@ -5463,7 +6211,15 @@
               <a:t>     </a:t>
             </a:r>
             <a:r>
-              <a:rPr lang="zh-TW" altLang="en-US" sz="1100" b="1" dirty="0">
+              <a:rPr lang="zh-TW" altLang="en-US" sz="1000" b="1" dirty="0" smtClean="0">
+                <a:latin typeface="微軟正黑體" panose="020B0604030504040204" pitchFamily="34" charset="-120"/>
+                <a:ea typeface="微軟正黑體" panose="020B0604030504040204" pitchFamily="34" charset="-120"/>
+                <a:cs typeface="芫荽 0.94" pitchFamily="2" charset="-120"/>
+              </a:rPr>
+              <a:t>  </a:t>
+            </a:r>
+            <a:r>
+              <a:rPr lang="zh-TW" altLang="en-US" sz="1050" b="1" dirty="0" smtClean="0">
                 <a:solidFill>
                   <a:schemeClr val="tx1">
                     <a:lumMod val="75000"/>
@@ -5474,10 +6230,10 @@
                 <a:ea typeface="微軟正黑體" panose="020B0604030504040204" pitchFamily="34" charset="-120"/>
                 <a:cs typeface="芫荽 0.94" pitchFamily="2" charset="-120"/>
               </a:rPr>
-              <a:t>發照日期 </a:t>
-            </a:r>
-            <a:r>
-              <a:rPr lang="en-US" altLang="zh-TW" sz="1100" b="1" dirty="0">
+              <a:t>發</a:t>
+            </a:r>
+            <a:r>
+              <a:rPr lang="zh-TW" altLang="en-US" sz="1050" b="1" dirty="0">
                 <a:solidFill>
                   <a:schemeClr val="tx1">
                     <a:lumMod val="75000"/>
@@ -5488,10 +6244,10 @@
                 <a:ea typeface="微軟正黑體" panose="020B0604030504040204" pitchFamily="34" charset="-120"/>
                 <a:cs typeface="芫荽 0.94" pitchFamily="2" charset="-120"/>
               </a:rPr>
-              <a:t>Dec 2019</a:t>
-            </a:r>
-            <a:r>
-              <a:rPr lang="zh-TW" altLang="en-US" sz="1100" b="1" dirty="0">
+              <a:t>照日期 </a:t>
+            </a:r>
+            <a:r>
+              <a:rPr lang="en-US" altLang="zh-TW" sz="1050" b="1" dirty="0" smtClean="0">
                 <a:solidFill>
                   <a:schemeClr val="tx1">
                     <a:lumMod val="75000"/>
@@ -5502,7 +6258,35 @@
                 <a:ea typeface="微軟正黑體" panose="020B0604030504040204" pitchFamily="34" charset="-120"/>
                 <a:cs typeface="芫荽 0.94" pitchFamily="2" charset="-120"/>
               </a:rPr>
-              <a:t>．永久有效</a:t>
+              <a:t>2019 / 12</a:t>
+            </a:r>
+            <a:r>
+              <a:rPr lang="zh-TW" altLang="en-US" sz="1050" b="1" dirty="0" smtClean="0">
+                <a:solidFill>
+                  <a:schemeClr val="tx1">
+                    <a:lumMod val="75000"/>
+                    <a:lumOff val="25000"/>
+                  </a:schemeClr>
+                </a:solidFill>
+                <a:latin typeface="微軟正黑體" panose="020B0604030504040204" pitchFamily="34" charset="-120"/>
+                <a:ea typeface="微軟正黑體" panose="020B0604030504040204" pitchFamily="34" charset="-120"/>
+                <a:cs typeface="芫荽 0.94" pitchFamily="2" charset="-120"/>
+              </a:rPr>
+              <a:t>．</a:t>
+            </a:r>
+            <a:r>
+              <a:rPr lang="zh-TW" altLang="en-US" sz="1050" b="1" dirty="0">
+                <a:solidFill>
+                  <a:schemeClr val="tx1">
+                    <a:lumMod val="75000"/>
+                    <a:lumOff val="25000"/>
+                  </a:schemeClr>
+                </a:solidFill>
+                <a:latin typeface="微軟正黑體" panose="020B0604030504040204" pitchFamily="34" charset="-120"/>
+                <a:ea typeface="微軟正黑體" panose="020B0604030504040204" pitchFamily="34" charset="-120"/>
+                <a:cs typeface="芫荽 0.94" pitchFamily="2" charset="-120"/>
+              </a:rPr>
+              <a:t>永久有效</a:t>
             </a:r>
           </a:p>
         </p:txBody>
@@ -5521,8 +6305,8 @@
         </p:nvSpPr>
         <p:spPr>
           <a:xfrm>
-            <a:off x="1040035" y="5026569"/>
-            <a:ext cx="3717684" cy="938398"/>
+            <a:off x="1040035" y="6726308"/>
+            <a:ext cx="3291286" cy="900246"/>
           </a:xfrm>
           <a:prstGeom prst="rect">
             <a:avLst/>
@@ -5541,7 +6325,7 @@
               </a:lnSpc>
             </a:pPr>
             <a:r>
-              <a:rPr lang="en-US" altLang="zh-TW" sz="1400" b="1" dirty="0">
+              <a:rPr lang="en-US" altLang="zh-TW" sz="1200" b="1" dirty="0">
                 <a:latin typeface="微軟正黑體" panose="020B0604030504040204" pitchFamily="34" charset="-120"/>
                 <a:ea typeface="微軟正黑體" panose="020B0604030504040204" pitchFamily="34" charset="-120"/>
                 <a:cs typeface="芫荽 0.94" pitchFamily="2" charset="-120"/>
@@ -5549,7 +6333,7 @@
               <a:t>JLPT N2 Certificate </a:t>
             </a:r>
             <a:r>
-              <a:rPr lang="zh-TW" altLang="en-US" sz="1400" b="1" dirty="0">
+              <a:rPr lang="zh-TW" altLang="en-US" sz="1200" b="1" dirty="0">
                 <a:latin typeface="微軟正黑體" panose="020B0604030504040204" pitchFamily="34" charset="-120"/>
                 <a:ea typeface="微軟正黑體" panose="020B0604030504040204" pitchFamily="34" charset="-120"/>
                 <a:cs typeface="芫荽 0.94" pitchFamily="2" charset="-120"/>
@@ -5557,7 +6341,7 @@
               <a:t>日本語能力試驗 </a:t>
             </a:r>
             <a:r>
-              <a:rPr lang="en-US" altLang="zh-TW" sz="1400" b="1" dirty="0">
+              <a:rPr lang="en-US" altLang="zh-TW" sz="1200" b="1" dirty="0">
                 <a:latin typeface="微軟正黑體" panose="020B0604030504040204" pitchFamily="34" charset="-120"/>
                 <a:ea typeface="微軟正黑體" panose="020B0604030504040204" pitchFamily="34" charset="-120"/>
                 <a:cs typeface="芫荽 0.94" pitchFamily="2" charset="-120"/>
@@ -5565,14 +6349,14 @@
               <a:t>N2 </a:t>
             </a:r>
             <a:r>
-              <a:rPr lang="zh-TW" altLang="en-US" sz="1400" b="1" dirty="0">
+              <a:rPr lang="zh-TW" altLang="en-US" sz="1200" b="1" dirty="0">
                 <a:latin typeface="微軟正黑體" panose="020B0604030504040204" pitchFamily="34" charset="-120"/>
                 <a:ea typeface="微軟正黑體" panose="020B0604030504040204" pitchFamily="34" charset="-120"/>
                 <a:cs typeface="芫荽 0.94" pitchFamily="2" charset="-120"/>
               </a:rPr>
               <a:t>級</a:t>
             </a:r>
-            <a:endParaRPr lang="en-US" altLang="zh-TW" sz="1400" b="1" dirty="0">
+            <a:endParaRPr lang="en-US" altLang="zh-TW" sz="1200" b="1" dirty="0">
               <a:latin typeface="微軟正黑體" panose="020B0604030504040204" pitchFamily="34" charset="-120"/>
               <a:ea typeface="微軟正黑體" panose="020B0604030504040204" pitchFamily="34" charset="-120"/>
               <a:cs typeface="芫荽 0.94" pitchFamily="2" charset="-120"/>
@@ -5585,7 +6369,7 @@
               </a:lnSpc>
             </a:pPr>
             <a:r>
-              <a:rPr lang="zh-TW" altLang="en-US" sz="1300" b="1" dirty="0">
+              <a:rPr lang="zh-TW" altLang="en-US" sz="1200" b="1" dirty="0">
                 <a:solidFill>
                   <a:srgbClr val="2E406F"/>
                 </a:solidFill>
@@ -5596,7 +6380,7 @@
               <a:t> 日本國際交流基金會 </a:t>
             </a:r>
             <a:r>
-              <a:rPr lang="en-US" altLang="zh-TW" sz="1300" b="1" dirty="0">
+              <a:rPr lang="en-US" altLang="zh-TW" sz="1200" b="1" dirty="0">
                 <a:solidFill>
                   <a:srgbClr val="2E406F"/>
                 </a:solidFill>
@@ -5607,7 +6391,7 @@
               <a:t>/</a:t>
             </a:r>
             <a:r>
-              <a:rPr lang="zh-TW" altLang="en-US" sz="1300" b="1" dirty="0">
+              <a:rPr lang="zh-TW" altLang="en-US" sz="1200" b="1" dirty="0">
                 <a:solidFill>
                   <a:srgbClr val="2E406F"/>
                 </a:solidFill>
@@ -5617,7 +6401,7 @@
               </a:rPr>
               <a:t> 日本國際教育支援協會</a:t>
             </a:r>
-            <a:endParaRPr lang="en-US" altLang="zh-TW" sz="1300" b="1" dirty="0">
+            <a:endParaRPr lang="en-US" altLang="zh-TW" sz="1200" b="1" dirty="0">
               <a:solidFill>
                 <a:srgbClr val="2E406F"/>
               </a:solidFill>
@@ -5633,31 +6417,31 @@
               </a:lnSpc>
             </a:pPr>
             <a:r>
+              <a:rPr lang="zh-TW" altLang="en-US" sz="1000" b="1" dirty="0">
+                <a:latin typeface="微軟正黑體" panose="020B0604030504040204" pitchFamily="34" charset="-120"/>
+                <a:ea typeface="微軟正黑體" panose="020B0604030504040204" pitchFamily="34" charset="-120"/>
+                <a:cs typeface="芫荽 0.94" pitchFamily="2" charset="-120"/>
+              </a:rPr>
+              <a:t> </a:t>
+            </a:r>
+            <a:r>
+              <a:rPr lang="en-US" altLang="zh-TW" sz="1000" b="1" dirty="0">
+                <a:latin typeface="微軟正黑體" panose="020B0604030504040204" pitchFamily="34" charset="-120"/>
+                <a:ea typeface="微軟正黑體" panose="020B0604030504040204" pitchFamily="34" charset="-120"/>
+                <a:cs typeface="芫荽 0.94" pitchFamily="2" charset="-120"/>
+              </a:rPr>
+              <a:t>N2A081174T</a:t>
+            </a:r>
+            <a:r>
+              <a:rPr lang="zh-TW" altLang="en-US" sz="1000" b="1" dirty="0">
+                <a:latin typeface="微軟正黑體" panose="020B0604030504040204" pitchFamily="34" charset="-120"/>
+                <a:ea typeface="微軟正黑體" panose="020B0604030504040204" pitchFamily="34" charset="-120"/>
+                <a:cs typeface="芫荽 0.94" pitchFamily="2" charset="-120"/>
+              </a:rPr>
+              <a:t>     </a:t>
+            </a:r>
+            <a:r>
               <a:rPr lang="zh-TW" altLang="en-US" sz="1050" b="1" dirty="0">
-                <a:latin typeface="微軟正黑體" panose="020B0604030504040204" pitchFamily="34" charset="-120"/>
-                <a:ea typeface="微軟正黑體" panose="020B0604030504040204" pitchFamily="34" charset="-120"/>
-                <a:cs typeface="芫荽 0.94" pitchFamily="2" charset="-120"/>
-              </a:rPr>
-              <a:t> </a:t>
-            </a:r>
-            <a:r>
-              <a:rPr lang="en-US" altLang="zh-TW" sz="1050" b="1" dirty="0">
-                <a:latin typeface="微軟正黑體" panose="020B0604030504040204" pitchFamily="34" charset="-120"/>
-                <a:ea typeface="微軟正黑體" panose="020B0604030504040204" pitchFamily="34" charset="-120"/>
-                <a:cs typeface="芫荽 0.94" pitchFamily="2" charset="-120"/>
-              </a:rPr>
-              <a:t>N2A081174T</a:t>
-            </a:r>
-            <a:r>
-              <a:rPr lang="zh-TW" altLang="en-US" sz="1050" b="1" dirty="0">
-                <a:latin typeface="微軟正黑體" panose="020B0604030504040204" pitchFamily="34" charset="-120"/>
-                <a:ea typeface="微軟正黑體" panose="020B0604030504040204" pitchFamily="34" charset="-120"/>
-                <a:cs typeface="芫荽 0.94" pitchFamily="2" charset="-120"/>
-              </a:rPr>
-              <a:t>     </a:t>
-            </a:r>
-            <a:r>
-              <a:rPr lang="zh-TW" altLang="en-US" sz="1100" b="1" dirty="0">
                 <a:solidFill>
                   <a:schemeClr val="tx1">
                     <a:lumMod val="75000"/>
@@ -5671,7 +6455,7 @@
               <a:t>發照日期 </a:t>
             </a:r>
             <a:r>
-              <a:rPr lang="en-US" altLang="zh-TW" sz="1100" b="1" dirty="0">
+              <a:rPr lang="en-US" altLang="zh-TW" sz="1050" b="1" dirty="0" smtClean="0">
                 <a:solidFill>
                   <a:schemeClr val="tx1">
                     <a:lumMod val="75000"/>
@@ -5682,10 +6466,10 @@
                 <a:ea typeface="微軟正黑體" panose="020B0604030504040204" pitchFamily="34" charset="-120"/>
                 <a:cs typeface="芫荽 0.94" pitchFamily="2" charset="-120"/>
               </a:rPr>
-              <a:t>Jan 2021</a:t>
-            </a:r>
-            <a:r>
-              <a:rPr lang="zh-TW" altLang="en-US" sz="1100" b="1" dirty="0">
+              <a:t>2021 / 01</a:t>
+            </a:r>
+            <a:r>
+              <a:rPr lang="zh-TW" altLang="en-US" sz="1050" b="1" dirty="0" smtClean="0">
                 <a:solidFill>
                   <a:schemeClr val="tx1">
                     <a:lumMod val="75000"/>
@@ -5696,7 +6480,21 @@
                 <a:ea typeface="微軟正黑體" panose="020B0604030504040204" pitchFamily="34" charset="-120"/>
                 <a:cs typeface="芫荽 0.94" pitchFamily="2" charset="-120"/>
               </a:rPr>
-              <a:t>．永久有效</a:t>
+              <a:t>．</a:t>
+            </a:r>
+            <a:r>
+              <a:rPr lang="zh-TW" altLang="en-US" sz="1050" b="1" dirty="0">
+                <a:solidFill>
+                  <a:schemeClr val="tx1">
+                    <a:lumMod val="75000"/>
+                    <a:lumOff val="25000"/>
+                  </a:schemeClr>
+                </a:solidFill>
+                <a:latin typeface="微軟正黑體" panose="020B0604030504040204" pitchFamily="34" charset="-120"/>
+                <a:ea typeface="微軟正黑體" panose="020B0604030504040204" pitchFamily="34" charset="-120"/>
+                <a:cs typeface="芫荽 0.94" pitchFamily="2" charset="-120"/>
+              </a:rPr>
+              <a:t>永久有效</a:t>
             </a:r>
           </a:p>
         </p:txBody>
@@ -5715,8 +6513,8 @@
         </p:nvSpPr>
         <p:spPr>
           <a:xfrm>
-            <a:off x="1040035" y="6124085"/>
-            <a:ext cx="5620898" cy="961482"/>
+            <a:off x="1040035" y="7804329"/>
+            <a:ext cx="5245988" cy="888705"/>
           </a:xfrm>
           <a:prstGeom prst="rect">
             <a:avLst/>
@@ -5735,13 +6533,50 @@
               </a:lnSpc>
             </a:pPr>
             <a:r>
-              <a:rPr lang="en-US" altLang="zh-TW" sz="1400" b="1" dirty="0">
-                <a:latin typeface="微軟正黑體" panose="020B0604030504040204" pitchFamily="34" charset="-120"/>
-                <a:ea typeface="微軟正黑體" panose="020B0604030504040204" pitchFamily="34" charset="-120"/>
-                <a:cs typeface="芫荽 0.94" pitchFamily="2" charset="-120"/>
-              </a:rPr>
-              <a:t>MOEA Certified Information Security Engineer – Associate Level</a:t>
-            </a:r>
+              <a:rPr lang="en-US" altLang="zh-TW" sz="1200" b="1" dirty="0" smtClean="0">
+                <a:latin typeface="微軟正黑體" panose="020B0604030504040204" pitchFamily="34" charset="-120"/>
+                <a:ea typeface="微軟正黑體" panose="020B0604030504040204" pitchFamily="34" charset="-120"/>
+                <a:cs typeface="芫荽 0.94" pitchFamily="2" charset="-120"/>
+              </a:rPr>
+              <a:t>iPAS </a:t>
+            </a:r>
+            <a:r>
+              <a:rPr lang="en-US" altLang="zh-TW" sz="1200" b="1" dirty="0">
+                <a:latin typeface="微軟正黑體" panose="020B0604030504040204" pitchFamily="34" charset="-120"/>
+                <a:ea typeface="微軟正黑體" panose="020B0604030504040204" pitchFamily="34" charset="-120"/>
+                <a:cs typeface="芫荽 0.94" pitchFamily="2" charset="-120"/>
+              </a:rPr>
+              <a:t>Information Security Engineer – Associate </a:t>
+            </a:r>
+            <a:r>
+              <a:rPr lang="en-US" altLang="zh-TW" sz="1200" b="1" dirty="0" smtClean="0">
+                <a:latin typeface="微軟正黑體" panose="020B0604030504040204" pitchFamily="34" charset="-120"/>
+                <a:ea typeface="微軟正黑體" panose="020B0604030504040204" pitchFamily="34" charset="-120"/>
+                <a:cs typeface="芫荽 0.94" pitchFamily="2" charset="-120"/>
+              </a:rPr>
+              <a:t>Level</a:t>
+            </a:r>
+            <a:r>
+              <a:rPr lang="zh-TW" altLang="en-US" sz="1200" b="1" dirty="0" smtClean="0">
+                <a:latin typeface="微軟正黑體" panose="020B0604030504040204" pitchFamily="34" charset="-120"/>
+                <a:ea typeface="微軟正黑體" panose="020B0604030504040204" pitchFamily="34" charset="-120"/>
+                <a:cs typeface="芫荽 0.94" pitchFamily="2" charset="-120"/>
+              </a:rPr>
+              <a:t>  初級</a:t>
+            </a:r>
+            <a:r>
+              <a:rPr lang="zh-TW" altLang="en-US" sz="1200" b="1" dirty="0">
+                <a:latin typeface="微軟正黑體" panose="020B0604030504040204" pitchFamily="34" charset="-120"/>
+                <a:ea typeface="微軟正黑體" panose="020B0604030504040204" pitchFamily="34" charset="-120"/>
+                <a:cs typeface="芫荽 0.94" pitchFamily="2" charset="-120"/>
+              </a:rPr>
+              <a:t>資安工程師 </a:t>
+            </a:r>
+            <a:endParaRPr lang="en-US" altLang="zh-TW" sz="1200" b="1" dirty="0">
+              <a:latin typeface="微軟正黑體" panose="020B0604030504040204" pitchFamily="34" charset="-120"/>
+              <a:ea typeface="微軟正黑體" panose="020B0604030504040204" pitchFamily="34" charset="-120"/>
+              <a:cs typeface="芫荽 0.94" pitchFamily="2" charset="-120"/>
+            </a:endParaRPr>
           </a:p>
           <a:p>
             <a:pPr>
@@ -5750,7 +6585,7 @@
               </a:lnSpc>
             </a:pPr>
             <a:r>
-              <a:rPr lang="zh-TW" altLang="en-US" sz="1400" b="1" dirty="0">
+              <a:rPr lang="zh-TW" altLang="en-US" sz="1200" b="1" dirty="0">
                 <a:latin typeface="微軟正黑體" panose="020B0604030504040204" pitchFamily="34" charset="-120"/>
                 <a:ea typeface="微軟正黑體" panose="020B0604030504040204" pitchFamily="34" charset="-120"/>
                 <a:cs typeface="芫荽 0.94" pitchFamily="2" charset="-120"/>
@@ -5758,7 +6593,7 @@
               <a:t> </a:t>
             </a:r>
             <a:r>
-              <a:rPr lang="en-US" altLang="zh-TW" sz="1300" b="1" dirty="0">
+              <a:rPr lang="en-US" altLang="zh-TW" sz="1200" b="1" dirty="0">
                 <a:solidFill>
                   <a:srgbClr val="2E406F"/>
                 </a:solidFill>
@@ -5769,7 +6604,7 @@
               <a:t>(IDB, MOEA) </a:t>
             </a:r>
             <a:r>
-              <a:rPr lang="zh-TW" altLang="en-US" sz="1300" b="1" dirty="0">
+              <a:rPr lang="zh-TW" altLang="en-US" sz="1200" b="1" dirty="0">
                 <a:solidFill>
                   <a:srgbClr val="2E406F"/>
                 </a:solidFill>
@@ -5779,7 +6614,7 @@
               </a:rPr>
               <a:t>經濟部工業局</a:t>
             </a:r>
-            <a:endParaRPr lang="en-US" altLang="zh-TW" sz="1300" b="1" dirty="0">
+            <a:endParaRPr lang="en-US" altLang="zh-TW" sz="1200" b="1" dirty="0">
               <a:solidFill>
                 <a:srgbClr val="2E406F"/>
               </a:solidFill>
@@ -5795,31 +6630,31 @@
               </a:lnSpc>
             </a:pPr>
             <a:r>
+              <a:rPr lang="zh-TW" altLang="en-US" sz="1000" b="1" dirty="0">
+                <a:latin typeface="微軟正黑體" panose="020B0604030504040204" pitchFamily="34" charset="-120"/>
+                <a:ea typeface="微軟正黑體" panose="020B0604030504040204" pitchFamily="34" charset="-120"/>
+                <a:cs typeface="芫荽 0.94" pitchFamily="2" charset="-120"/>
+              </a:rPr>
+              <a:t> </a:t>
+            </a:r>
+            <a:r>
+              <a:rPr lang="en-US" altLang="zh-TW" sz="1000" b="1" dirty="0">
+                <a:latin typeface="微軟正黑體" panose="020B0604030504040204" pitchFamily="34" charset="-120"/>
+                <a:ea typeface="微軟正黑體" panose="020B0604030504040204" pitchFamily="34" charset="-120"/>
+                <a:cs typeface="芫荽 0.94" pitchFamily="2" charset="-120"/>
+              </a:rPr>
+              <a:t>B-S11-0486-2020</a:t>
+            </a:r>
+            <a:r>
+              <a:rPr lang="zh-TW" altLang="en-US" sz="1000" b="1" dirty="0">
+                <a:latin typeface="微軟正黑體" panose="020B0604030504040204" pitchFamily="34" charset="-120"/>
+                <a:ea typeface="微軟正黑體" panose="020B0604030504040204" pitchFamily="34" charset="-120"/>
+                <a:cs typeface="芫荽 0.94" pitchFamily="2" charset="-120"/>
+              </a:rPr>
+              <a:t>     </a:t>
+            </a:r>
+            <a:r>
               <a:rPr lang="zh-TW" altLang="en-US" sz="1050" b="1" dirty="0">
-                <a:latin typeface="微軟正黑體" panose="020B0604030504040204" pitchFamily="34" charset="-120"/>
-                <a:ea typeface="微軟正黑體" panose="020B0604030504040204" pitchFamily="34" charset="-120"/>
-                <a:cs typeface="芫荽 0.94" pitchFamily="2" charset="-120"/>
-              </a:rPr>
-              <a:t> </a:t>
-            </a:r>
-            <a:r>
-              <a:rPr lang="en-US" altLang="zh-TW" sz="1050" b="1" dirty="0">
-                <a:latin typeface="微軟正黑體" panose="020B0604030504040204" pitchFamily="34" charset="-120"/>
-                <a:ea typeface="微軟正黑體" panose="020B0604030504040204" pitchFamily="34" charset="-120"/>
-                <a:cs typeface="芫荽 0.94" pitchFamily="2" charset="-120"/>
-              </a:rPr>
-              <a:t>B-S11-0486-2020</a:t>
-            </a:r>
-            <a:r>
-              <a:rPr lang="zh-TW" altLang="en-US" sz="1050" b="1" dirty="0">
-                <a:latin typeface="微軟正黑體" panose="020B0604030504040204" pitchFamily="34" charset="-120"/>
-                <a:ea typeface="微軟正黑體" panose="020B0604030504040204" pitchFamily="34" charset="-120"/>
-                <a:cs typeface="芫荽 0.94" pitchFamily="2" charset="-120"/>
-              </a:rPr>
-              <a:t>     </a:t>
-            </a:r>
-            <a:r>
-              <a:rPr lang="zh-TW" altLang="en-US" sz="1100" b="1" dirty="0">
                 <a:solidFill>
                   <a:schemeClr val="tx1">
                     <a:lumMod val="75000"/>
@@ -5833,7 +6668,7 @@
               <a:t>發照日期 </a:t>
             </a:r>
             <a:r>
-              <a:rPr lang="en-US" altLang="zh-TW" sz="1100" b="1" dirty="0">
+              <a:rPr lang="en-US" altLang="zh-TW" sz="1050" b="1" dirty="0" smtClean="0">
                 <a:solidFill>
                   <a:schemeClr val="tx1">
                     <a:lumMod val="75000"/>
@@ -5844,10 +6679,10 @@
                 <a:ea typeface="微軟正黑體" panose="020B0604030504040204" pitchFamily="34" charset="-120"/>
                 <a:cs typeface="芫荽 0.94" pitchFamily="2" charset="-120"/>
               </a:rPr>
-              <a:t>Aug 2020</a:t>
-            </a:r>
-            <a:r>
-              <a:rPr lang="zh-TW" altLang="en-US" sz="1100" b="1" dirty="0">
+              <a:t>2020 / 08</a:t>
+            </a:r>
+            <a:r>
+              <a:rPr lang="zh-TW" altLang="en-US" sz="1050" b="1" dirty="0" smtClean="0">
                 <a:solidFill>
                   <a:schemeClr val="tx1">
                     <a:lumMod val="75000"/>
@@ -5858,7 +6693,21 @@
                 <a:ea typeface="微軟正黑體" panose="020B0604030504040204" pitchFamily="34" charset="-120"/>
                 <a:cs typeface="芫荽 0.94" pitchFamily="2" charset="-120"/>
               </a:rPr>
-              <a:t>．永久有效</a:t>
+              <a:t>．</a:t>
+            </a:r>
+            <a:r>
+              <a:rPr lang="zh-TW" altLang="en-US" sz="1050" b="1" dirty="0">
+                <a:solidFill>
+                  <a:schemeClr val="tx1">
+                    <a:lumMod val="75000"/>
+                    <a:lumOff val="25000"/>
+                  </a:schemeClr>
+                </a:solidFill>
+                <a:latin typeface="微軟正黑體" panose="020B0604030504040204" pitchFamily="34" charset="-120"/>
+                <a:ea typeface="微軟正黑體" panose="020B0604030504040204" pitchFamily="34" charset="-120"/>
+                <a:cs typeface="芫荽 0.94" pitchFamily="2" charset="-120"/>
+              </a:rPr>
+              <a:t>永久有效</a:t>
             </a:r>
           </a:p>
         </p:txBody>
@@ -5877,8 +6726,8 @@
         </p:nvSpPr>
         <p:spPr>
           <a:xfrm>
-            <a:off x="1040035" y="7221601"/>
-            <a:ext cx="5443285" cy="961482"/>
+            <a:off x="1040035" y="8891856"/>
+            <a:ext cx="5355312" cy="888705"/>
           </a:xfrm>
           <a:prstGeom prst="rect">
             <a:avLst/>
@@ -5897,13 +6746,50 @@
               </a:lnSpc>
             </a:pPr>
             <a:r>
-              <a:rPr lang="en-US" altLang="zh-TW" sz="1400" b="1" dirty="0">
-                <a:latin typeface="微軟正黑體" panose="020B0604030504040204" pitchFamily="34" charset="-120"/>
-                <a:ea typeface="微軟正黑體" panose="020B0604030504040204" pitchFamily="34" charset="-120"/>
-                <a:cs typeface="芫荽 0.94" pitchFamily="2" charset="-120"/>
-              </a:rPr>
-              <a:t>MOEA Certified Mobile Application Planner – Associate Level</a:t>
-            </a:r>
+              <a:rPr lang="en-US" altLang="zh-TW" sz="1200" b="1" dirty="0" smtClean="0">
+                <a:latin typeface="微軟正黑體" panose="020B0604030504040204" pitchFamily="34" charset="-120"/>
+                <a:ea typeface="微軟正黑體" panose="020B0604030504040204" pitchFamily="34" charset="-120"/>
+                <a:cs typeface="芫荽 0.94" pitchFamily="2" charset="-120"/>
+              </a:rPr>
+              <a:t>iPAS </a:t>
+            </a:r>
+            <a:r>
+              <a:rPr lang="en-US" altLang="zh-TW" sz="1200" b="1" dirty="0">
+                <a:latin typeface="微軟正黑體" panose="020B0604030504040204" pitchFamily="34" charset="-120"/>
+                <a:ea typeface="微軟正黑體" panose="020B0604030504040204" pitchFamily="34" charset="-120"/>
+                <a:cs typeface="芫荽 0.94" pitchFamily="2" charset="-120"/>
+              </a:rPr>
+              <a:t>Mobile Application Planner – Associate </a:t>
+            </a:r>
+            <a:r>
+              <a:rPr lang="en-US" altLang="zh-TW" sz="1200" b="1" dirty="0" smtClean="0">
+                <a:latin typeface="微軟正黑體" panose="020B0604030504040204" pitchFamily="34" charset="-120"/>
+                <a:ea typeface="微軟正黑體" panose="020B0604030504040204" pitchFamily="34" charset="-120"/>
+                <a:cs typeface="芫荽 0.94" pitchFamily="2" charset="-120"/>
+              </a:rPr>
+              <a:t>Level</a:t>
+            </a:r>
+            <a:r>
+              <a:rPr lang="zh-TW" altLang="en-US" sz="1200" b="1" dirty="0" smtClean="0">
+                <a:latin typeface="微軟正黑體" panose="020B0604030504040204" pitchFamily="34" charset="-120"/>
+                <a:ea typeface="微軟正黑體" panose="020B0604030504040204" pitchFamily="34" charset="-120"/>
+                <a:cs typeface="芫荽 0.94" pitchFamily="2" charset="-120"/>
+              </a:rPr>
+              <a:t>  初級</a:t>
+            </a:r>
+            <a:r>
+              <a:rPr lang="zh-TW" altLang="en-US" sz="1200" b="1" dirty="0">
+                <a:latin typeface="微軟正黑體" panose="020B0604030504040204" pitchFamily="34" charset="-120"/>
+                <a:ea typeface="微軟正黑體" panose="020B0604030504040204" pitchFamily="34" charset="-120"/>
+                <a:cs typeface="芫荽 0.94" pitchFamily="2" charset="-120"/>
+              </a:rPr>
+              <a:t>行動應用企劃師 </a:t>
+            </a:r>
+            <a:endParaRPr lang="en-US" altLang="zh-TW" sz="1200" b="1" dirty="0">
+              <a:latin typeface="微軟正黑體" panose="020B0604030504040204" pitchFamily="34" charset="-120"/>
+              <a:ea typeface="微軟正黑體" panose="020B0604030504040204" pitchFamily="34" charset="-120"/>
+              <a:cs typeface="芫荽 0.94" pitchFamily="2" charset="-120"/>
+            </a:endParaRPr>
           </a:p>
           <a:p>
             <a:pPr>
@@ -5912,7 +6798,7 @@
               </a:lnSpc>
             </a:pPr>
             <a:r>
-              <a:rPr lang="zh-TW" altLang="en-US" sz="1400" b="1" dirty="0">
+              <a:rPr lang="zh-TW" altLang="en-US" sz="1200" b="1" dirty="0">
                 <a:latin typeface="微軟正黑體" panose="020B0604030504040204" pitchFamily="34" charset="-120"/>
                 <a:ea typeface="微軟正黑體" panose="020B0604030504040204" pitchFamily="34" charset="-120"/>
                 <a:cs typeface="芫荽 0.94" pitchFamily="2" charset="-120"/>
@@ -5920,7 +6806,7 @@
               <a:t> </a:t>
             </a:r>
             <a:r>
-              <a:rPr lang="en-US" altLang="zh-TW" sz="1300" b="1" dirty="0">
+              <a:rPr lang="en-US" altLang="zh-TW" sz="1200" b="1" dirty="0">
                 <a:solidFill>
                   <a:srgbClr val="2E406F"/>
                 </a:solidFill>
@@ -5931,7 +6817,7 @@
               <a:t>(IDB, MOEA) </a:t>
             </a:r>
             <a:r>
-              <a:rPr lang="zh-TW" altLang="en-US" sz="1300" b="1" dirty="0">
+              <a:rPr lang="zh-TW" altLang="en-US" sz="1200" b="1" dirty="0">
                 <a:solidFill>
                   <a:srgbClr val="2E406F"/>
                 </a:solidFill>
@@ -5941,7 +6827,7 @@
               </a:rPr>
               <a:t>經濟部工業局</a:t>
             </a:r>
-            <a:endParaRPr lang="en-US" altLang="zh-TW" sz="1300" b="1" dirty="0">
+            <a:endParaRPr lang="en-US" altLang="zh-TW" sz="1200" b="1" dirty="0">
               <a:solidFill>
                 <a:srgbClr val="2E406F"/>
               </a:solidFill>
@@ -5957,31 +6843,31 @@
               </a:lnSpc>
             </a:pPr>
             <a:r>
+              <a:rPr lang="zh-TW" altLang="en-US" sz="1000" b="1" dirty="0">
+                <a:latin typeface="微軟正黑體" panose="020B0604030504040204" pitchFamily="34" charset="-120"/>
+                <a:ea typeface="微軟正黑體" panose="020B0604030504040204" pitchFamily="34" charset="-120"/>
+                <a:cs typeface="芫荽 0.94" pitchFamily="2" charset="-120"/>
+              </a:rPr>
+              <a:t> </a:t>
+            </a:r>
+            <a:r>
+              <a:rPr lang="en-US" altLang="zh-TW" sz="1000" b="1" dirty="0">
+                <a:latin typeface="微軟正黑體" panose="020B0604030504040204" pitchFamily="34" charset="-120"/>
+                <a:ea typeface="微軟正黑體" panose="020B0604030504040204" pitchFamily="34" charset="-120"/>
+                <a:cs typeface="芫荽 0.94" pitchFamily="2" charset="-120"/>
+              </a:rPr>
+              <a:t>B-A11-0120-2019</a:t>
+            </a:r>
+            <a:r>
+              <a:rPr lang="zh-TW" altLang="en-US" sz="1000" b="1" dirty="0">
+                <a:latin typeface="微軟正黑體" panose="020B0604030504040204" pitchFamily="34" charset="-120"/>
+                <a:ea typeface="微軟正黑體" panose="020B0604030504040204" pitchFamily="34" charset="-120"/>
+                <a:cs typeface="芫荽 0.94" pitchFamily="2" charset="-120"/>
+              </a:rPr>
+              <a:t>     </a:t>
+            </a:r>
+            <a:r>
               <a:rPr lang="zh-TW" altLang="en-US" sz="1050" b="1" dirty="0">
-                <a:latin typeface="微軟正黑體" panose="020B0604030504040204" pitchFamily="34" charset="-120"/>
-                <a:ea typeface="微軟正黑體" panose="020B0604030504040204" pitchFamily="34" charset="-120"/>
-                <a:cs typeface="芫荽 0.94" pitchFamily="2" charset="-120"/>
-              </a:rPr>
-              <a:t> </a:t>
-            </a:r>
-            <a:r>
-              <a:rPr lang="en-US" altLang="zh-TW" sz="1050" b="1" dirty="0">
-                <a:latin typeface="微軟正黑體" panose="020B0604030504040204" pitchFamily="34" charset="-120"/>
-                <a:ea typeface="微軟正黑體" panose="020B0604030504040204" pitchFamily="34" charset="-120"/>
-                <a:cs typeface="芫荽 0.94" pitchFamily="2" charset="-120"/>
-              </a:rPr>
-              <a:t>B-A11-0120-2019</a:t>
-            </a:r>
-            <a:r>
-              <a:rPr lang="zh-TW" altLang="en-US" sz="1050" b="1" dirty="0">
-                <a:latin typeface="微軟正黑體" panose="020B0604030504040204" pitchFamily="34" charset="-120"/>
-                <a:ea typeface="微軟正黑體" panose="020B0604030504040204" pitchFamily="34" charset="-120"/>
-                <a:cs typeface="芫荽 0.94" pitchFamily="2" charset="-120"/>
-              </a:rPr>
-              <a:t>     </a:t>
-            </a:r>
-            <a:r>
-              <a:rPr lang="zh-TW" altLang="en-US" sz="1100" b="1" dirty="0">
                 <a:solidFill>
                   <a:schemeClr val="tx1">
                     <a:lumMod val="75000"/>
@@ -5995,7 +6881,7 @@
               <a:t>發照日期 </a:t>
             </a:r>
             <a:r>
-              <a:rPr lang="en-US" altLang="zh-TW" sz="1100" b="1" dirty="0">
+              <a:rPr lang="en-US" altLang="zh-TW" sz="1050" b="1" dirty="0" smtClean="0">
                 <a:solidFill>
                   <a:schemeClr val="tx1">
                     <a:lumMod val="75000"/>
@@ -6006,10 +6892,10 @@
                 <a:ea typeface="微軟正黑體" panose="020B0604030504040204" pitchFamily="34" charset="-120"/>
                 <a:cs typeface="芫荽 0.94" pitchFamily="2" charset="-120"/>
               </a:rPr>
-              <a:t>Aug 2019</a:t>
-            </a:r>
-            <a:r>
-              <a:rPr lang="zh-TW" altLang="en-US" sz="1100" b="1" dirty="0">
+              <a:t>2019 / 08</a:t>
+            </a:r>
+            <a:r>
+              <a:rPr lang="zh-TW" altLang="en-US" sz="1050" b="1" dirty="0" smtClean="0">
                 <a:solidFill>
                   <a:schemeClr val="tx1">
                     <a:lumMod val="75000"/>
@@ -6020,599 +6906,22 @@
                 <a:ea typeface="微軟正黑體" panose="020B0604030504040204" pitchFamily="34" charset="-120"/>
                 <a:cs typeface="芫荽 0.94" pitchFamily="2" charset="-120"/>
               </a:rPr>
-              <a:t>．永久有效</a:t>
-            </a:r>
-          </a:p>
-        </p:txBody>
-      </p:sp>
-      <p:sp>
-        <p:nvSpPr>
-          <p:cNvPr id="34" name="矩形 33">
-            <a:extLst>
-              <a:ext uri="{FF2B5EF4-FFF2-40B4-BE49-F238E27FC236}">
-                <a16:creationId xmlns:a16="http://schemas.microsoft.com/office/drawing/2014/main" id="{B4F1B7A1-6F14-E0CE-6193-95E833FDB005}"/>
-              </a:ext>
-            </a:extLst>
-          </p:cNvPr>
-          <p:cNvSpPr/>
-          <p:nvPr/>
-        </p:nvSpPr>
-        <p:spPr>
-          <a:xfrm>
-            <a:off x="0" y="8334349"/>
-            <a:ext cx="6858000" cy="1581487"/>
-          </a:xfrm>
-          <a:prstGeom prst="rect">
-            <a:avLst/>
-          </a:prstGeom>
-          <a:solidFill>
-            <a:srgbClr val="2E406F"/>
-          </a:solidFill>
-          <a:ln>
-            <a:noFill/>
-          </a:ln>
-        </p:spPr>
-        <p:style>
-          <a:lnRef idx="2">
-            <a:schemeClr val="accent1">
-              <a:shade val="50000"/>
-            </a:schemeClr>
-          </a:lnRef>
-          <a:fillRef idx="1">
-            <a:schemeClr val="accent1"/>
-          </a:fillRef>
-          <a:effectRef idx="0">
-            <a:schemeClr val="accent1"/>
-          </a:effectRef>
-          <a:fontRef idx="minor">
-            <a:schemeClr val="lt1"/>
-          </a:fontRef>
-        </p:style>
-        <p:txBody>
-          <a:bodyPr rtlCol="0" anchor="ctr"/>
-          <a:lstStyle/>
-          <a:p>
-            <a:pPr algn="ctr"/>
-            <a:endParaRPr lang="zh-TW" altLang="en-US"/>
-          </a:p>
-        </p:txBody>
-      </p:sp>
-      <p:sp>
-        <p:nvSpPr>
-          <p:cNvPr id="35" name="文字方塊 34">
-            <a:extLst>
-              <a:ext uri="{FF2B5EF4-FFF2-40B4-BE49-F238E27FC236}">
-                <a16:creationId xmlns:a16="http://schemas.microsoft.com/office/drawing/2014/main" id="{DC306CB1-7186-41FA-2A0D-38C15AC3A999}"/>
-              </a:ext>
-            </a:extLst>
-          </p:cNvPr>
-          <p:cNvSpPr txBox="1"/>
-          <p:nvPr/>
-        </p:nvSpPr>
-        <p:spPr>
-          <a:xfrm>
-            <a:off x="234060" y="9171567"/>
-            <a:ext cx="1932662" cy="646331"/>
-          </a:xfrm>
-          <a:prstGeom prst="rect">
-            <a:avLst/>
-          </a:prstGeom>
-          <a:noFill/>
-        </p:spPr>
-        <p:txBody>
-          <a:bodyPr wrap="square" rtlCol="0">
-            <a:spAutoFit/>
-          </a:bodyPr>
-          <a:lstStyle/>
-          <a:p>
-            <a:pPr marL="171450" indent="-171450">
-              <a:buFont typeface="Arial" panose="020B0604020202020204" pitchFamily="34" charset="0"/>
-              <a:buChar char="•"/>
-            </a:pPr>
-            <a:r>
-              <a:rPr lang="en-US" altLang="zh-TW" sz="1200" dirty="0">
-                <a:solidFill>
-                  <a:schemeClr val="bg1"/>
-                </a:solidFill>
-              </a:rPr>
-              <a:t>WinForm</a:t>
-            </a:r>
-          </a:p>
-          <a:p>
-            <a:pPr marL="171450" indent="-171450">
-              <a:buFont typeface="Arial" panose="020B0604020202020204" pitchFamily="34" charset="0"/>
-              <a:buChar char="•"/>
-            </a:pPr>
-            <a:r>
-              <a:rPr lang="en-US" altLang="zh-TW" sz="1200" dirty="0">
-                <a:solidFill>
-                  <a:schemeClr val="bg1"/>
-                </a:solidFill>
-              </a:rPr>
-              <a:t>ASP.NET Core MVC</a:t>
-            </a:r>
-          </a:p>
-          <a:p>
-            <a:pPr marL="171450" indent="-171450">
-              <a:buFont typeface="Arial" panose="020B0604020202020204" pitchFamily="34" charset="0"/>
-              <a:buChar char="•"/>
-            </a:pPr>
-            <a:r>
-              <a:rPr lang="en-US" altLang="zh-TW" sz="1200" dirty="0">
-                <a:solidFill>
-                  <a:schemeClr val="bg1"/>
-                </a:solidFill>
-              </a:rPr>
-              <a:t>ASP.NET MVC Framework</a:t>
-            </a:r>
-            <a:endParaRPr lang="zh-TW" altLang="en-US" sz="1200" dirty="0">
-              <a:solidFill>
-                <a:schemeClr val="bg1"/>
-              </a:solidFill>
-            </a:endParaRPr>
-          </a:p>
-        </p:txBody>
-      </p:sp>
-      <p:sp>
-        <p:nvSpPr>
-          <p:cNvPr id="36" name="文字方塊 35">
-            <a:extLst>
-              <a:ext uri="{FF2B5EF4-FFF2-40B4-BE49-F238E27FC236}">
-                <a16:creationId xmlns:a16="http://schemas.microsoft.com/office/drawing/2014/main" id="{1DA02BA1-D2ED-9327-47AE-5051221AF221}"/>
-              </a:ext>
-            </a:extLst>
-          </p:cNvPr>
-          <p:cNvSpPr txBox="1"/>
-          <p:nvPr/>
-        </p:nvSpPr>
-        <p:spPr>
-          <a:xfrm>
-            <a:off x="113577" y="8414710"/>
-            <a:ext cx="629563" cy="374571"/>
-          </a:xfrm>
-          <a:prstGeom prst="roundRect">
-            <a:avLst/>
-          </a:prstGeom>
-          <a:noFill/>
-        </p:spPr>
-        <p:txBody>
-          <a:bodyPr wrap="none" rtlCol="0">
-            <a:spAutoFit/>
-          </a:bodyPr>
-          <a:lstStyle/>
-          <a:p>
-            <a:r>
-              <a:rPr lang="zh-TW" altLang="en-US" sz="1600" b="1" dirty="0">
-                <a:solidFill>
-                  <a:schemeClr val="bg1"/>
-                </a:solidFill>
-                <a:latin typeface="微軟正黑體" panose="020B0604030504040204" pitchFamily="34" charset="-120"/>
-                <a:ea typeface="微軟正黑體" panose="020B0604030504040204" pitchFamily="34" charset="-120"/>
-                <a:cs typeface="芫荽 0.94" pitchFamily="2" charset="-120"/>
-              </a:rPr>
-              <a:t>技能</a:t>
-            </a:r>
-            <a:endParaRPr lang="en-US" altLang="zh-TW" sz="1600" b="1" dirty="0">
-              <a:solidFill>
-                <a:schemeClr val="bg1"/>
-              </a:solidFill>
-              <a:latin typeface="微軟正黑體" panose="020B0604030504040204" pitchFamily="34" charset="-120"/>
-              <a:ea typeface="微軟正黑體" panose="020B0604030504040204" pitchFamily="34" charset="-120"/>
-              <a:cs typeface="芫荽 0.94" pitchFamily="2" charset="-120"/>
-            </a:endParaRPr>
-          </a:p>
-        </p:txBody>
-      </p:sp>
-      <p:cxnSp>
-        <p:nvCxnSpPr>
-          <p:cNvPr id="37" name="直線接點 36">
-            <a:extLst>
-              <a:ext uri="{FF2B5EF4-FFF2-40B4-BE49-F238E27FC236}">
-                <a16:creationId xmlns:a16="http://schemas.microsoft.com/office/drawing/2014/main" id="{FC887DE3-4048-DBAF-B58C-1E045E6306C6}"/>
-              </a:ext>
-            </a:extLst>
-          </p:cNvPr>
-          <p:cNvCxnSpPr>
-            <a:cxnSpLocks/>
-          </p:cNvCxnSpPr>
-          <p:nvPr/>
-        </p:nvCxnSpPr>
-        <p:spPr>
-          <a:xfrm>
-            <a:off x="234061" y="9154774"/>
-            <a:ext cx="1932661" cy="0"/>
-          </a:xfrm>
-          <a:prstGeom prst="line">
-            <a:avLst/>
-          </a:prstGeom>
-          <a:ln w="19050">
-            <a:solidFill>
-              <a:schemeClr val="bg1"/>
-            </a:solidFill>
-          </a:ln>
-        </p:spPr>
-        <p:style>
-          <a:lnRef idx="1">
-            <a:schemeClr val="accent1"/>
-          </a:lnRef>
-          <a:fillRef idx="0">
-            <a:schemeClr val="accent1"/>
-          </a:fillRef>
-          <a:effectRef idx="0">
-            <a:schemeClr val="accent1"/>
-          </a:effectRef>
-          <a:fontRef idx="minor">
-            <a:schemeClr val="tx1"/>
-          </a:fontRef>
-        </p:style>
-      </p:cxnSp>
-      <p:sp>
-        <p:nvSpPr>
-          <p:cNvPr id="40" name="文字方塊 39">
-            <a:extLst>
-              <a:ext uri="{FF2B5EF4-FFF2-40B4-BE49-F238E27FC236}">
-                <a16:creationId xmlns:a16="http://schemas.microsoft.com/office/drawing/2014/main" id="{0BBB127F-2768-2827-AEAD-5F1C2B599AF7}"/>
-              </a:ext>
-            </a:extLst>
-          </p:cNvPr>
-          <p:cNvSpPr txBox="1"/>
-          <p:nvPr/>
-        </p:nvSpPr>
-        <p:spPr>
-          <a:xfrm>
-            <a:off x="234060" y="8818139"/>
-            <a:ext cx="1932662" cy="307777"/>
-          </a:xfrm>
-          <a:prstGeom prst="rect">
-            <a:avLst/>
-          </a:prstGeom>
-          <a:noFill/>
-        </p:spPr>
-        <p:txBody>
-          <a:bodyPr wrap="square" rtlCol="0">
-            <a:spAutoFit/>
-          </a:bodyPr>
-          <a:lstStyle/>
-          <a:p>
-            <a:r>
-              <a:rPr lang="en-US" altLang="zh-TW" sz="1400" b="1" dirty="0">
-                <a:solidFill>
-                  <a:schemeClr val="bg1"/>
-                </a:solidFill>
-              </a:rPr>
-              <a:t>C# Programming</a:t>
-            </a:r>
-            <a:endParaRPr lang="zh-TW" altLang="en-US" sz="1400" b="1" dirty="0">
-              <a:solidFill>
-                <a:schemeClr val="bg1"/>
-              </a:solidFill>
-            </a:endParaRPr>
-          </a:p>
-        </p:txBody>
-      </p:sp>
-      <p:sp>
-        <p:nvSpPr>
-          <p:cNvPr id="41" name="文字方塊 40">
-            <a:extLst>
-              <a:ext uri="{FF2B5EF4-FFF2-40B4-BE49-F238E27FC236}">
-                <a16:creationId xmlns:a16="http://schemas.microsoft.com/office/drawing/2014/main" id="{02F7192D-752D-F447-43FA-98C0273B139E}"/>
-              </a:ext>
-            </a:extLst>
-          </p:cNvPr>
-          <p:cNvSpPr txBox="1"/>
-          <p:nvPr/>
-        </p:nvSpPr>
-        <p:spPr>
-          <a:xfrm>
-            <a:off x="2462669" y="9171567"/>
-            <a:ext cx="1932662" cy="646331"/>
-          </a:xfrm>
-          <a:prstGeom prst="rect">
-            <a:avLst/>
-          </a:prstGeom>
-          <a:noFill/>
-        </p:spPr>
-        <p:txBody>
-          <a:bodyPr wrap="square" rtlCol="0">
-            <a:spAutoFit/>
-          </a:bodyPr>
-          <a:lstStyle/>
-          <a:p>
-            <a:pPr marL="171450" indent="-171450">
-              <a:buFont typeface="Arial" panose="020B0604020202020204" pitchFamily="34" charset="0"/>
-              <a:buChar char="•"/>
-            </a:pPr>
-            <a:r>
-              <a:rPr lang="en-US" altLang="zh-TW" sz="1200" dirty="0">
-                <a:solidFill>
-                  <a:schemeClr val="bg1"/>
-                </a:solidFill>
-              </a:rPr>
-              <a:t>Teamwork</a:t>
-            </a:r>
-          </a:p>
-          <a:p>
-            <a:pPr marL="171450" indent="-171450">
-              <a:buFont typeface="Arial" panose="020B0604020202020204" pitchFamily="34" charset="0"/>
-              <a:buChar char="•"/>
-            </a:pPr>
-            <a:r>
-              <a:rPr lang="en-US" altLang="zh-TW" sz="1200" dirty="0">
-                <a:solidFill>
-                  <a:schemeClr val="bg1"/>
-                </a:solidFill>
-              </a:rPr>
-              <a:t>Presentation</a:t>
-            </a:r>
-          </a:p>
-          <a:p>
-            <a:pPr marL="171450" indent="-171450">
-              <a:buFont typeface="Arial" panose="020B0604020202020204" pitchFamily="34" charset="0"/>
-              <a:buChar char="•"/>
-            </a:pPr>
-            <a:r>
-              <a:rPr lang="en-US" altLang="zh-TW" sz="1200" dirty="0">
-                <a:solidFill>
-                  <a:schemeClr val="bg1"/>
-                </a:solidFill>
-              </a:rPr>
-              <a:t>Writing</a:t>
-            </a:r>
-            <a:endParaRPr lang="zh-TW" altLang="en-US" sz="1200" dirty="0">
-              <a:solidFill>
-                <a:schemeClr val="bg1"/>
-              </a:solidFill>
-            </a:endParaRPr>
-          </a:p>
-        </p:txBody>
-      </p:sp>
-      <p:cxnSp>
-        <p:nvCxnSpPr>
-          <p:cNvPr id="42" name="直線接點 41">
-            <a:extLst>
-              <a:ext uri="{FF2B5EF4-FFF2-40B4-BE49-F238E27FC236}">
-                <a16:creationId xmlns:a16="http://schemas.microsoft.com/office/drawing/2014/main" id="{F677E023-567C-2A63-3EF1-7493A678A6E4}"/>
-              </a:ext>
-            </a:extLst>
-          </p:cNvPr>
-          <p:cNvCxnSpPr>
-            <a:cxnSpLocks/>
-          </p:cNvCxnSpPr>
-          <p:nvPr/>
-        </p:nvCxnSpPr>
-        <p:spPr>
-          <a:xfrm>
-            <a:off x="2462670" y="9154774"/>
-            <a:ext cx="1932661" cy="0"/>
-          </a:xfrm>
-          <a:prstGeom prst="line">
-            <a:avLst/>
-          </a:prstGeom>
-          <a:ln w="19050">
-            <a:solidFill>
-              <a:schemeClr val="bg1"/>
-            </a:solidFill>
-          </a:ln>
-        </p:spPr>
-        <p:style>
-          <a:lnRef idx="1">
-            <a:schemeClr val="accent1"/>
-          </a:lnRef>
-          <a:fillRef idx="0">
-            <a:schemeClr val="accent1"/>
-          </a:fillRef>
-          <a:effectRef idx="0">
-            <a:schemeClr val="accent1"/>
-          </a:effectRef>
-          <a:fontRef idx="minor">
-            <a:schemeClr val="tx1"/>
-          </a:fontRef>
-        </p:style>
-      </p:cxnSp>
-      <p:sp>
-        <p:nvSpPr>
-          <p:cNvPr id="43" name="文字方塊 42">
-            <a:extLst>
-              <a:ext uri="{FF2B5EF4-FFF2-40B4-BE49-F238E27FC236}">
-                <a16:creationId xmlns:a16="http://schemas.microsoft.com/office/drawing/2014/main" id="{F5040517-79D6-5A6E-781D-4B9B05760F87}"/>
-              </a:ext>
-            </a:extLst>
-          </p:cNvPr>
-          <p:cNvSpPr txBox="1"/>
-          <p:nvPr/>
-        </p:nvSpPr>
-        <p:spPr>
-          <a:xfrm>
-            <a:off x="2462669" y="8818139"/>
-            <a:ext cx="1932662" cy="307777"/>
-          </a:xfrm>
-          <a:prstGeom prst="rect">
-            <a:avLst/>
-          </a:prstGeom>
-          <a:noFill/>
-        </p:spPr>
-        <p:txBody>
-          <a:bodyPr wrap="square" rtlCol="0">
-            <a:spAutoFit/>
-          </a:bodyPr>
-          <a:lstStyle/>
-          <a:p>
-            <a:r>
-              <a:rPr lang="en-US" altLang="zh-TW" sz="1400" b="1" dirty="0">
-                <a:solidFill>
-                  <a:schemeClr val="bg1"/>
-                </a:solidFill>
-              </a:rPr>
-              <a:t>Soft Skills</a:t>
-            </a:r>
-            <a:endParaRPr lang="zh-TW" altLang="en-US" sz="1400" b="1" dirty="0">
-              <a:solidFill>
-                <a:schemeClr val="bg1"/>
-              </a:solidFill>
-            </a:endParaRPr>
-          </a:p>
-        </p:txBody>
-      </p:sp>
-      <p:sp>
-        <p:nvSpPr>
-          <p:cNvPr id="44" name="文字方塊 43">
-            <a:extLst>
-              <a:ext uri="{FF2B5EF4-FFF2-40B4-BE49-F238E27FC236}">
-                <a16:creationId xmlns:a16="http://schemas.microsoft.com/office/drawing/2014/main" id="{F904CC4A-28EB-4AAA-31E7-9C5643D06AF5}"/>
-              </a:ext>
-            </a:extLst>
-          </p:cNvPr>
-          <p:cNvSpPr txBox="1"/>
-          <p:nvPr/>
-        </p:nvSpPr>
-        <p:spPr>
-          <a:xfrm>
-            <a:off x="4691278" y="9171567"/>
-            <a:ext cx="1932662" cy="646331"/>
-          </a:xfrm>
-          <a:prstGeom prst="rect">
-            <a:avLst/>
-          </a:prstGeom>
-          <a:noFill/>
-        </p:spPr>
-        <p:txBody>
-          <a:bodyPr wrap="square" rtlCol="0">
-            <a:spAutoFit/>
-          </a:bodyPr>
-          <a:lstStyle/>
-          <a:p>
-            <a:pPr marL="171450" indent="-171450">
-              <a:buFont typeface="Arial" panose="020B0604020202020204" pitchFamily="34" charset="0"/>
-              <a:buChar char="•"/>
-            </a:pPr>
-            <a:r>
-              <a:rPr lang="en-US" altLang="zh-TW" sz="1200" dirty="0">
-                <a:solidFill>
-                  <a:schemeClr val="bg1"/>
-                </a:solidFill>
-              </a:rPr>
-              <a:t>Chinese - Native</a:t>
-            </a:r>
-          </a:p>
-          <a:p>
-            <a:pPr marL="171450" indent="-171450">
-              <a:buFont typeface="Arial" panose="020B0604020202020204" pitchFamily="34" charset="0"/>
-              <a:buChar char="•"/>
-            </a:pPr>
-            <a:r>
-              <a:rPr lang="en-US" altLang="zh-TW" sz="1200" dirty="0">
-                <a:solidFill>
-                  <a:schemeClr val="bg1"/>
-                </a:solidFill>
-              </a:rPr>
-              <a:t>English - Intermediate</a:t>
-            </a:r>
-          </a:p>
-          <a:p>
-            <a:pPr marL="171450" indent="-171450">
-              <a:buFont typeface="Arial" panose="020B0604020202020204" pitchFamily="34" charset="0"/>
-              <a:buChar char="•"/>
-            </a:pPr>
-            <a:r>
-              <a:rPr lang="en-US" altLang="zh-TW" sz="1200" dirty="0">
-                <a:solidFill>
-                  <a:schemeClr val="bg1"/>
-                </a:solidFill>
-              </a:rPr>
-              <a:t>Japanese - Beginner</a:t>
-            </a:r>
-            <a:endParaRPr lang="zh-TW" altLang="en-US" sz="1200" dirty="0">
-              <a:solidFill>
-                <a:schemeClr val="bg1"/>
-              </a:solidFill>
-            </a:endParaRPr>
-          </a:p>
-        </p:txBody>
-      </p:sp>
-      <p:cxnSp>
-        <p:nvCxnSpPr>
-          <p:cNvPr id="45" name="直線接點 44">
-            <a:extLst>
-              <a:ext uri="{FF2B5EF4-FFF2-40B4-BE49-F238E27FC236}">
-                <a16:creationId xmlns:a16="http://schemas.microsoft.com/office/drawing/2014/main" id="{4185E31E-31AD-9AAE-3F42-3A95E5CE2F6A}"/>
-              </a:ext>
-            </a:extLst>
-          </p:cNvPr>
-          <p:cNvCxnSpPr>
-            <a:cxnSpLocks/>
-          </p:cNvCxnSpPr>
-          <p:nvPr/>
-        </p:nvCxnSpPr>
-        <p:spPr>
-          <a:xfrm>
-            <a:off x="4691279" y="9154774"/>
-            <a:ext cx="1932661" cy="0"/>
-          </a:xfrm>
-          <a:prstGeom prst="line">
-            <a:avLst/>
-          </a:prstGeom>
-          <a:ln w="19050">
-            <a:solidFill>
-              <a:schemeClr val="bg1"/>
-            </a:solidFill>
-          </a:ln>
-        </p:spPr>
-        <p:style>
-          <a:lnRef idx="1">
-            <a:schemeClr val="accent1"/>
-          </a:lnRef>
-          <a:fillRef idx="0">
-            <a:schemeClr val="accent1"/>
-          </a:fillRef>
-          <a:effectRef idx="0">
-            <a:schemeClr val="accent1"/>
-          </a:effectRef>
-          <a:fontRef idx="minor">
-            <a:schemeClr val="tx1"/>
-          </a:fontRef>
-        </p:style>
-      </p:cxnSp>
-      <p:sp>
-        <p:nvSpPr>
-          <p:cNvPr id="46" name="文字方塊 45">
-            <a:extLst>
-              <a:ext uri="{FF2B5EF4-FFF2-40B4-BE49-F238E27FC236}">
-                <a16:creationId xmlns:a16="http://schemas.microsoft.com/office/drawing/2014/main" id="{2CE7E1CB-B215-D50A-9E0A-D31FF379E999}"/>
-              </a:ext>
-            </a:extLst>
-          </p:cNvPr>
-          <p:cNvSpPr txBox="1"/>
-          <p:nvPr/>
-        </p:nvSpPr>
-        <p:spPr>
-          <a:xfrm>
-            <a:off x="4691278" y="8818139"/>
-            <a:ext cx="1932662" cy="307777"/>
-          </a:xfrm>
-          <a:prstGeom prst="rect">
-            <a:avLst/>
-          </a:prstGeom>
-          <a:noFill/>
-        </p:spPr>
-        <p:txBody>
-          <a:bodyPr wrap="square" rtlCol="0">
-            <a:spAutoFit/>
-          </a:bodyPr>
-          <a:lstStyle/>
-          <a:p>
-            <a:r>
-              <a:rPr lang="en-US" altLang="zh-TW" sz="1400" b="1" dirty="0">
-                <a:solidFill>
-                  <a:schemeClr val="bg1"/>
-                </a:solidFill>
-              </a:rPr>
-              <a:t>Language</a:t>
-            </a:r>
-            <a:endParaRPr lang="zh-TW" altLang="en-US" sz="1400" b="1" dirty="0">
-              <a:solidFill>
-                <a:schemeClr val="bg1"/>
-              </a:solidFill>
-            </a:endParaRPr>
+              <a:t>．</a:t>
+            </a:r>
+            <a:r>
+              <a:rPr lang="zh-TW" altLang="en-US" sz="1050" b="1" dirty="0">
+                <a:solidFill>
+                  <a:schemeClr val="tx1">
+                    <a:lumMod val="75000"/>
+                    <a:lumOff val="25000"/>
+                  </a:schemeClr>
+                </a:solidFill>
+                <a:latin typeface="微軟正黑體" panose="020B0604030504040204" pitchFamily="34" charset="-120"/>
+                <a:ea typeface="微軟正黑體" panose="020B0604030504040204" pitchFamily="34" charset="-120"/>
+                <a:cs typeface="芫荽 0.94" pitchFamily="2" charset="-120"/>
+              </a:rPr>
+              <a:t>永久有效</a:t>
+            </a:r>
           </a:p>
         </p:txBody>
       </p:sp>
@@ -6637,7 +6946,7 @@
         </p:blipFill>
         <p:spPr>
           <a:xfrm>
-            <a:off x="302100" y="7227124"/>
+            <a:off x="234061" y="8946755"/>
             <a:ext cx="509080" cy="506807"/>
           </a:xfrm>
           <a:prstGeom prst="rect">
@@ -6666,7 +6975,7 @@
         </p:blipFill>
         <p:spPr>
           <a:xfrm>
-            <a:off x="302100" y="6119899"/>
+            <a:off x="254475" y="7879714"/>
             <a:ext cx="509080" cy="506807"/>
           </a:xfrm>
           <a:prstGeom prst="rect">
@@ -6689,7 +6998,7 @@
           <p:nvPr/>
         </p:nvPicPr>
         <p:blipFill rotWithShape="1">
-          <a:blip r:embed="rId3">
+          <a:blip r:embed="rId3" cstate="hqprint">
             <a:extLst>
               <a:ext uri="{28A0092B-C50C-407E-A947-70E740481C1C}">
                 <a14:useLocalDpi xmlns:a14="http://schemas.microsoft.com/office/drawing/2010/main" val="0"/>
@@ -6701,7 +7010,7 @@
         </p:blipFill>
         <p:spPr>
           <a:xfrm>
-            <a:off x="315906" y="5132681"/>
+            <a:off x="281685" y="6812673"/>
             <a:ext cx="509080" cy="506807"/>
           </a:xfrm>
           <a:prstGeom prst="rect">
@@ -6724,7 +7033,7 @@
           <p:nvPr/>
         </p:nvPicPr>
         <p:blipFill rotWithShape="1">
-          <a:blip r:embed="rId4">
+          <a:blip r:embed="rId4" cstate="hqprint">
             <a:extLst>
               <a:ext uri="{28A0092B-C50C-407E-A947-70E740481C1C}">
                 <a14:useLocalDpi xmlns:a14="http://schemas.microsoft.com/office/drawing/2010/main" val="0"/>
@@ -6736,7 +7045,7 @@
         </p:blipFill>
         <p:spPr>
           <a:xfrm>
-            <a:off x="302100" y="4017287"/>
+            <a:off x="281685" y="5702325"/>
             <a:ext cx="509080" cy="506807"/>
           </a:xfrm>
           <a:prstGeom prst="rect">
@@ -6759,7 +7068,7 @@
           <p:nvPr/>
         </p:nvPicPr>
         <p:blipFill rotWithShape="1">
-          <a:blip r:embed="rId5">
+          <a:blip r:embed="rId5" cstate="hqprint">
             <a:extLst>
               <a:ext uri="{28A0092B-C50C-407E-A947-70E740481C1C}">
                 <a14:useLocalDpi xmlns:a14="http://schemas.microsoft.com/office/drawing/2010/main" val="0"/>
@@ -6771,7 +7080,7 @@
         </p:blipFill>
         <p:spPr>
           <a:xfrm>
-            <a:off x="281685" y="2929506"/>
+            <a:off x="281685" y="4613936"/>
             <a:ext cx="509080" cy="506807"/>
           </a:xfrm>
           <a:prstGeom prst="rect">
@@ -6794,7 +7103,7 @@
           <p:nvPr/>
         </p:nvPicPr>
         <p:blipFill>
-          <a:blip r:embed="rId6">
+          <a:blip r:embed="rId6" cstate="hqprint">
             <a:extLst>
               <a:ext uri="{28A0092B-C50C-407E-A947-70E740481C1C}">
                 <a14:useLocalDpi xmlns:a14="http://schemas.microsoft.com/office/drawing/2010/main" val="0"/>
@@ -6808,7 +7117,7 @@
         </p:blipFill>
         <p:spPr bwMode="auto">
           <a:xfrm>
-            <a:off x="5954981" y="656471"/>
+            <a:off x="5954981" y="2413081"/>
             <a:ext cx="540836" cy="540836"/>
           </a:xfrm>
           <a:prstGeom prst="rect">
@@ -6826,6 +7135,442 @@
           </a:extLst>
         </p:spPr>
       </p:pic>
+      <p:sp>
+        <p:nvSpPr>
+          <p:cNvPr id="62" name="文字方塊 61">
+            <a:extLst>
+              <a:ext uri="{FF2B5EF4-FFF2-40B4-BE49-F238E27FC236}">
+                <a16:creationId xmlns:a16="http://schemas.microsoft.com/office/drawing/2014/main" id="{B5958756-D601-C66C-64FA-0BB532F109FD}"/>
+              </a:ext>
+            </a:extLst>
+          </p:cNvPr>
+          <p:cNvSpPr txBox="1"/>
+          <p:nvPr/>
+        </p:nvSpPr>
+        <p:spPr>
+          <a:xfrm>
+            <a:off x="509015" y="1147824"/>
+            <a:ext cx="5792584" cy="1084912"/>
+          </a:xfrm>
+          <a:prstGeom prst="rect">
+            <a:avLst/>
+          </a:prstGeom>
+          <a:noFill/>
+        </p:spPr>
+        <p:txBody>
+          <a:bodyPr wrap="square" rtlCol="0">
+            <a:spAutoFit/>
+          </a:bodyPr>
+          <a:lstStyle/>
+          <a:p>
+            <a:pPr marL="171450" indent="-171450">
+              <a:lnSpc>
+                <a:spcPct val="150000"/>
+              </a:lnSpc>
+              <a:buFont typeface="Arial" panose="020B0604020202020204" pitchFamily="34" charset="0"/>
+              <a:buChar char="•"/>
+            </a:pPr>
+            <a:r>
+              <a:rPr lang="zh-TW" altLang="en-US" sz="1000" b="1" dirty="0">
+                <a:solidFill>
+                  <a:schemeClr val="tx1">
+                    <a:lumMod val="75000"/>
+                    <a:lumOff val="25000"/>
+                  </a:schemeClr>
+                </a:solidFill>
+                <a:latin typeface="微軟正黑體" panose="020B0604030504040204" pitchFamily="34" charset="-120"/>
+                <a:ea typeface="微軟正黑體" panose="020B0604030504040204" pitchFamily="34" charset="-120"/>
+                <a:cs typeface="芫荽 0.94" pitchFamily="2" charset="-120"/>
+              </a:rPr>
+              <a:t>在 </a:t>
+            </a:r>
+            <a:r>
+              <a:rPr lang="en-US" altLang="zh-TW" sz="1000" b="1" dirty="0">
+                <a:solidFill>
+                  <a:schemeClr val="tx1">
+                    <a:lumMod val="75000"/>
+                    <a:lumOff val="25000"/>
+                  </a:schemeClr>
+                </a:solidFill>
+                <a:latin typeface="微軟正黑體" panose="020B0604030504040204" pitchFamily="34" charset="-120"/>
+                <a:ea typeface="微軟正黑體" panose="020B0604030504040204" pitchFamily="34" charset="-120"/>
+                <a:cs typeface="芫荽 0.94" pitchFamily="2" charset="-120"/>
+              </a:rPr>
+              <a:t>300</a:t>
+            </a:r>
+            <a:r>
+              <a:rPr lang="zh-TW" altLang="en-US" sz="1000" b="1" dirty="0">
+                <a:solidFill>
+                  <a:schemeClr val="tx1">
+                    <a:lumMod val="75000"/>
+                    <a:lumOff val="25000"/>
+                  </a:schemeClr>
+                </a:solidFill>
+                <a:latin typeface="微軟正黑體" panose="020B0604030504040204" pitchFamily="34" charset="-120"/>
+                <a:ea typeface="微軟正黑體" panose="020B0604030504040204" pitchFamily="34" charset="-120"/>
+                <a:cs typeface="芫荽 0.94" pitchFamily="2" charset="-120"/>
+              </a:rPr>
+              <a:t> 個參賽隊伍中排名第 </a:t>
+            </a:r>
+            <a:r>
+              <a:rPr lang="en-US" altLang="zh-TW" sz="1000" b="1" dirty="0">
+                <a:solidFill>
+                  <a:schemeClr val="tx1">
+                    <a:lumMod val="75000"/>
+                    <a:lumOff val="25000"/>
+                  </a:schemeClr>
+                </a:solidFill>
+                <a:latin typeface="微軟正黑體" panose="020B0604030504040204" pitchFamily="34" charset="-120"/>
+                <a:ea typeface="微軟正黑體" panose="020B0604030504040204" pitchFamily="34" charset="-120"/>
+                <a:cs typeface="芫荽 0.94" pitchFamily="2" charset="-120"/>
+              </a:rPr>
+              <a:t>3</a:t>
+            </a:r>
+          </a:p>
+          <a:p>
+            <a:pPr>
+              <a:lnSpc>
+                <a:spcPct val="150000"/>
+              </a:lnSpc>
+            </a:pPr>
+            <a:endParaRPr lang="en-US" altLang="zh-TW" sz="300" b="1" dirty="0">
+              <a:solidFill>
+                <a:schemeClr val="tx1">
+                  <a:lumMod val="75000"/>
+                  <a:lumOff val="25000"/>
+                </a:schemeClr>
+              </a:solidFill>
+              <a:latin typeface="微軟正黑體" panose="020B0604030504040204" pitchFamily="34" charset="-120"/>
+              <a:ea typeface="微軟正黑體" panose="020B0604030504040204" pitchFamily="34" charset="-120"/>
+              <a:cs typeface="芫荽 0.94" pitchFamily="2" charset="-120"/>
+            </a:endParaRPr>
+          </a:p>
+          <a:p>
+            <a:pPr>
+              <a:lnSpc>
+                <a:spcPct val="150000"/>
+              </a:lnSpc>
+            </a:pPr>
+            <a:r>
+              <a:rPr lang="zh-TW" altLang="en-US" sz="1000" b="1" dirty="0">
+                <a:solidFill>
+                  <a:schemeClr val="tx1">
+                    <a:lumMod val="75000"/>
+                    <a:lumOff val="25000"/>
+                  </a:schemeClr>
+                </a:solidFill>
+                <a:latin typeface="微軟正黑體" panose="020B0604030504040204" pitchFamily="34" charset="-120"/>
+                <a:ea typeface="微軟正黑體" panose="020B0604030504040204" pitchFamily="34" charset="-120"/>
+                <a:cs typeface="芫荽 0.94" pitchFamily="2" charset="-120"/>
+              </a:rPr>
+              <a:t>受邀擔任由中正大學與輔仁大學學生跨校隊伍的指導老師。藉由傳授自身前一屆的參賽心得與經驗，對隊伍進行</a:t>
+            </a:r>
+            <a:r>
+              <a:rPr lang="zh-TW" altLang="en-US" sz="1000" b="1" dirty="0" smtClean="0">
+                <a:solidFill>
+                  <a:schemeClr val="tx1">
+                    <a:lumMod val="75000"/>
+                    <a:lumOff val="25000"/>
+                  </a:schemeClr>
+                </a:solidFill>
+                <a:latin typeface="微軟正黑體" panose="020B0604030504040204" pitchFamily="34" charset="-120"/>
+                <a:ea typeface="微軟正黑體" panose="020B0604030504040204" pitchFamily="34" charset="-120"/>
+                <a:cs typeface="芫荽 0.94" pitchFamily="2" charset="-120"/>
+              </a:rPr>
+              <a:t>企</a:t>
+            </a:r>
+            <a:r>
+              <a:rPr lang="zh-TW" altLang="en-US" sz="1000" b="1" dirty="0">
+                <a:solidFill>
+                  <a:schemeClr val="tx1">
+                    <a:lumMod val="75000"/>
+                    <a:lumOff val="25000"/>
+                  </a:schemeClr>
+                </a:solidFill>
+                <a:latin typeface="微軟正黑體" panose="020B0604030504040204" pitchFamily="34" charset="-120"/>
+                <a:ea typeface="微軟正黑體" panose="020B0604030504040204" pitchFamily="34" charset="-120"/>
+                <a:cs typeface="芫荽 0.94" pitchFamily="2" charset="-120"/>
+              </a:rPr>
+              <a:t>劃</a:t>
+            </a:r>
+            <a:r>
+              <a:rPr lang="zh-TW" altLang="en-US" sz="1000" b="1" dirty="0" smtClean="0">
+                <a:solidFill>
+                  <a:schemeClr val="tx1">
+                    <a:lumMod val="75000"/>
+                    <a:lumOff val="25000"/>
+                  </a:schemeClr>
+                </a:solidFill>
+                <a:latin typeface="微軟正黑體" panose="020B0604030504040204" pitchFamily="34" charset="-120"/>
+                <a:ea typeface="微軟正黑體" panose="020B0604030504040204" pitchFamily="34" charset="-120"/>
+                <a:cs typeface="芫荽 0.94" pitchFamily="2" charset="-120"/>
+              </a:rPr>
+              <a:t>指導</a:t>
+            </a:r>
+            <a:r>
+              <a:rPr lang="zh-TW" altLang="en-US" sz="1000" b="1" dirty="0">
+                <a:solidFill>
+                  <a:schemeClr val="tx1">
+                    <a:lumMod val="75000"/>
+                    <a:lumOff val="25000"/>
+                  </a:schemeClr>
+                </a:solidFill>
+                <a:latin typeface="微軟正黑體" panose="020B0604030504040204" pitchFamily="34" charset="-120"/>
+                <a:ea typeface="微軟正黑體" panose="020B0604030504040204" pitchFamily="34" charset="-120"/>
+                <a:cs typeface="芫荽 0.94" pitchFamily="2" charset="-120"/>
+              </a:rPr>
+              <a:t>。在長達三個月的賽期中，該隊伍陸續通過桃園市政府青年事務局組內初、複賽，最終被選為企業決賽代表隊，並在全國舞台中贏得季軍殊榮。</a:t>
+            </a:r>
+          </a:p>
+        </p:txBody>
+      </p:sp>
+      <p:sp>
+        <p:nvSpPr>
+          <p:cNvPr id="63" name="文字方塊 62">
+            <a:extLst>
+              <a:ext uri="{FF2B5EF4-FFF2-40B4-BE49-F238E27FC236}">
+                <a16:creationId xmlns:a16="http://schemas.microsoft.com/office/drawing/2014/main" id="{912E264E-54E6-7D9D-28C2-D0D78A7D9B0F}"/>
+              </a:ext>
+            </a:extLst>
+          </p:cNvPr>
+          <p:cNvSpPr txBox="1"/>
+          <p:nvPr/>
+        </p:nvSpPr>
+        <p:spPr>
+          <a:xfrm>
+            <a:off x="440436" y="549924"/>
+            <a:ext cx="4716780" cy="638316"/>
+          </a:xfrm>
+          <a:prstGeom prst="rect">
+            <a:avLst/>
+          </a:prstGeom>
+          <a:noFill/>
+        </p:spPr>
+        <p:txBody>
+          <a:bodyPr wrap="square" rtlCol="0">
+            <a:spAutoFit/>
+          </a:bodyPr>
+          <a:lstStyle/>
+          <a:p>
+            <a:pPr>
+              <a:lnSpc>
+                <a:spcPct val="150000"/>
+              </a:lnSpc>
+            </a:pPr>
+            <a:r>
+              <a:rPr lang="en-US" altLang="zh-TW" sz="1300" b="1" dirty="0">
+                <a:latin typeface="微軟正黑體" panose="020B0604030504040204" pitchFamily="34" charset="-120"/>
+                <a:ea typeface="微軟正黑體" panose="020B0604030504040204" pitchFamily="34" charset="-120"/>
+                <a:cs typeface="芫荽 0.94" pitchFamily="2" charset="-120"/>
+              </a:rPr>
+              <a:t>18</a:t>
+            </a:r>
+            <a:r>
+              <a:rPr lang="en-US" altLang="zh-TW" sz="1300" b="1" baseline="30000" dirty="0">
+                <a:latin typeface="微軟正黑體" panose="020B0604030504040204" pitchFamily="34" charset="-120"/>
+                <a:ea typeface="微軟正黑體" panose="020B0604030504040204" pitchFamily="34" charset="-120"/>
+                <a:cs typeface="芫荽 0.94" pitchFamily="2" charset="-120"/>
+              </a:rPr>
+              <a:t>th</a:t>
+            </a:r>
+            <a:r>
+              <a:rPr lang="en-US" altLang="zh-TW" sz="1300" b="1" dirty="0">
+                <a:latin typeface="微軟正黑體" panose="020B0604030504040204" pitchFamily="34" charset="-120"/>
+                <a:ea typeface="微軟正黑體" panose="020B0604030504040204" pitchFamily="34" charset="-120"/>
+                <a:cs typeface="芫荽 0.94" pitchFamily="2" charset="-120"/>
+              </a:rPr>
+              <a:t> </a:t>
+            </a:r>
+            <a:r>
+              <a:rPr lang="zh-TW" altLang="en-US" sz="1300" b="1" dirty="0">
+                <a:latin typeface="微軟正黑體" panose="020B0604030504040204" pitchFamily="34" charset="-120"/>
+                <a:ea typeface="微軟正黑體" panose="020B0604030504040204" pitchFamily="34" charset="-120"/>
+                <a:cs typeface="芫荽 0.94" pitchFamily="2" charset="-120"/>
+              </a:rPr>
+              <a:t>全國季軍參賽隊伍 </a:t>
+            </a:r>
+            <a:r>
+              <a:rPr lang="en-US" altLang="zh-TW" sz="1300" b="1" dirty="0">
+                <a:latin typeface="微軟正黑體" panose="020B0604030504040204" pitchFamily="34" charset="-120"/>
+                <a:ea typeface="微軟正黑體" panose="020B0604030504040204" pitchFamily="34" charset="-120"/>
+                <a:cs typeface="芫荽 0.94" pitchFamily="2" charset="-120"/>
+              </a:rPr>
+              <a:t>|</a:t>
+            </a:r>
+            <a:r>
+              <a:rPr lang="zh-TW" altLang="en-US" sz="1300" b="1" dirty="0">
+                <a:latin typeface="微軟正黑體" panose="020B0604030504040204" pitchFamily="34" charset="-120"/>
+                <a:ea typeface="微軟正黑體" panose="020B0604030504040204" pitchFamily="34" charset="-120"/>
+                <a:cs typeface="芫荽 0.94" pitchFamily="2" charset="-120"/>
+              </a:rPr>
+              <a:t> 導師．</a:t>
+            </a:r>
+            <a:r>
+              <a:rPr lang="en-US" altLang="zh-TW" sz="1300" b="1" dirty="0">
+                <a:solidFill>
+                  <a:srgbClr val="2E406F"/>
+                </a:solidFill>
+                <a:latin typeface="微軟正黑體" panose="020B0604030504040204" pitchFamily="34" charset="-120"/>
+                <a:ea typeface="微軟正黑體" panose="020B0604030504040204" pitchFamily="34" charset="-120"/>
+                <a:cs typeface="芫荽 0.94" pitchFamily="2" charset="-120"/>
+              </a:rPr>
+              <a:t>ATCC </a:t>
+            </a:r>
+            <a:r>
+              <a:rPr lang="zh-TW" altLang="en-US" sz="1300" b="1" dirty="0">
+                <a:solidFill>
+                  <a:srgbClr val="2E406F"/>
+                </a:solidFill>
+                <a:latin typeface="微軟正黑體" panose="020B0604030504040204" pitchFamily="34" charset="-120"/>
+                <a:ea typeface="微軟正黑體" panose="020B0604030504040204" pitchFamily="34" charset="-120"/>
+                <a:cs typeface="芫荽 0.94" pitchFamily="2" charset="-120"/>
+              </a:rPr>
+              <a:t>全國大專院校商業競賽</a:t>
+            </a:r>
+            <a:r>
+              <a:rPr lang="en-US" altLang="zh-TW" sz="1300" b="1" dirty="0">
+                <a:solidFill>
+                  <a:srgbClr val="2E406F"/>
+                </a:solidFill>
+                <a:latin typeface="微軟正黑體" panose="020B0604030504040204" pitchFamily="34" charset="-120"/>
+                <a:ea typeface="微軟正黑體" panose="020B0604030504040204" pitchFamily="34" charset="-120"/>
+                <a:cs typeface="芫荽 0.94" pitchFamily="2" charset="-120"/>
+              </a:rPr>
+              <a:t> </a:t>
+            </a:r>
+          </a:p>
+          <a:p>
+            <a:pPr>
+              <a:lnSpc>
+                <a:spcPct val="150000"/>
+              </a:lnSpc>
+            </a:pPr>
+            <a:r>
+              <a:rPr lang="en-US" altLang="zh-TW" sz="1100" b="1" dirty="0">
+                <a:latin typeface="微軟正黑體" panose="020B0604030504040204" pitchFamily="34" charset="-120"/>
+                <a:ea typeface="微軟正黑體" panose="020B0604030504040204" pitchFamily="34" charset="-120"/>
+                <a:cs typeface="芫荽 0.94" pitchFamily="2" charset="-120"/>
+              </a:rPr>
+              <a:t>2020/03</a:t>
+            </a:r>
+            <a:r>
+              <a:rPr lang="zh-TW" altLang="en-US" sz="1100" b="1" dirty="0">
+                <a:latin typeface="微軟正黑體" panose="020B0604030504040204" pitchFamily="34" charset="-120"/>
+                <a:ea typeface="微軟正黑體" panose="020B0604030504040204" pitchFamily="34" charset="-120"/>
+                <a:cs typeface="芫荽 0.94" pitchFamily="2" charset="-120"/>
+              </a:rPr>
+              <a:t>  </a:t>
+            </a:r>
+            <a:r>
+              <a:rPr lang="en-US" altLang="zh-TW" sz="1100" b="1" dirty="0">
+                <a:latin typeface="微軟正黑體" panose="020B0604030504040204" pitchFamily="34" charset="-120"/>
+                <a:ea typeface="微軟正黑體" panose="020B0604030504040204" pitchFamily="34" charset="-120"/>
+                <a:cs typeface="芫荽 0.94" pitchFamily="2" charset="-120"/>
+              </a:rPr>
+              <a:t>–</a:t>
+            </a:r>
+            <a:r>
+              <a:rPr lang="zh-TW" altLang="en-US" sz="1100" b="1" dirty="0">
+                <a:latin typeface="微軟正黑體" panose="020B0604030504040204" pitchFamily="34" charset="-120"/>
+                <a:ea typeface="微軟正黑體" panose="020B0604030504040204" pitchFamily="34" charset="-120"/>
+                <a:cs typeface="芫荽 0.94" pitchFamily="2" charset="-120"/>
+              </a:rPr>
+              <a:t>  </a:t>
+            </a:r>
+            <a:r>
+              <a:rPr lang="en-US" altLang="zh-TW" sz="1100" b="1" dirty="0">
+                <a:latin typeface="微軟正黑體" panose="020B0604030504040204" pitchFamily="34" charset="-120"/>
+                <a:ea typeface="微軟正黑體" panose="020B0604030504040204" pitchFamily="34" charset="-120"/>
+                <a:cs typeface="芫荽 0.94" pitchFamily="2" charset="-120"/>
+              </a:rPr>
+              <a:t>2020/07</a:t>
+            </a:r>
+          </a:p>
+        </p:txBody>
+      </p:sp>
+      <p:pic>
+        <p:nvPicPr>
+          <p:cNvPr id="64" name="Picture 2">
+            <a:extLst>
+              <a:ext uri="{FF2B5EF4-FFF2-40B4-BE49-F238E27FC236}">
+                <a16:creationId xmlns:a16="http://schemas.microsoft.com/office/drawing/2014/main" id="{1682E712-64BA-D256-741E-97D9F8BB06E9}"/>
+              </a:ext>
+            </a:extLst>
+          </p:cNvPr>
+          <p:cNvPicPr>
+            <a:picLocks noChangeAspect="1" noChangeArrowheads="1"/>
+          </p:cNvPicPr>
+          <p:nvPr/>
+        </p:nvPicPr>
+        <p:blipFill>
+          <a:blip r:embed="rId6" cstate="hqprint">
+            <a:extLst>
+              <a:ext uri="{28A0092B-C50C-407E-A947-70E740481C1C}">
+                <a14:useLocalDpi xmlns:a14="http://schemas.microsoft.com/office/drawing/2010/main" val="0"/>
+              </a:ext>
+            </a:extLst>
+          </a:blip>
+          <a:srcRect/>
+          <a:stretch>
+            <a:fillRect/>
+          </a:stretch>
+        </p:blipFill>
+        <p:spPr bwMode="auto">
+          <a:xfrm>
+            <a:off x="5954981" y="649646"/>
+            <a:ext cx="540836" cy="540836"/>
+          </a:xfrm>
+          <a:prstGeom prst="rect">
+            <a:avLst/>
+          </a:prstGeom>
+          <a:noFill/>
+          <a:extLst>
+            <a:ext uri="{909E8E84-426E-40DD-AFC4-6F175D3DCCD1}">
+              <a14:hiddenFill xmlns:a14="http://schemas.microsoft.com/office/drawing/2010/main">
+                <a:solidFill>
+                  <a:srgbClr val="FFFFFF"/>
+                </a:solidFill>
+              </a14:hiddenFill>
+            </a:ext>
+          </a:extLst>
+        </p:spPr>
+      </p:pic>
+      <p:sp>
+        <p:nvSpPr>
+          <p:cNvPr id="21" name="文字方塊 20"/>
+          <p:cNvSpPr txBox="1"/>
+          <p:nvPr/>
+        </p:nvSpPr>
+        <p:spPr>
+          <a:xfrm>
+            <a:off x="6233020" y="9515021"/>
+            <a:ext cx="503664" cy="307777"/>
+          </a:xfrm>
+          <a:prstGeom prst="rect">
+            <a:avLst/>
+          </a:prstGeom>
+          <a:noFill/>
+        </p:spPr>
+        <p:txBody>
+          <a:bodyPr wrap="none" rtlCol="0">
+            <a:spAutoFit/>
+          </a:bodyPr>
+          <a:lstStyle/>
+          <a:p>
+            <a:r>
+              <a:rPr lang="en-US" altLang="zh-TW" sz="1400" dirty="0" smtClean="0">
+                <a:latin typeface="Times New Roman" panose="02020603050405020304" pitchFamily="18" charset="0"/>
+                <a:cs typeface="Times New Roman" panose="02020603050405020304" pitchFamily="18" charset="0"/>
+              </a:rPr>
+              <a:t>2 / 2</a:t>
+            </a:r>
+            <a:endParaRPr lang="zh-TW" altLang="en-US" sz="1400" dirty="0">
+              <a:latin typeface="Times New Roman" panose="02020603050405020304" pitchFamily="18" charset="0"/>
+              <a:cs typeface="Times New Roman" panose="02020603050405020304" pitchFamily="18" charset="0"/>
+            </a:endParaRPr>
+          </a:p>
+        </p:txBody>
+      </p:sp>
     </p:spTree>
     <p:extLst>
       <p:ext uri="{BB962C8B-B14F-4D97-AF65-F5344CB8AC3E}">
@@ -6836,6 +7581,13 @@
   <p:clrMapOvr>
     <a:masterClrMapping/>
   </p:clrMapOvr>
+  <p:timing>
+    <p:tnLst>
+      <p:par>
+        <p:cTn id="1" dur="indefinite" restart="never" nodeType="tmRoot"/>
+      </p:par>
+    </p:tnLst>
+  </p:timing>
 </p:sld>
 </file>
 

--- a/files/ballway_resume.pptx
+++ b/files/ballway_resume.pptx
@@ -4336,23 +4336,7 @@
                   <a:srgbClr val="2E406F"/>
                 </a:solidFill>
               </a:rPr>
-              <a:t>- </a:t>
-            </a:r>
-            <a:r>
-              <a:rPr lang="en-US" altLang="zh-TW" sz="1200" dirty="0" smtClean="0">
-                <a:solidFill>
-                  <a:srgbClr val="2E406F"/>
-                </a:solidFill>
-              </a:rPr>
-              <a:t>High </a:t>
-            </a:r>
-            <a:r>
-              <a:rPr lang="en-US" altLang="zh-TW" sz="1200" dirty="0" smtClean="0">
-                <a:solidFill>
-                  <a:srgbClr val="2E406F"/>
-                </a:solidFill>
-              </a:rPr>
-              <a:t>Intermediate</a:t>
+              <a:t>- High Intermediate</a:t>
             </a:r>
             <a:endParaRPr lang="en-US" altLang="zh-TW" sz="1200" dirty="0">
               <a:solidFill>
@@ -4723,7 +4707,7 @@
         <p:spPr>
           <a:xfrm>
             <a:off x="1999428" y="1859028"/>
-            <a:ext cx="841897" cy="246221"/>
+            <a:ext cx="1066318" cy="246221"/>
           </a:xfrm>
           <a:prstGeom prst="rect">
             <a:avLst/>
@@ -4743,7 +4727,17 @@
                 <a:latin typeface="+mj-lt"/>
                 <a:ea typeface="Noto Serif CJK TC Medium" panose="02020500000000000000" pitchFamily="18" charset="-120"/>
               </a:rPr>
-              <a:t>0936607911</a:t>
+              <a:t>+886 </a:t>
+            </a:r>
+            <a:r>
+              <a:rPr lang="en-US" altLang="zh-TW" sz="1000" dirty="0" smtClean="0">
+                <a:solidFill>
+                  <a:schemeClr val="bg1"/>
+                </a:solidFill>
+                <a:latin typeface="+mj-lt"/>
+                <a:ea typeface="Noto Serif CJK TC Medium" panose="02020500000000000000" pitchFamily="18" charset="-120"/>
+              </a:rPr>
+              <a:t>936607911</a:t>
             </a:r>
             <a:endParaRPr lang="en-US" altLang="zh-TW" sz="1000" dirty="0">
               <a:solidFill>
@@ -4769,7 +4763,7 @@
         </p:nvSpPr>
         <p:spPr>
           <a:xfrm>
-            <a:off x="3396407" y="1858884"/>
+            <a:off x="3561253" y="1858884"/>
             <a:ext cx="1348446" cy="246221"/>
           </a:xfrm>
           <a:prstGeom prst="rect">
@@ -4824,7 +4818,7 @@
         </p:blipFill>
         <p:spPr>
           <a:xfrm>
-            <a:off x="3271236" y="1892575"/>
+            <a:off x="3436082" y="1892575"/>
             <a:ext cx="157764" cy="179977"/>
           </a:xfrm>
           <a:prstGeom prst="rect">

--- a/files/ballway_resume.pptx
+++ b/files/ballway_resume.pptx
@@ -3086,7 +3086,7 @@
         </p:nvSpPr>
         <p:spPr>
           <a:xfrm>
-            <a:off x="440436" y="4358060"/>
+            <a:off x="1499435" y="4343228"/>
             <a:ext cx="4445448" cy="992579"/>
           </a:xfrm>
           <a:prstGeom prst="rect">
@@ -4516,7 +4516,7 @@
         </p:blipFill>
         <p:spPr bwMode="auto">
           <a:xfrm>
-            <a:off x="5715708" y="4471941"/>
+            <a:off x="488564" y="4471941"/>
             <a:ext cx="733720" cy="733720"/>
           </a:xfrm>
           <a:prstGeom prst="rect">
@@ -4727,17 +4727,7 @@
                 <a:latin typeface="+mj-lt"/>
                 <a:ea typeface="Noto Serif CJK TC Medium" panose="02020500000000000000" pitchFamily="18" charset="-120"/>
               </a:rPr>
-              <a:t>+886 </a:t>
-            </a:r>
-            <a:r>
-              <a:rPr lang="en-US" altLang="zh-TW" sz="1000" dirty="0" smtClean="0">
-                <a:solidFill>
-                  <a:schemeClr val="bg1"/>
-                </a:solidFill>
-                <a:latin typeface="+mj-lt"/>
-                <a:ea typeface="Noto Serif CJK TC Medium" panose="02020500000000000000" pitchFamily="18" charset="-120"/>
-              </a:rPr>
-              <a:t>936607911</a:t>
+              <a:t>+886 936607911</a:t>
             </a:r>
             <a:endParaRPr lang="en-US" altLang="zh-TW" sz="1000" dirty="0">
               <a:solidFill>
@@ -5510,7 +5500,7 @@
         <p:spPr>
           <a:xfrm>
             <a:off x="509015" y="2945656"/>
-            <a:ext cx="5792584" cy="1056636"/>
+            <a:ext cx="5792584" cy="1107996"/>
           </a:xfrm>
           <a:prstGeom prst="rect">
             <a:avLst/>
@@ -5573,7 +5563,7 @@
               <a:t> 個參賽隊伍中排名第 </a:t>
             </a:r>
             <a:r>
-              <a:rPr lang="en-US" altLang="zh-TW" sz="1000" b="1" dirty="0">
+              <a:rPr lang="en-US" altLang="zh-TW" sz="1100" b="1" dirty="0">
                 <a:solidFill>
                   <a:schemeClr val="tx1">
                     <a:lumMod val="75000"/>
@@ -5586,6 +5576,17 @@
               </a:rPr>
               <a:t>3</a:t>
             </a:r>
+            <a:endParaRPr lang="en-US" altLang="zh-TW" sz="1050" b="1" dirty="0">
+              <a:solidFill>
+                <a:schemeClr val="tx1">
+                  <a:lumMod val="75000"/>
+                  <a:lumOff val="25000"/>
+                </a:schemeClr>
+              </a:solidFill>
+              <a:latin typeface="微軟正黑體" panose="020B0604030504040204" pitchFamily="34" charset="-120"/>
+              <a:ea typeface="微軟正黑體" panose="020B0604030504040204" pitchFamily="34" charset="-120"/>
+              <a:cs typeface="芫荽 0.94" pitchFamily="2" charset="-120"/>
+            </a:endParaRPr>
           </a:p>
           <a:p>
             <a:pPr>
@@ -5899,7 +5900,7 @@
         </p:nvSpPr>
         <p:spPr>
           <a:xfrm>
-            <a:off x="1040035" y="4531035"/>
+            <a:off x="1100195" y="4531035"/>
             <a:ext cx="2973186" cy="923330"/>
           </a:xfrm>
           <a:prstGeom prst="rect">
@@ -6088,7 +6089,7 @@
         </p:nvSpPr>
         <p:spPr>
           <a:xfrm>
-            <a:off x="1040035" y="5621017"/>
+            <a:off x="1100195" y="5621017"/>
             <a:ext cx="3529492" cy="923330"/>
           </a:xfrm>
           <a:prstGeom prst="rect">
@@ -6299,7 +6300,7 @@
         </p:nvSpPr>
         <p:spPr>
           <a:xfrm>
-            <a:off x="1040035" y="6726308"/>
+            <a:off x="1100195" y="6726308"/>
             <a:ext cx="3291286" cy="900246"/>
           </a:xfrm>
           <a:prstGeom prst="rect">
@@ -6507,7 +6508,7 @@
         </p:nvSpPr>
         <p:spPr>
           <a:xfrm>
-            <a:off x="1040035" y="7804329"/>
+            <a:off x="1100195" y="7804329"/>
             <a:ext cx="5245988" cy="888705"/>
           </a:xfrm>
           <a:prstGeom prst="rect">
@@ -6720,7 +6721,7 @@
         </p:nvSpPr>
         <p:spPr>
           <a:xfrm>
-            <a:off x="1040035" y="8891856"/>
+            <a:off x="1100195" y="8891856"/>
             <a:ext cx="5355312" cy="888705"/>
           </a:xfrm>
           <a:prstGeom prst="rect">
@@ -6933,15 +6934,22 @@
           </p:cNvPicPr>
           <p:nvPr/>
         </p:nvPicPr>
-        <p:blipFill rotWithShape="1">
-          <a:blip r:embed="rId2"/>
-          <a:srcRect r="2101" b="2101"/>
-          <a:stretch/>
+        <p:blipFill>
+          <a:blip r:embed="rId2" cstate="hqprint">
+            <a:extLst>
+              <a:ext uri="{28A0092B-C50C-407E-A947-70E740481C1C}">
+                <a14:useLocalDpi xmlns:a14="http://schemas.microsoft.com/office/drawing/2010/main" val="0"/>
+              </a:ext>
+            </a:extLst>
+          </a:blip>
+          <a:stretch>
+            <a:fillRect/>
+          </a:stretch>
         </p:blipFill>
         <p:spPr>
           <a:xfrm>
-            <a:off x="234061" y="8946755"/>
-            <a:ext cx="509080" cy="506807"/>
+            <a:off x="415677" y="8982851"/>
+            <a:ext cx="506807" cy="506807"/>
           </a:xfrm>
           <a:prstGeom prst="rect">
             <a:avLst/>
@@ -6962,15 +6970,22 @@
           </p:cNvPicPr>
           <p:nvPr/>
         </p:nvPicPr>
-        <p:blipFill rotWithShape="1">
-          <a:blip r:embed="rId2"/>
-          <a:srcRect r="2101" b="2101"/>
-          <a:stretch/>
+        <p:blipFill>
+          <a:blip r:embed="rId2" cstate="hqprint">
+            <a:extLst>
+              <a:ext uri="{28A0092B-C50C-407E-A947-70E740481C1C}">
+                <a14:useLocalDpi xmlns:a14="http://schemas.microsoft.com/office/drawing/2010/main" val="0"/>
+              </a:ext>
+            </a:extLst>
+          </a:blip>
+          <a:stretch>
+            <a:fillRect/>
+          </a:stretch>
         </p:blipFill>
         <p:spPr>
           <a:xfrm>
-            <a:off x="254475" y="7879714"/>
-            <a:ext cx="509080" cy="506807"/>
+            <a:off x="436091" y="7891746"/>
+            <a:ext cx="506807" cy="506807"/>
           </a:xfrm>
           <a:prstGeom prst="rect">
             <a:avLst/>
@@ -7004,7 +7019,7 @@
         </p:blipFill>
         <p:spPr>
           <a:xfrm>
-            <a:off x="281685" y="6812673"/>
+            <a:off x="462165" y="6812673"/>
             <a:ext cx="509080" cy="506807"/>
           </a:xfrm>
           <a:prstGeom prst="rect">
@@ -7039,7 +7054,7 @@
         </p:blipFill>
         <p:spPr>
           <a:xfrm>
-            <a:off x="281685" y="5702325"/>
+            <a:off x="462165" y="5714357"/>
             <a:ext cx="509080" cy="506807"/>
           </a:xfrm>
           <a:prstGeom prst="rect">
@@ -7074,7 +7089,7 @@
         </p:blipFill>
         <p:spPr>
           <a:xfrm>
-            <a:off x="281685" y="4613936"/>
+            <a:off x="462165" y="4662064"/>
             <a:ext cx="509080" cy="506807"/>
           </a:xfrm>
           <a:prstGeom prst="rect">
@@ -7144,7 +7159,7 @@
         <p:spPr>
           <a:xfrm>
             <a:off x="509015" y="1147824"/>
-            <a:ext cx="5792584" cy="1084912"/>
+            <a:ext cx="5792584" cy="1107996"/>
           </a:xfrm>
           <a:prstGeom prst="rect">
             <a:avLst/>
@@ -7207,7 +7222,7 @@
               <a:t> 個參賽隊伍中排名第 </a:t>
             </a:r>
             <a:r>
-              <a:rPr lang="en-US" altLang="zh-TW" sz="1000" b="1" dirty="0">
+              <a:rPr lang="en-US" altLang="zh-TW" sz="1100" b="1" dirty="0">
                 <a:solidFill>
                   <a:schemeClr val="tx1">
                     <a:lumMod val="75000"/>
@@ -7220,6 +7235,17 @@
               </a:rPr>
               <a:t>3</a:t>
             </a:r>
+            <a:endParaRPr lang="en-US" altLang="zh-TW" sz="1050" b="1" dirty="0">
+              <a:solidFill>
+                <a:schemeClr val="tx1">
+                  <a:lumMod val="75000"/>
+                  <a:lumOff val="25000"/>
+                </a:schemeClr>
+              </a:solidFill>
+              <a:latin typeface="微軟正黑體" panose="020B0604030504040204" pitchFamily="34" charset="-120"/>
+              <a:ea typeface="微軟正黑體" panose="020B0604030504040204" pitchFamily="34" charset="-120"/>
+              <a:cs typeface="芫荽 0.94" pitchFamily="2" charset="-120"/>
+            </a:endParaRPr>
           </a:p>
           <a:p>
             <a:pPr>

--- a/files/ballway_resume.pptx
+++ b/files/ballway_resume.pptx
@@ -3206,7 +3206,7 @@
               <a:t> </a:t>
             </a:r>
             <a:r>
-              <a:rPr lang="en-US" altLang="zh-TW" sz="1050" b="1" dirty="0" smtClean="0">
+              <a:rPr lang="en-US" altLang="zh-TW" sz="1050" b="1" dirty="0">
                 <a:latin typeface="微軟正黑體" panose="020B0604030504040204" pitchFamily="34" charset="-120"/>
                 <a:ea typeface="微軟正黑體" panose="020B0604030504040204" pitchFamily="34" charset="-120"/>
                 <a:cs typeface="芫荽 0.94" pitchFamily="2" charset="-120"/>
@@ -3214,7 +3214,7 @@
               <a:t>2022</a:t>
             </a:r>
             <a:r>
-              <a:rPr lang="zh-TW" altLang="en-US" sz="1050" b="1" dirty="0" smtClean="0">
+              <a:rPr lang="zh-TW" altLang="en-US" sz="1050" b="1" dirty="0">
                 <a:latin typeface="微軟正黑體" panose="020B0604030504040204" pitchFamily="34" charset="-120"/>
                 <a:ea typeface="微軟正黑體" panose="020B0604030504040204" pitchFamily="34" charset="-120"/>
                 <a:cs typeface="芫荽 0.94" pitchFamily="2" charset="-120"/>
@@ -3677,7 +3677,7 @@
           <a:lstStyle/>
           <a:p>
             <a:r>
-              <a:rPr lang="zh-TW" altLang="en-US" sz="1600" b="1" dirty="0" smtClean="0">
+              <a:rPr lang="zh-TW" altLang="en-US" sz="1600" b="1" dirty="0">
                 <a:solidFill>
                   <a:srgbClr val="2E406F"/>
                 </a:solidFill>
@@ -3927,7 +3927,7 @@
           <a:lstStyle/>
           <a:p>
             <a:r>
-              <a:rPr lang="zh-TW" altLang="en-US" sz="1600" b="1" dirty="0" smtClean="0">
+              <a:rPr lang="zh-TW" altLang="en-US" sz="1600" b="1" dirty="0">
                 <a:solidFill>
                   <a:srgbClr val="2E406F"/>
                 </a:solidFill>
@@ -4174,7 +4174,7 @@
               <a:buChar char="•"/>
             </a:pPr>
             <a:r>
-              <a:rPr lang="en-US" altLang="zh-TW" sz="1200" dirty="0" smtClean="0">
+              <a:rPr lang="en-US" altLang="zh-TW" sz="1200" dirty="0">
                 <a:solidFill>
                   <a:srgbClr val="2E406F"/>
                 </a:solidFill>
@@ -4328,21 +4328,8 @@
                   <a:srgbClr val="2E406F"/>
                 </a:solidFill>
               </a:rPr>
-              <a:t>English </a:t>
-            </a:r>
-            <a:r>
-              <a:rPr lang="en-US" altLang="zh-TW" sz="1200" dirty="0" smtClean="0">
-                <a:solidFill>
-                  <a:srgbClr val="2E406F"/>
-                </a:solidFill>
-              </a:rPr>
-              <a:t>- High Intermediate</a:t>
-            </a:r>
-            <a:endParaRPr lang="en-US" altLang="zh-TW" sz="1200" dirty="0">
-              <a:solidFill>
-                <a:srgbClr val="2E406F"/>
-              </a:solidFill>
-            </a:endParaRPr>
+              <a:t>English - High Intermediate</a:t>
+            </a:r>
           </a:p>
           <a:p>
             <a:pPr marL="171450" indent="-171450">
@@ -4720,7 +4707,7 @@
           <a:lstStyle/>
           <a:p>
             <a:r>
-              <a:rPr lang="en-US" altLang="zh-TW" sz="1000" dirty="0" smtClean="0">
+              <a:rPr lang="en-US" altLang="zh-TW" sz="1000" dirty="0">
                 <a:solidFill>
                   <a:schemeClr val="bg1"/>
                 </a:solidFill>
@@ -4729,13 +4716,6 @@
               </a:rPr>
               <a:t>+886 936607911</a:t>
             </a:r>
-            <a:endParaRPr lang="en-US" altLang="zh-TW" sz="1000" dirty="0">
-              <a:solidFill>
-                <a:schemeClr val="bg1"/>
-              </a:solidFill>
-              <a:latin typeface="+mj-lt"/>
-              <a:ea typeface="Noto Serif CJK TC Medium" panose="02020500000000000000" pitchFamily="18" charset="-120"/>
-            </a:endParaRPr>
           </a:p>
         </p:txBody>
       </p:sp>
@@ -4968,7 +4948,7 @@
           <a:p>
             <a:pPr algn="ctr"/>
             <a:r>
-              <a:rPr lang="en-US" altLang="zh-TW" sz="1000" dirty="0" smtClean="0">
+              <a:rPr lang="en-US" altLang="zh-TW" sz="1000" dirty="0">
                 <a:solidFill>
                   <a:schemeClr val="bg1"/>
                 </a:solidFill>
@@ -4977,13 +4957,6 @@
               </a:rPr>
               <a:t>Taipei, Taiwan</a:t>
             </a:r>
-            <a:endParaRPr lang="en-US" altLang="zh-TW" sz="1000" dirty="0">
-              <a:solidFill>
-                <a:schemeClr val="bg1"/>
-              </a:solidFill>
-              <a:latin typeface="+mj-lt"/>
-              <a:ea typeface="Noto Serif CJK TC Medium" panose="02020500000000000000" pitchFamily="18" charset="-120"/>
-            </a:endParaRPr>
           </a:p>
         </p:txBody>
       </p:sp>
@@ -5090,7 +5063,7 @@
           <a:lstStyle/>
           <a:p>
             <a:r>
-              <a:rPr lang="en-US" altLang="zh-TW" sz="1050" dirty="0" smtClean="0">
+              <a:rPr lang="en-US" altLang="zh-TW" sz="1050" dirty="0">
                 <a:solidFill>
                   <a:schemeClr val="bg1"/>
                 </a:solidFill>
@@ -5099,13 +5072,6 @@
               </a:rPr>
               <a:t>https://ballway.github.io</a:t>
             </a:r>
-            <a:endParaRPr lang="en-US" altLang="zh-TW" sz="1050" dirty="0">
-              <a:solidFill>
-                <a:schemeClr val="bg1"/>
-              </a:solidFill>
-              <a:latin typeface="+mj-lt"/>
-              <a:ea typeface="Noto Serif CJK TC Medium" panose="02020500000000000000" pitchFamily="18" charset="-120"/>
-            </a:endParaRPr>
           </a:p>
         </p:txBody>
       </p:sp>
@@ -5142,18 +5108,13 @@
               <a:buChar char="•"/>
             </a:pPr>
             <a:r>
-              <a:rPr lang="en-US" altLang="zh-TW" sz="1200" dirty="0" smtClean="0">
+              <a:rPr lang="en-US" altLang="zh-TW" sz="1200" dirty="0">
                 <a:solidFill>
                   <a:srgbClr val="2E406F"/>
                 </a:solidFill>
               </a:rPr>
               <a:t>C#</a:t>
             </a:r>
-            <a:endParaRPr lang="en-US" altLang="zh-TW" sz="1200" dirty="0">
-              <a:solidFill>
-                <a:srgbClr val="2E406F"/>
-              </a:solidFill>
-            </a:endParaRPr>
           </a:p>
           <a:p>
             <a:pPr marL="171450" indent="-171450">
@@ -5161,7 +5122,7 @@
               <a:buChar char="•"/>
             </a:pPr>
             <a:r>
-              <a:rPr lang="en-US" altLang="zh-TW" sz="1200" dirty="0" smtClean="0">
+              <a:rPr lang="en-US" altLang="zh-TW" sz="1200" dirty="0">
                 <a:solidFill>
                   <a:srgbClr val="2E406F"/>
                 </a:solidFill>
@@ -5175,7 +5136,7 @@
               <a:buChar char="•"/>
             </a:pPr>
             <a:r>
-              <a:rPr lang="en-US" altLang="zh-TW" sz="1200" dirty="0" smtClean="0">
+              <a:rPr lang="en-US" altLang="zh-TW" sz="1200" dirty="0">
                 <a:solidFill>
                   <a:srgbClr val="2E406F"/>
                 </a:solidFill>
@@ -5257,7 +5218,7 @@
           <a:lstStyle/>
           <a:p>
             <a:r>
-              <a:rPr lang="en-US" altLang="zh-TW" sz="1400" b="1" dirty="0" smtClean="0">
+              <a:rPr lang="en-US" altLang="zh-TW" sz="1400" b="1" dirty="0">
                 <a:solidFill>
                   <a:srgbClr val="2E406F"/>
                 </a:solidFill>
@@ -5305,18 +5266,13 @@
               <a:buChar char="•"/>
             </a:pPr>
             <a:r>
-              <a:rPr lang="en-US" altLang="zh-TW" sz="1200" dirty="0" smtClean="0">
+              <a:rPr lang="en-US" altLang="zh-TW" sz="1200" dirty="0">
                 <a:solidFill>
                   <a:srgbClr val="2E406F"/>
                 </a:solidFill>
               </a:rPr>
               <a:t>HTML / CSS</a:t>
             </a:r>
-            <a:endParaRPr lang="en-US" altLang="zh-TW" sz="1200" dirty="0">
-              <a:solidFill>
-                <a:srgbClr val="2E406F"/>
-              </a:solidFill>
-            </a:endParaRPr>
           </a:p>
           <a:p>
             <a:pPr marL="171450" indent="-171450">
@@ -5331,11 +5287,6 @@
               </a:rPr>
               <a:t>JavaScript</a:t>
             </a:r>
-            <a:endParaRPr lang="en-US" altLang="zh-TW" sz="1200" dirty="0" smtClean="0">
-              <a:solidFill>
-                <a:srgbClr val="2E406F"/>
-              </a:solidFill>
-            </a:endParaRPr>
           </a:p>
           <a:p>
             <a:pPr marL="171450" indent="-171450">
@@ -5343,7 +5294,7 @@
               <a:buChar char="•"/>
             </a:pPr>
             <a:r>
-              <a:rPr lang="en-US" altLang="zh-TW" sz="1200" dirty="0" smtClean="0">
+              <a:rPr lang="en-US" altLang="zh-TW" sz="1200" dirty="0">
                 <a:solidFill>
                   <a:srgbClr val="2E406F"/>
                 </a:solidFill>
@@ -5381,7 +5332,7 @@
           <a:lstStyle/>
           <a:p>
             <a:r>
-              <a:rPr lang="en-US" altLang="zh-TW" sz="1400" dirty="0" smtClean="0">
+              <a:rPr lang="en-US" altLang="zh-TW" sz="1400" dirty="0">
                 <a:latin typeface="Times New Roman" panose="02020603050405020304" pitchFamily="18" charset="0"/>
                 <a:cs typeface="Times New Roman" panose="02020603050405020304" pitchFamily="18" charset="0"/>
               </a:rPr>
@@ -5404,13 +5355,6 @@
   <p:clrMapOvr>
     <a:masterClrMapping/>
   </p:clrMapOvr>
-  <p:timing>
-    <p:tnLst>
-      <p:par>
-        <p:cTn id="1" dur="indefinite" restart="never" nodeType="tmRoot"/>
-      </p:par>
-    </p:tnLst>
-  </p:timing>
 </p:sld>
 </file>
 
@@ -6031,7 +5975,7 @@
               <a:t>發照日期 </a:t>
             </a:r>
             <a:r>
-              <a:rPr lang="en-US" altLang="zh-TW" sz="1050" b="1" dirty="0" smtClean="0">
+              <a:rPr lang="en-US" altLang="zh-TW" sz="1050" b="1" dirty="0">
                 <a:solidFill>
                   <a:schemeClr val="tx1">
                     <a:lumMod val="75000"/>
@@ -6045,7 +5989,7 @@
               <a:t>2019 / 09</a:t>
             </a:r>
             <a:r>
-              <a:rPr lang="zh-TW" altLang="en-US" sz="1050" b="1" dirty="0" smtClean="0">
+              <a:rPr lang="zh-TW" altLang="en-US" sz="1050" b="1" dirty="0">
                 <a:solidFill>
                   <a:schemeClr val="tx1">
                     <a:lumMod val="75000"/>
@@ -6056,21 +6000,7 @@
                 <a:ea typeface="微軟正黑體" panose="020B0604030504040204" pitchFamily="34" charset="-120"/>
                 <a:cs typeface="芫荽 0.94" pitchFamily="2" charset="-120"/>
               </a:rPr>
-              <a:t>．</a:t>
-            </a:r>
-            <a:r>
-              <a:rPr lang="zh-TW" altLang="en-US" sz="1050" b="1" dirty="0">
-                <a:solidFill>
-                  <a:schemeClr val="tx1">
-                    <a:lumMod val="75000"/>
-                    <a:lumOff val="25000"/>
-                  </a:schemeClr>
-                </a:solidFill>
-                <a:latin typeface="微軟正黑體" panose="020B0604030504040204" pitchFamily="34" charset="-120"/>
-                <a:ea typeface="微軟正黑體" panose="020B0604030504040204" pitchFamily="34" charset="-120"/>
-                <a:cs typeface="芫荽 0.94" pitchFamily="2" charset="-120"/>
-              </a:rPr>
-              <a:t>永久有效</a:t>
+              <a:t>．永久有效</a:t>
             </a:r>
           </a:p>
         </p:txBody>
@@ -6203,18 +6133,10 @@
                 <a:ea typeface="微軟正黑體" panose="020B0604030504040204" pitchFamily="34" charset="-120"/>
                 <a:cs typeface="芫荽 0.94" pitchFamily="2" charset="-120"/>
               </a:rPr>
-              <a:t>     </a:t>
-            </a:r>
-            <a:r>
-              <a:rPr lang="zh-TW" altLang="en-US" sz="1000" b="1" dirty="0" smtClean="0">
-                <a:latin typeface="微軟正黑體" panose="020B0604030504040204" pitchFamily="34" charset="-120"/>
-                <a:ea typeface="微軟正黑體" panose="020B0604030504040204" pitchFamily="34" charset="-120"/>
-                <a:cs typeface="芫荽 0.94" pitchFamily="2" charset="-120"/>
-              </a:rPr>
-              <a:t>  </a:t>
-            </a:r>
-            <a:r>
-              <a:rPr lang="zh-TW" altLang="en-US" sz="1050" b="1" dirty="0" smtClean="0">
+              <a:t>       </a:t>
+            </a:r>
+            <a:r>
+              <a:rPr lang="zh-TW" altLang="en-US" sz="1050" b="1" dirty="0">
                 <a:solidFill>
                   <a:schemeClr val="tx1">
                     <a:lumMod val="75000"/>
@@ -6225,10 +6147,10 @@
                 <a:ea typeface="微軟正黑體" panose="020B0604030504040204" pitchFamily="34" charset="-120"/>
                 <a:cs typeface="芫荽 0.94" pitchFamily="2" charset="-120"/>
               </a:rPr>
-              <a:t>發</a:t>
-            </a:r>
-            <a:r>
-              <a:rPr lang="zh-TW" altLang="en-US" sz="1050" b="1" dirty="0">
+              <a:t>發照日期 </a:t>
+            </a:r>
+            <a:r>
+              <a:rPr lang="en-US" altLang="zh-TW" sz="1050" b="1" dirty="0">
                 <a:solidFill>
                   <a:schemeClr val="tx1">
                     <a:lumMod val="75000"/>
@@ -6239,10 +6161,10 @@
                 <a:ea typeface="微軟正黑體" panose="020B0604030504040204" pitchFamily="34" charset="-120"/>
                 <a:cs typeface="芫荽 0.94" pitchFamily="2" charset="-120"/>
               </a:rPr>
-              <a:t>照日期 </a:t>
-            </a:r>
-            <a:r>
-              <a:rPr lang="en-US" altLang="zh-TW" sz="1050" b="1" dirty="0" smtClean="0">
+              <a:t>2019 / 12</a:t>
+            </a:r>
+            <a:r>
+              <a:rPr lang="zh-TW" altLang="en-US" sz="1050" b="1" dirty="0">
                 <a:solidFill>
                   <a:schemeClr val="tx1">
                     <a:lumMod val="75000"/>
@@ -6253,35 +6175,7 @@
                 <a:ea typeface="微軟正黑體" panose="020B0604030504040204" pitchFamily="34" charset="-120"/>
                 <a:cs typeface="芫荽 0.94" pitchFamily="2" charset="-120"/>
               </a:rPr>
-              <a:t>2019 / 12</a:t>
-            </a:r>
-            <a:r>
-              <a:rPr lang="zh-TW" altLang="en-US" sz="1050" b="1" dirty="0" smtClean="0">
-                <a:solidFill>
-                  <a:schemeClr val="tx1">
-                    <a:lumMod val="75000"/>
-                    <a:lumOff val="25000"/>
-                  </a:schemeClr>
-                </a:solidFill>
-                <a:latin typeface="微軟正黑體" panose="020B0604030504040204" pitchFamily="34" charset="-120"/>
-                <a:ea typeface="微軟正黑體" panose="020B0604030504040204" pitchFamily="34" charset="-120"/>
-                <a:cs typeface="芫荽 0.94" pitchFamily="2" charset="-120"/>
-              </a:rPr>
-              <a:t>．</a:t>
-            </a:r>
-            <a:r>
-              <a:rPr lang="zh-TW" altLang="en-US" sz="1050" b="1" dirty="0">
-                <a:solidFill>
-                  <a:schemeClr val="tx1">
-                    <a:lumMod val="75000"/>
-                    <a:lumOff val="25000"/>
-                  </a:schemeClr>
-                </a:solidFill>
-                <a:latin typeface="微軟正黑體" panose="020B0604030504040204" pitchFamily="34" charset="-120"/>
-                <a:ea typeface="微軟正黑體" panose="020B0604030504040204" pitchFamily="34" charset="-120"/>
-                <a:cs typeface="芫荽 0.94" pitchFamily="2" charset="-120"/>
-              </a:rPr>
-              <a:t>永久有效</a:t>
+              <a:t>．永久有效</a:t>
             </a:r>
           </a:p>
         </p:txBody>
@@ -6450,7 +6344,7 @@
               <a:t>發照日期 </a:t>
             </a:r>
             <a:r>
-              <a:rPr lang="en-US" altLang="zh-TW" sz="1050" b="1" dirty="0" smtClean="0">
+              <a:rPr lang="en-US" altLang="zh-TW" sz="1050" b="1" dirty="0">
                 <a:solidFill>
                   <a:schemeClr val="tx1">
                     <a:lumMod val="75000"/>
@@ -6464,7 +6358,7 @@
               <a:t>2021 / 01</a:t>
             </a:r>
             <a:r>
-              <a:rPr lang="zh-TW" altLang="en-US" sz="1050" b="1" dirty="0" smtClean="0">
+              <a:rPr lang="zh-TW" altLang="en-US" sz="1050" b="1" dirty="0">
                 <a:solidFill>
                   <a:schemeClr val="tx1">
                     <a:lumMod val="75000"/>
@@ -6475,21 +6369,7 @@
                 <a:ea typeface="微軟正黑體" panose="020B0604030504040204" pitchFamily="34" charset="-120"/>
                 <a:cs typeface="芫荽 0.94" pitchFamily="2" charset="-120"/>
               </a:rPr>
-              <a:t>．</a:t>
-            </a:r>
-            <a:r>
-              <a:rPr lang="zh-TW" altLang="en-US" sz="1050" b="1" dirty="0">
-                <a:solidFill>
-                  <a:schemeClr val="tx1">
-                    <a:lumMod val="75000"/>
-                    <a:lumOff val="25000"/>
-                  </a:schemeClr>
-                </a:solidFill>
-                <a:latin typeface="微軟正黑體" panose="020B0604030504040204" pitchFamily="34" charset="-120"/>
-                <a:ea typeface="微軟正黑體" panose="020B0604030504040204" pitchFamily="34" charset="-120"/>
-                <a:cs typeface="芫荽 0.94" pitchFamily="2" charset="-120"/>
-              </a:rPr>
-              <a:t>永久有效</a:t>
+              <a:t>．永久有效</a:t>
             </a:r>
           </a:p>
         </p:txBody>
@@ -6528,36 +6408,12 @@
               </a:lnSpc>
             </a:pPr>
             <a:r>
-              <a:rPr lang="en-US" altLang="zh-TW" sz="1200" b="1" dirty="0" smtClean="0">
-                <a:latin typeface="微軟正黑體" panose="020B0604030504040204" pitchFamily="34" charset="-120"/>
-                <a:ea typeface="微軟正黑體" panose="020B0604030504040204" pitchFamily="34" charset="-120"/>
-                <a:cs typeface="芫荽 0.94" pitchFamily="2" charset="-120"/>
-              </a:rPr>
-              <a:t>iPAS </a:t>
-            </a:r>
-            <a:r>
               <a:rPr lang="en-US" altLang="zh-TW" sz="1200" b="1" dirty="0">
                 <a:latin typeface="微軟正黑體" panose="020B0604030504040204" pitchFamily="34" charset="-120"/>
                 <a:ea typeface="微軟正黑體" panose="020B0604030504040204" pitchFamily="34" charset="-120"/>
                 <a:cs typeface="芫荽 0.94" pitchFamily="2" charset="-120"/>
               </a:rPr>
-              <a:t>Information Security Engineer – Associate </a:t>
-            </a:r>
-            <a:r>
-              <a:rPr lang="en-US" altLang="zh-TW" sz="1200" b="1" dirty="0" smtClean="0">
-                <a:latin typeface="微軟正黑體" panose="020B0604030504040204" pitchFamily="34" charset="-120"/>
-                <a:ea typeface="微軟正黑體" panose="020B0604030504040204" pitchFamily="34" charset="-120"/>
-                <a:cs typeface="芫荽 0.94" pitchFamily="2" charset="-120"/>
-              </a:rPr>
-              <a:t>Level</a:t>
-            </a:r>
-            <a:r>
-              <a:rPr lang="zh-TW" altLang="en-US" sz="1200" b="1" dirty="0" smtClean="0">
-                <a:latin typeface="微軟正黑體" panose="020B0604030504040204" pitchFamily="34" charset="-120"/>
-                <a:ea typeface="微軟正黑體" panose="020B0604030504040204" pitchFamily="34" charset="-120"/>
-                <a:cs typeface="芫荽 0.94" pitchFamily="2" charset="-120"/>
-              </a:rPr>
-              <a:t>  初級</a:t>
+              <a:t>iPAS Information Security Engineer – Associate Level</a:t>
             </a:r>
             <a:r>
               <a:rPr lang="zh-TW" altLang="en-US" sz="1200" b="1" dirty="0">
@@ -6565,7 +6421,7 @@
                 <a:ea typeface="微軟正黑體" panose="020B0604030504040204" pitchFamily="34" charset="-120"/>
                 <a:cs typeface="芫荽 0.94" pitchFamily="2" charset="-120"/>
               </a:rPr>
-              <a:t>資安工程師 </a:t>
+              <a:t>  初級資安工程師 </a:t>
             </a:r>
             <a:endParaRPr lang="en-US" altLang="zh-TW" sz="1200" b="1" dirty="0">
               <a:latin typeface="微軟正黑體" panose="020B0604030504040204" pitchFamily="34" charset="-120"/>
@@ -6663,7 +6519,7 @@
               <a:t>發照日期 </a:t>
             </a:r>
             <a:r>
-              <a:rPr lang="en-US" altLang="zh-TW" sz="1050" b="1" dirty="0" smtClean="0">
+              <a:rPr lang="en-US" altLang="zh-TW" sz="1050" b="1" dirty="0">
                 <a:solidFill>
                   <a:schemeClr val="tx1">
                     <a:lumMod val="75000"/>
@@ -6677,7 +6533,7 @@
               <a:t>2020 / 08</a:t>
             </a:r>
             <a:r>
-              <a:rPr lang="zh-TW" altLang="en-US" sz="1050" b="1" dirty="0" smtClean="0">
+              <a:rPr lang="zh-TW" altLang="en-US" sz="1050" b="1" dirty="0">
                 <a:solidFill>
                   <a:schemeClr val="tx1">
                     <a:lumMod val="75000"/>
@@ -6688,21 +6544,7 @@
                 <a:ea typeface="微軟正黑體" panose="020B0604030504040204" pitchFamily="34" charset="-120"/>
                 <a:cs typeface="芫荽 0.94" pitchFamily="2" charset="-120"/>
               </a:rPr>
-              <a:t>．</a:t>
-            </a:r>
-            <a:r>
-              <a:rPr lang="zh-TW" altLang="en-US" sz="1050" b="1" dirty="0">
-                <a:solidFill>
-                  <a:schemeClr val="tx1">
-                    <a:lumMod val="75000"/>
-                    <a:lumOff val="25000"/>
-                  </a:schemeClr>
-                </a:solidFill>
-                <a:latin typeface="微軟正黑體" panose="020B0604030504040204" pitchFamily="34" charset="-120"/>
-                <a:ea typeface="微軟正黑體" panose="020B0604030504040204" pitchFamily="34" charset="-120"/>
-                <a:cs typeface="芫荽 0.94" pitchFamily="2" charset="-120"/>
-              </a:rPr>
-              <a:t>永久有效</a:t>
+              <a:t>．永久有效</a:t>
             </a:r>
           </a:p>
         </p:txBody>
@@ -6741,36 +6583,12 @@
               </a:lnSpc>
             </a:pPr>
             <a:r>
-              <a:rPr lang="en-US" altLang="zh-TW" sz="1200" b="1" dirty="0" smtClean="0">
-                <a:latin typeface="微軟正黑體" panose="020B0604030504040204" pitchFamily="34" charset="-120"/>
-                <a:ea typeface="微軟正黑體" panose="020B0604030504040204" pitchFamily="34" charset="-120"/>
-                <a:cs typeface="芫荽 0.94" pitchFamily="2" charset="-120"/>
-              </a:rPr>
-              <a:t>iPAS </a:t>
-            </a:r>
-            <a:r>
               <a:rPr lang="en-US" altLang="zh-TW" sz="1200" b="1" dirty="0">
                 <a:latin typeface="微軟正黑體" panose="020B0604030504040204" pitchFamily="34" charset="-120"/>
                 <a:ea typeface="微軟正黑體" panose="020B0604030504040204" pitchFamily="34" charset="-120"/>
                 <a:cs typeface="芫荽 0.94" pitchFamily="2" charset="-120"/>
               </a:rPr>
-              <a:t>Mobile Application Planner – Associate </a:t>
-            </a:r>
-            <a:r>
-              <a:rPr lang="en-US" altLang="zh-TW" sz="1200" b="1" dirty="0" smtClean="0">
-                <a:latin typeface="微軟正黑體" panose="020B0604030504040204" pitchFamily="34" charset="-120"/>
-                <a:ea typeface="微軟正黑體" panose="020B0604030504040204" pitchFamily="34" charset="-120"/>
-                <a:cs typeface="芫荽 0.94" pitchFamily="2" charset="-120"/>
-              </a:rPr>
-              <a:t>Level</a:t>
-            </a:r>
-            <a:r>
-              <a:rPr lang="zh-TW" altLang="en-US" sz="1200" b="1" dirty="0" smtClean="0">
-                <a:latin typeface="微軟正黑體" panose="020B0604030504040204" pitchFamily="34" charset="-120"/>
-                <a:ea typeface="微軟正黑體" panose="020B0604030504040204" pitchFamily="34" charset="-120"/>
-                <a:cs typeface="芫荽 0.94" pitchFamily="2" charset="-120"/>
-              </a:rPr>
-              <a:t>  初級</a:t>
+              <a:t>iPAS Mobile Application Planner – Associate Level</a:t>
             </a:r>
             <a:r>
               <a:rPr lang="zh-TW" altLang="en-US" sz="1200" b="1" dirty="0">
@@ -6778,7 +6596,7 @@
                 <a:ea typeface="微軟正黑體" panose="020B0604030504040204" pitchFamily="34" charset="-120"/>
                 <a:cs typeface="芫荽 0.94" pitchFamily="2" charset="-120"/>
               </a:rPr>
-              <a:t>行動應用企劃師 </a:t>
+              <a:t>  初級行動應用企劃師 </a:t>
             </a:r>
             <a:endParaRPr lang="en-US" altLang="zh-TW" sz="1200" b="1" dirty="0">
               <a:latin typeface="微軟正黑體" panose="020B0604030504040204" pitchFamily="34" charset="-120"/>
@@ -6876,7 +6694,7 @@
               <a:t>發照日期 </a:t>
             </a:r>
             <a:r>
-              <a:rPr lang="en-US" altLang="zh-TW" sz="1050" b="1" dirty="0" smtClean="0">
+              <a:rPr lang="en-US" altLang="zh-TW" sz="1050" b="1" dirty="0">
                 <a:solidFill>
                   <a:schemeClr val="tx1">
                     <a:lumMod val="75000"/>
@@ -6890,7 +6708,7 @@
               <a:t>2019 / 08</a:t>
             </a:r>
             <a:r>
-              <a:rPr lang="zh-TW" altLang="en-US" sz="1050" b="1" dirty="0" smtClean="0">
+              <a:rPr lang="zh-TW" altLang="en-US" sz="1050" b="1" dirty="0">
                 <a:solidFill>
                   <a:schemeClr val="tx1">
                     <a:lumMod val="75000"/>
@@ -6901,21 +6719,7 @@
                 <a:ea typeface="微軟正黑體" panose="020B0604030504040204" pitchFamily="34" charset="-120"/>
                 <a:cs typeface="芫荽 0.94" pitchFamily="2" charset="-120"/>
               </a:rPr>
-              <a:t>．</a:t>
-            </a:r>
-            <a:r>
-              <a:rPr lang="zh-TW" altLang="en-US" sz="1050" b="1" dirty="0">
-                <a:solidFill>
-                  <a:schemeClr val="tx1">
-                    <a:lumMod val="75000"/>
-                    <a:lumOff val="25000"/>
-                  </a:schemeClr>
-                </a:solidFill>
-                <a:latin typeface="微軟正黑體" panose="020B0604030504040204" pitchFamily="34" charset="-120"/>
-                <a:ea typeface="微軟正黑體" panose="020B0604030504040204" pitchFamily="34" charset="-120"/>
-                <a:cs typeface="芫荽 0.94" pitchFamily="2" charset="-120"/>
-              </a:rPr>
-              <a:t>永久有效</a:t>
+              <a:t>．永久有效</a:t>
             </a:r>
           </a:p>
         </p:txBody>
@@ -6923,6 +6727,7 @@
       <p:pic>
         <p:nvPicPr>
           <p:cNvPr id="47" name="圖片 46">
+            <a:hlinkClick r:id="rId2"/>
             <a:extLst>
               <a:ext uri="{FF2B5EF4-FFF2-40B4-BE49-F238E27FC236}">
                 <a16:creationId xmlns:a16="http://schemas.microsoft.com/office/drawing/2014/main" id="{7A6C98F9-884D-6A64-2D66-975FC04CAC30}"/>
@@ -6935,7 +6740,7 @@
           <p:nvPr/>
         </p:nvPicPr>
         <p:blipFill>
-          <a:blip r:embed="rId2" cstate="hqprint">
+          <a:blip r:embed="rId3" cstate="hqprint">
             <a:extLst>
               <a:ext uri="{28A0092B-C50C-407E-A947-70E740481C1C}">
                 <a14:useLocalDpi xmlns:a14="http://schemas.microsoft.com/office/drawing/2010/main" val="0"/>
@@ -6971,7 +6776,7 @@
           <p:nvPr/>
         </p:nvPicPr>
         <p:blipFill>
-          <a:blip r:embed="rId2" cstate="hqprint">
+          <a:blip r:embed="rId3" cstate="hqprint">
             <a:extLst>
               <a:ext uri="{28A0092B-C50C-407E-A947-70E740481C1C}">
                 <a14:useLocalDpi xmlns:a14="http://schemas.microsoft.com/office/drawing/2010/main" val="0"/>
@@ -6998,41 +6803,6 @@
             <a:extLst>
               <a:ext uri="{FF2B5EF4-FFF2-40B4-BE49-F238E27FC236}">
                 <a16:creationId xmlns:a16="http://schemas.microsoft.com/office/drawing/2014/main" id="{6FFA01EA-8998-75A3-EA5F-5609BE800A05}"/>
-              </a:ext>
-            </a:extLst>
-          </p:cNvPr>
-          <p:cNvPicPr>
-            <a:picLocks noChangeAspect="1"/>
-          </p:cNvPicPr>
-          <p:nvPr/>
-        </p:nvPicPr>
-        <p:blipFill rotWithShape="1">
-          <a:blip r:embed="rId3" cstate="hqprint">
-            <a:extLst>
-              <a:ext uri="{28A0092B-C50C-407E-A947-70E740481C1C}">
-                <a14:useLocalDpi xmlns:a14="http://schemas.microsoft.com/office/drawing/2010/main" val="0"/>
-              </a:ext>
-            </a:extLst>
-          </a:blip>
-          <a:srcRect t="435" b="435"/>
-          <a:stretch/>
-        </p:blipFill>
-        <p:spPr>
-          <a:xfrm>
-            <a:off x="462165" y="6812673"/>
-            <a:ext cx="509080" cy="506807"/>
-          </a:xfrm>
-          <a:prstGeom prst="rect">
-            <a:avLst/>
-          </a:prstGeom>
-        </p:spPr>
-      </p:pic>
-      <p:pic>
-        <p:nvPicPr>
-          <p:cNvPr id="50" name="圖片 49">
-            <a:extLst>
-              <a:ext uri="{FF2B5EF4-FFF2-40B4-BE49-F238E27FC236}">
-                <a16:creationId xmlns:a16="http://schemas.microsoft.com/office/drawing/2014/main" id="{43C03283-227C-622E-7EE5-3A036B028BEA}"/>
               </a:ext>
             </a:extLst>
           </p:cNvPr>
@@ -7054,7 +6824,7 @@
         </p:blipFill>
         <p:spPr>
           <a:xfrm>
-            <a:off x="462165" y="5714357"/>
+            <a:off x="462165" y="6812673"/>
             <a:ext cx="509080" cy="506807"/>
           </a:xfrm>
           <a:prstGeom prst="rect">
@@ -7064,10 +6834,10 @@
       </p:pic>
       <p:pic>
         <p:nvPicPr>
-          <p:cNvPr id="53" name="圖片 52">
+          <p:cNvPr id="50" name="圖片 49">
             <a:extLst>
               <a:ext uri="{FF2B5EF4-FFF2-40B4-BE49-F238E27FC236}">
-                <a16:creationId xmlns:a16="http://schemas.microsoft.com/office/drawing/2014/main" id="{44B8A63A-F503-1244-29C6-ED9F920BB9D1}"/>
+                <a16:creationId xmlns:a16="http://schemas.microsoft.com/office/drawing/2014/main" id="{43C03283-227C-622E-7EE5-3A036B028BEA}"/>
               </a:ext>
             </a:extLst>
           </p:cNvPr>
@@ -7084,6 +6854,42 @@
               </a:ext>
             </a:extLst>
           </a:blip>
+          <a:srcRect t="435" b="435"/>
+          <a:stretch/>
+        </p:blipFill>
+        <p:spPr>
+          <a:xfrm>
+            <a:off x="462165" y="5714357"/>
+            <a:ext cx="509080" cy="506807"/>
+          </a:xfrm>
+          <a:prstGeom prst="rect">
+            <a:avLst/>
+          </a:prstGeom>
+        </p:spPr>
+      </p:pic>
+      <p:pic>
+        <p:nvPicPr>
+          <p:cNvPr id="53" name="圖片 52">
+            <a:hlinkClick r:id="rId6"/>
+            <a:extLst>
+              <a:ext uri="{FF2B5EF4-FFF2-40B4-BE49-F238E27FC236}">
+                <a16:creationId xmlns:a16="http://schemas.microsoft.com/office/drawing/2014/main" id="{44B8A63A-F503-1244-29C6-ED9F920BB9D1}"/>
+              </a:ext>
+            </a:extLst>
+          </p:cNvPr>
+          <p:cNvPicPr>
+            <a:picLocks noChangeAspect="1"/>
+          </p:cNvPicPr>
+          <p:nvPr/>
+        </p:nvPicPr>
+        <p:blipFill rotWithShape="1">
+          <a:blip r:embed="rId7" cstate="hqprint">
+            <a:extLst>
+              <a:ext uri="{28A0092B-C50C-407E-A947-70E740481C1C}">
+                <a14:useLocalDpi xmlns:a14="http://schemas.microsoft.com/office/drawing/2010/main" val="0"/>
+              </a:ext>
+            </a:extLst>
+          </a:blip>
           <a:srcRect t="223" b="223"/>
           <a:stretch/>
         </p:blipFill>
@@ -7100,6 +6906,7 @@
       <p:pic>
         <p:nvPicPr>
           <p:cNvPr id="55" name="Picture 2">
+            <a:hlinkClick r:id="rId8"/>
             <a:extLst>
               <a:ext uri="{FF2B5EF4-FFF2-40B4-BE49-F238E27FC236}">
                 <a16:creationId xmlns:a16="http://schemas.microsoft.com/office/drawing/2014/main" id="{24108032-31E2-94A5-82D1-CE7520CE6745}"/>
@@ -7112,7 +6919,7 @@
           <p:nvPr/>
         </p:nvPicPr>
         <p:blipFill>
-          <a:blip r:embed="rId6" cstate="hqprint">
+          <a:blip r:embed="rId9" cstate="hqprint">
             <a:extLst>
               <a:ext uri="{28A0092B-C50C-407E-A947-70E740481C1C}">
                 <a14:useLocalDpi xmlns:a14="http://schemas.microsoft.com/office/drawing/2010/main" val="0"/>
@@ -7283,63 +7090,7 @@
                 <a:ea typeface="微軟正黑體" panose="020B0604030504040204" pitchFamily="34" charset="-120"/>
                 <a:cs typeface="芫荽 0.94" pitchFamily="2" charset="-120"/>
               </a:rPr>
-              <a:t>受邀擔任由中正大學與輔仁大學學生跨校隊伍的指導老師。藉由傳授自身前一屆的參賽心得與經驗，對隊伍進行</a:t>
-            </a:r>
-            <a:r>
-              <a:rPr lang="zh-TW" altLang="en-US" sz="1000" b="1" dirty="0" smtClean="0">
-                <a:solidFill>
-                  <a:schemeClr val="tx1">
-                    <a:lumMod val="75000"/>
-                    <a:lumOff val="25000"/>
-                  </a:schemeClr>
-                </a:solidFill>
-                <a:latin typeface="微軟正黑體" panose="020B0604030504040204" pitchFamily="34" charset="-120"/>
-                <a:ea typeface="微軟正黑體" panose="020B0604030504040204" pitchFamily="34" charset="-120"/>
-                <a:cs typeface="芫荽 0.94" pitchFamily="2" charset="-120"/>
-              </a:rPr>
-              <a:t>企</a:t>
-            </a:r>
-            <a:r>
-              <a:rPr lang="zh-TW" altLang="en-US" sz="1000" b="1" dirty="0">
-                <a:solidFill>
-                  <a:schemeClr val="tx1">
-                    <a:lumMod val="75000"/>
-                    <a:lumOff val="25000"/>
-                  </a:schemeClr>
-                </a:solidFill>
-                <a:latin typeface="微軟正黑體" panose="020B0604030504040204" pitchFamily="34" charset="-120"/>
-                <a:ea typeface="微軟正黑體" panose="020B0604030504040204" pitchFamily="34" charset="-120"/>
-                <a:cs typeface="芫荽 0.94" pitchFamily="2" charset="-120"/>
-              </a:rPr>
-              <a:t>劃</a:t>
-            </a:r>
-            <a:r>
-              <a:rPr lang="zh-TW" altLang="en-US" sz="1000" b="1" dirty="0" smtClean="0">
-                <a:solidFill>
-                  <a:schemeClr val="tx1">
-                    <a:lumMod val="75000"/>
-                    <a:lumOff val="25000"/>
-                  </a:schemeClr>
-                </a:solidFill>
-                <a:latin typeface="微軟正黑體" panose="020B0604030504040204" pitchFamily="34" charset="-120"/>
-                <a:ea typeface="微軟正黑體" panose="020B0604030504040204" pitchFamily="34" charset="-120"/>
-                <a:cs typeface="芫荽 0.94" pitchFamily="2" charset="-120"/>
-              </a:rPr>
-              <a:t>指導</a:t>
-            </a:r>
-            <a:r>
-              <a:rPr lang="zh-TW" altLang="en-US" sz="1000" b="1" dirty="0">
-                <a:solidFill>
-                  <a:schemeClr val="tx1">
-                    <a:lumMod val="75000"/>
-                    <a:lumOff val="25000"/>
-                  </a:schemeClr>
-                </a:solidFill>
-                <a:latin typeface="微軟正黑體" panose="020B0604030504040204" pitchFamily="34" charset="-120"/>
-                <a:ea typeface="微軟正黑體" panose="020B0604030504040204" pitchFamily="34" charset="-120"/>
-                <a:cs typeface="芫荽 0.94" pitchFamily="2" charset="-120"/>
-              </a:rPr>
-              <a:t>。在長達三個月的賽期中，該隊伍陸續通過桃園市政府青年事務局組內初、複賽，最終被選為企業決賽代表隊，並在全國舞台中贏得季軍殊榮。</a:t>
+              <a:t>受邀擔任由中正大學與輔仁大學學生跨校隊伍的指導老師。藉由傳授自身前一屆的參賽心得與經驗，對隊伍進行企劃指導。在長達三個月的賽期中，該隊伍陸續通過桃園市政府青年事務局組內初、複賽，最終被選為企業決賽代表隊，並在全國舞台中贏得季軍殊榮。</a:t>
             </a:r>
           </a:p>
         </p:txBody>
@@ -7523,7 +7274,7 @@
           <p:nvPr/>
         </p:nvPicPr>
         <p:blipFill>
-          <a:blip r:embed="rId6" cstate="hqprint">
+          <a:blip r:embed="rId9" cstate="hqprint">
             <a:extLst>
               <a:ext uri="{28A0092B-C50C-407E-A947-70E740481C1C}">
                 <a14:useLocalDpi xmlns:a14="http://schemas.microsoft.com/office/drawing/2010/main" val="0"/>
@@ -7578,7 +7329,7 @@
           <a:lstStyle/>
           <a:p>
             <a:r>
-              <a:rPr lang="en-US" altLang="zh-TW" sz="1400" dirty="0" smtClean="0">
+              <a:rPr lang="en-US" altLang="zh-TW" sz="1400" dirty="0">
                 <a:latin typeface="Times New Roman" panose="02020603050405020304" pitchFamily="18" charset="0"/>
                 <a:cs typeface="Times New Roman" panose="02020603050405020304" pitchFamily="18" charset="0"/>
               </a:rPr>
@@ -7601,13 +7352,6 @@
   <p:clrMapOvr>
     <a:masterClrMapping/>
   </p:clrMapOvr>
-  <p:timing>
-    <p:tnLst>
-      <p:par>
-        <p:cTn id="1" dur="indefinite" restart="never" nodeType="tmRoot"/>
-      </p:par>
-    </p:tnLst>
-  </p:timing>
 </p:sld>
 </file>
 

--- a/files/ballway_resume.pptx
+++ b/files/ballway_resume.pptx
@@ -7,6 +7,7 @@
   <p:sldIdLst>
     <p:sldId id="262" r:id="rId2"/>
     <p:sldId id="258" r:id="rId3"/>
+    <p:sldId id="263" r:id="rId4"/>
   </p:sldIdLst>
   <p:sldSz cx="6858000" cy="9906000" type="A4"/>
   <p:notesSz cx="6858000" cy="9144000"/>
@@ -244,7 +245,7 @@
           <a:p>
             <a:fld id="{BB12F56D-023A-42EB-BC13-71E5FD690DFE}" type="datetimeFigureOut">
               <a:rPr lang="zh-TW" altLang="en-US" smtClean="0"/>
-              <a:t>2022/5/3</a:t>
+              <a:t>2022/5/16</a:t>
             </a:fld>
             <a:endParaRPr lang="zh-TW" altLang="en-US"/>
           </a:p>
@@ -414,7 +415,7 @@
           <a:p>
             <a:fld id="{BB12F56D-023A-42EB-BC13-71E5FD690DFE}" type="datetimeFigureOut">
               <a:rPr lang="zh-TW" altLang="en-US" smtClean="0"/>
-              <a:t>2022/5/3</a:t>
+              <a:t>2022/5/16</a:t>
             </a:fld>
             <a:endParaRPr lang="zh-TW" altLang="en-US"/>
           </a:p>
@@ -594,7 +595,7 @@
           <a:p>
             <a:fld id="{BB12F56D-023A-42EB-BC13-71E5FD690DFE}" type="datetimeFigureOut">
               <a:rPr lang="zh-TW" altLang="en-US" smtClean="0"/>
-              <a:t>2022/5/3</a:t>
+              <a:t>2022/5/16</a:t>
             </a:fld>
             <a:endParaRPr lang="zh-TW" altLang="en-US"/>
           </a:p>
@@ -764,7 +765,7 @@
           <a:p>
             <a:fld id="{BB12F56D-023A-42EB-BC13-71E5FD690DFE}" type="datetimeFigureOut">
               <a:rPr lang="zh-TW" altLang="en-US" smtClean="0"/>
-              <a:t>2022/5/3</a:t>
+              <a:t>2022/5/16</a:t>
             </a:fld>
             <a:endParaRPr lang="zh-TW" altLang="en-US"/>
           </a:p>
@@ -1008,7 +1009,7 @@
           <a:p>
             <a:fld id="{BB12F56D-023A-42EB-BC13-71E5FD690DFE}" type="datetimeFigureOut">
               <a:rPr lang="zh-TW" altLang="en-US" smtClean="0"/>
-              <a:t>2022/5/3</a:t>
+              <a:t>2022/5/16</a:t>
             </a:fld>
             <a:endParaRPr lang="zh-TW" altLang="en-US"/>
           </a:p>
@@ -1240,7 +1241,7 @@
           <a:p>
             <a:fld id="{BB12F56D-023A-42EB-BC13-71E5FD690DFE}" type="datetimeFigureOut">
               <a:rPr lang="zh-TW" altLang="en-US" smtClean="0"/>
-              <a:t>2022/5/3</a:t>
+              <a:t>2022/5/16</a:t>
             </a:fld>
             <a:endParaRPr lang="zh-TW" altLang="en-US"/>
           </a:p>
@@ -1607,7 +1608,7 @@
           <a:p>
             <a:fld id="{BB12F56D-023A-42EB-BC13-71E5FD690DFE}" type="datetimeFigureOut">
               <a:rPr lang="zh-TW" altLang="en-US" smtClean="0"/>
-              <a:t>2022/5/3</a:t>
+              <a:t>2022/5/16</a:t>
             </a:fld>
             <a:endParaRPr lang="zh-TW" altLang="en-US"/>
           </a:p>
@@ -1725,7 +1726,7 @@
           <a:p>
             <a:fld id="{BB12F56D-023A-42EB-BC13-71E5FD690DFE}" type="datetimeFigureOut">
               <a:rPr lang="zh-TW" altLang="en-US" smtClean="0"/>
-              <a:t>2022/5/3</a:t>
+              <a:t>2022/5/16</a:t>
             </a:fld>
             <a:endParaRPr lang="zh-TW" altLang="en-US"/>
           </a:p>
@@ -1820,7 +1821,7 @@
           <a:p>
             <a:fld id="{BB12F56D-023A-42EB-BC13-71E5FD690DFE}" type="datetimeFigureOut">
               <a:rPr lang="zh-TW" altLang="en-US" smtClean="0"/>
-              <a:t>2022/5/3</a:t>
+              <a:t>2022/5/16</a:t>
             </a:fld>
             <a:endParaRPr lang="zh-TW" altLang="en-US"/>
           </a:p>
@@ -2097,7 +2098,7 @@
           <a:p>
             <a:fld id="{BB12F56D-023A-42EB-BC13-71E5FD690DFE}" type="datetimeFigureOut">
               <a:rPr lang="zh-TW" altLang="en-US" smtClean="0"/>
-              <a:t>2022/5/3</a:t>
+              <a:t>2022/5/16</a:t>
             </a:fld>
             <a:endParaRPr lang="zh-TW" altLang="en-US"/>
           </a:p>
@@ -2354,7 +2355,7 @@
           <a:p>
             <a:fld id="{BB12F56D-023A-42EB-BC13-71E5FD690DFE}" type="datetimeFigureOut">
               <a:rPr lang="zh-TW" altLang="en-US" smtClean="0"/>
-              <a:t>2022/5/3</a:t>
+              <a:t>2022/5/16</a:t>
             </a:fld>
             <a:endParaRPr lang="zh-TW" altLang="en-US"/>
           </a:p>
@@ -2567,7 +2568,7 @@
           <a:p>
             <a:fld id="{BB12F56D-023A-42EB-BC13-71E5FD690DFE}" type="datetimeFigureOut">
               <a:rPr lang="zh-TW" altLang="en-US" smtClean="0"/>
-              <a:t>2022/5/3</a:t>
+              <a:t>2022/5/16</a:t>
             </a:fld>
             <a:endParaRPr lang="zh-TW" altLang="en-US"/>
           </a:p>
@@ -4290,8 +4291,8 @@
         </p:nvSpPr>
         <p:spPr>
           <a:xfrm>
-            <a:off x="201040" y="2848437"/>
-            <a:ext cx="2064639" cy="646331"/>
+            <a:off x="176976" y="2848437"/>
+            <a:ext cx="2216247" cy="646331"/>
           </a:xfrm>
           <a:prstGeom prst="rect">
             <a:avLst/>
@@ -4328,7 +4329,23 @@
                   <a:srgbClr val="2E406F"/>
                 </a:solidFill>
               </a:rPr>
-              <a:t>English - High Intermediate</a:t>
+              <a:t>English - </a:t>
+            </a:r>
+            <a:r>
+              <a:rPr lang="en-US" altLang="zh-TW" sz="1200" dirty="0" smtClean="0">
+                <a:solidFill>
+                  <a:srgbClr val="2E406F"/>
+                </a:solidFill>
+              </a:rPr>
+              <a:t>Upper </a:t>
+            </a:r>
+            <a:r>
+              <a:rPr lang="en-US" altLang="zh-TW" sz="1200" dirty="0">
+                <a:solidFill>
+                  <a:srgbClr val="2E406F"/>
+                </a:solidFill>
+              </a:rPr>
+              <a:t>Intermediate</a:t>
             </a:r>
           </a:p>
           <a:p>
@@ -5355,6 +5372,13 @@
   <p:clrMapOvr>
     <a:masterClrMapping/>
   </p:clrMapOvr>
+  <p:timing>
+    <p:tnLst>
+      <p:par>
+        <p:cTn id="1" dur="indefinite" restart="never" nodeType="tmRoot"/>
+      </p:par>
+    </p:tnLst>
+  </p:timing>
 </p:sld>
 </file>
 
@@ -7352,6 +7376,962 @@
   <p:clrMapOvr>
     <a:masterClrMapping/>
   </p:clrMapOvr>
+  <p:timing>
+    <p:tnLst>
+      <p:par>
+        <p:cTn id="1" dur="indefinite" restart="never" nodeType="tmRoot"/>
+      </p:par>
+    </p:tnLst>
+  </p:timing>
+</p:sld>
+</file>
+
+<file path=ppt/slides/slide3.xml><?xml version="1.0" encoding="utf-8"?>
+<p:sld xmlns:a="http://schemas.openxmlformats.org/drawingml/2006/main" xmlns:r="http://schemas.openxmlformats.org/officeDocument/2006/relationships" xmlns:p="http://schemas.openxmlformats.org/presentationml/2006/main">
+  <p:cSld>
+    <p:spTree>
+      <p:nvGrpSpPr>
+        <p:cNvPr id="1" name=""/>
+        <p:cNvGrpSpPr/>
+        <p:nvPr/>
+      </p:nvGrpSpPr>
+      <p:grpSpPr>
+        <a:xfrm>
+          <a:off x="0" y="0"/>
+          <a:ext cx="0" cy="0"/>
+          <a:chOff x="0" y="0"/>
+          <a:chExt cx="0" cy="0"/>
+        </a:xfrm>
+      </p:grpSpPr>
+      <p:sp>
+        <p:nvSpPr>
+          <p:cNvPr id="27" name="文字方塊 26">
+            <a:extLst>
+              <a:ext uri="{FF2B5EF4-FFF2-40B4-BE49-F238E27FC236}">
+                <a16:creationId xmlns:a16="http://schemas.microsoft.com/office/drawing/2014/main" id="{BA0A9061-99B3-6F5E-CB9E-3EC7410D99B3}"/>
+              </a:ext>
+            </a:extLst>
+          </p:cNvPr>
+          <p:cNvSpPr txBox="1"/>
+          <p:nvPr/>
+        </p:nvSpPr>
+        <p:spPr>
+          <a:xfrm>
+            <a:off x="234061" y="286790"/>
+            <a:ext cx="629563" cy="374571"/>
+          </a:xfrm>
+          <a:prstGeom prst="roundRect">
+            <a:avLst/>
+          </a:prstGeom>
+          <a:solidFill>
+            <a:schemeClr val="bg1">
+              <a:lumMod val="95000"/>
+            </a:schemeClr>
+          </a:solidFill>
+        </p:spPr>
+        <p:txBody>
+          <a:bodyPr wrap="none" rtlCol="0">
+            <a:spAutoFit/>
+          </a:bodyPr>
+          <a:lstStyle/>
+          <a:p>
+            <a:r>
+              <a:rPr lang="zh-TW" altLang="en-US" sz="1600" b="1" dirty="0" smtClean="0">
+                <a:solidFill>
+                  <a:srgbClr val="2E406F"/>
+                </a:solidFill>
+                <a:latin typeface="微軟正黑體" panose="020B0604030504040204" pitchFamily="34" charset="-120"/>
+                <a:ea typeface="微軟正黑體" panose="020B0604030504040204" pitchFamily="34" charset="-120"/>
+                <a:cs typeface="芫荽 0.94" pitchFamily="2" charset="-120"/>
+              </a:rPr>
+              <a:t>自傳</a:t>
+            </a:r>
+            <a:endParaRPr lang="en-US" altLang="zh-TW" sz="1600" b="1" dirty="0">
+              <a:solidFill>
+                <a:srgbClr val="2E406F"/>
+              </a:solidFill>
+              <a:latin typeface="微軟正黑體" panose="020B0604030504040204" pitchFamily="34" charset="-120"/>
+              <a:ea typeface="微軟正黑體" panose="020B0604030504040204" pitchFamily="34" charset="-120"/>
+              <a:cs typeface="芫荽 0.94" pitchFamily="2" charset="-120"/>
+            </a:endParaRPr>
+          </a:p>
+        </p:txBody>
+      </p:sp>
+      <p:grpSp>
+        <p:nvGrpSpPr>
+          <p:cNvPr id="5" name="群組 4"/>
+          <p:cNvGrpSpPr/>
+          <p:nvPr/>
+        </p:nvGrpSpPr>
+        <p:grpSpPr>
+          <a:xfrm>
+            <a:off x="376629" y="1043845"/>
+            <a:ext cx="6104743" cy="6716111"/>
+            <a:chOff x="356215" y="1043845"/>
+            <a:chExt cx="6104743" cy="6716111"/>
+          </a:xfrm>
+        </p:grpSpPr>
+        <p:sp>
+          <p:nvSpPr>
+            <p:cNvPr id="22" name="文字方塊 21">
+              <a:extLst>
+                <a:ext uri="{FF2B5EF4-FFF2-40B4-BE49-F238E27FC236}">
+                  <a16:creationId xmlns:a16="http://schemas.microsoft.com/office/drawing/2014/main" id="{B5958756-D601-C66C-64FA-0BB532F109FD}"/>
+                </a:ext>
+              </a:extLst>
+            </p:cNvPr>
+            <p:cNvSpPr txBox="1"/>
+            <p:nvPr/>
+          </p:nvSpPr>
+          <p:spPr>
+            <a:xfrm>
+              <a:off x="515514" y="1436260"/>
+              <a:ext cx="5925030" cy="1015663"/>
+            </a:xfrm>
+            <a:prstGeom prst="rect">
+              <a:avLst/>
+            </a:prstGeom>
+            <a:noFill/>
+          </p:spPr>
+          <p:txBody>
+            <a:bodyPr wrap="square" rtlCol="0">
+              <a:spAutoFit/>
+            </a:bodyPr>
+            <a:lstStyle/>
+            <a:p>
+              <a:pPr>
+                <a:lnSpc>
+                  <a:spcPct val="150000"/>
+                </a:lnSpc>
+              </a:pPr>
+              <a:r>
+                <a:rPr lang="en-US" altLang="zh-TW" sz="1000" b="1" dirty="0" smtClean="0">
+                  <a:solidFill>
+                    <a:schemeClr val="tx1">
+                      <a:lumMod val="75000"/>
+                      <a:lumOff val="25000"/>
+                    </a:schemeClr>
+                  </a:solidFill>
+                  <a:latin typeface="微軟正黑體" panose="020B0604030504040204" pitchFamily="34" charset="-120"/>
+                  <a:ea typeface="微軟正黑體" panose="020B0604030504040204" pitchFamily="34" charset="-120"/>
+                  <a:cs typeface="芫荽 0.94" pitchFamily="2" charset="-120"/>
+                </a:rPr>
+                <a:t>        </a:t>
+              </a:r>
+              <a:r>
+                <a:rPr lang="zh-TW" altLang="en-US" sz="1000" b="1" dirty="0" smtClean="0">
+                  <a:solidFill>
+                    <a:schemeClr val="tx1">
+                      <a:lumMod val="75000"/>
+                      <a:lumOff val="25000"/>
+                    </a:schemeClr>
+                  </a:solidFill>
+                  <a:latin typeface="微軟正黑體" panose="020B0604030504040204" pitchFamily="34" charset="-120"/>
+                  <a:ea typeface="微軟正黑體" panose="020B0604030504040204" pitchFamily="34" charset="-120"/>
+                  <a:cs typeface="芫荽 0.94" pitchFamily="2" charset="-120"/>
+                </a:rPr>
+                <a:t>我</a:t>
+              </a:r>
+              <a:r>
+                <a:rPr lang="zh-TW" altLang="en-US" sz="1000" b="1" dirty="0">
+                  <a:solidFill>
+                    <a:schemeClr val="tx1">
+                      <a:lumMod val="75000"/>
+                      <a:lumOff val="25000"/>
+                    </a:schemeClr>
+                  </a:solidFill>
+                  <a:latin typeface="微軟正黑體" panose="020B0604030504040204" pitchFamily="34" charset="-120"/>
+                  <a:ea typeface="微軟正黑體" panose="020B0604030504040204" pitchFamily="34" charset="-120"/>
+                  <a:cs typeface="芫荽 0.94" pitchFamily="2" charset="-120"/>
+                </a:rPr>
+                <a:t>是王柏崴，畢業於國立中正大學企業管理學系，期間曾選修資工系共 </a:t>
+              </a:r>
+              <a:r>
+                <a:rPr lang="en-US" altLang="zh-TW" sz="1000" b="1" dirty="0">
+                  <a:solidFill>
+                    <a:schemeClr val="tx1">
+                      <a:lumMod val="75000"/>
+                      <a:lumOff val="25000"/>
+                    </a:schemeClr>
+                  </a:solidFill>
+                  <a:latin typeface="微軟正黑體" panose="020B0604030504040204" pitchFamily="34" charset="-120"/>
+                  <a:ea typeface="微軟正黑體" panose="020B0604030504040204" pitchFamily="34" charset="-120"/>
+                  <a:cs typeface="芫荽 0.94" pitchFamily="2" charset="-120"/>
+                </a:rPr>
+                <a:t>26 </a:t>
+              </a:r>
+              <a:r>
+                <a:rPr lang="zh-TW" altLang="en-US" sz="1000" b="1" dirty="0">
+                  <a:solidFill>
+                    <a:schemeClr val="tx1">
+                      <a:lumMod val="75000"/>
+                      <a:lumOff val="25000"/>
+                    </a:schemeClr>
+                  </a:solidFill>
+                  <a:latin typeface="微軟正黑體" panose="020B0604030504040204" pitchFamily="34" charset="-120"/>
+                  <a:ea typeface="微軟正黑體" panose="020B0604030504040204" pitchFamily="34" charset="-120"/>
+                  <a:cs typeface="芫荽 0.94" pitchFamily="2" charset="-120"/>
+                </a:rPr>
+                <a:t>學分。我充滿好奇心，樂於接受挑戰，期待能在挑戰自我的過程中使自己成長。在大學生涯中，我積極參與學生組織，培養邏輯分析、團隊合作、口語表達等軟實力，並曾於</a:t>
+              </a:r>
+              <a:r>
+                <a:rPr lang="en-US" altLang="zh-TW" sz="1000" b="1" dirty="0">
+                  <a:solidFill>
+                    <a:schemeClr val="tx1">
+                      <a:lumMod val="75000"/>
+                      <a:lumOff val="25000"/>
+                    </a:schemeClr>
+                  </a:solidFill>
+                  <a:latin typeface="微軟正黑體" panose="020B0604030504040204" pitchFamily="34" charset="-120"/>
+                  <a:ea typeface="微軟正黑體" panose="020B0604030504040204" pitchFamily="34" charset="-120"/>
+                  <a:cs typeface="芫荽 0.94" pitchFamily="2" charset="-120"/>
+                </a:rPr>
+                <a:t>2019</a:t>
+              </a:r>
+              <a:r>
+                <a:rPr lang="zh-TW" altLang="en-US" sz="1000" b="1" dirty="0">
+                  <a:solidFill>
+                    <a:schemeClr val="tx1">
+                      <a:lumMod val="75000"/>
+                      <a:lumOff val="25000"/>
+                    </a:schemeClr>
+                  </a:solidFill>
+                  <a:latin typeface="微軟正黑體" panose="020B0604030504040204" pitchFamily="34" charset="-120"/>
+                  <a:ea typeface="微軟正黑體" panose="020B0604030504040204" pitchFamily="34" charset="-120"/>
+                  <a:cs typeface="芫荽 0.94" pitchFamily="2" charset="-120"/>
+                </a:rPr>
+                <a:t>上半年組隊參與商業競賽。現在的我正持續學習資訊技術，期許自己能成為一名合格的軟體工程師</a:t>
+              </a:r>
+              <a:r>
+                <a:rPr lang="zh-TW" altLang="en-US" sz="1000" b="1" dirty="0" smtClean="0">
+                  <a:solidFill>
+                    <a:schemeClr val="tx1">
+                      <a:lumMod val="75000"/>
+                      <a:lumOff val="25000"/>
+                    </a:schemeClr>
+                  </a:solidFill>
+                  <a:latin typeface="微軟正黑體" panose="020B0604030504040204" pitchFamily="34" charset="-120"/>
+                  <a:ea typeface="微軟正黑體" panose="020B0604030504040204" pitchFamily="34" charset="-120"/>
+                  <a:cs typeface="芫荽 0.94" pitchFamily="2" charset="-120"/>
+                </a:rPr>
+                <a:t>。</a:t>
+              </a:r>
+              <a:endParaRPr lang="zh-TW" altLang="en-US" sz="1000" b="1" dirty="0">
+                <a:solidFill>
+                  <a:schemeClr val="tx1">
+                    <a:lumMod val="75000"/>
+                    <a:lumOff val="25000"/>
+                  </a:schemeClr>
+                </a:solidFill>
+                <a:latin typeface="微軟正黑體" panose="020B0604030504040204" pitchFamily="34" charset="-120"/>
+                <a:ea typeface="微軟正黑體" panose="020B0604030504040204" pitchFamily="34" charset="-120"/>
+                <a:cs typeface="芫荽 0.94" pitchFamily="2" charset="-120"/>
+              </a:endParaRPr>
+            </a:p>
+          </p:txBody>
+        </p:sp>
+        <p:sp>
+          <p:nvSpPr>
+            <p:cNvPr id="23" name="文字方塊 22">
+              <a:extLst>
+                <a:ext uri="{FF2B5EF4-FFF2-40B4-BE49-F238E27FC236}">
+                  <a16:creationId xmlns:a16="http://schemas.microsoft.com/office/drawing/2014/main" id="{912E264E-54E6-7D9D-28C2-D0D78A7D9B0F}"/>
+                </a:ext>
+              </a:extLst>
+            </p:cNvPr>
+            <p:cNvSpPr txBox="1"/>
+            <p:nvPr/>
+          </p:nvSpPr>
+          <p:spPr>
+            <a:xfrm>
+              <a:off x="356215" y="1043845"/>
+              <a:ext cx="895069" cy="392415"/>
+            </a:xfrm>
+            <a:prstGeom prst="rect">
+              <a:avLst/>
+            </a:prstGeom>
+            <a:noFill/>
+          </p:spPr>
+          <p:txBody>
+            <a:bodyPr wrap="square" rtlCol="0">
+              <a:spAutoFit/>
+            </a:bodyPr>
+            <a:lstStyle/>
+            <a:p>
+              <a:pPr>
+                <a:lnSpc>
+                  <a:spcPct val="150000"/>
+                </a:lnSpc>
+              </a:pPr>
+              <a:r>
+                <a:rPr lang="zh-TW" altLang="en-US" sz="1300" b="1" dirty="0">
+                  <a:solidFill>
+                    <a:srgbClr val="2E406F"/>
+                  </a:solidFill>
+                  <a:latin typeface="微軟正黑體" panose="020B0604030504040204" pitchFamily="34" charset="-120"/>
+                  <a:ea typeface="微軟正黑體" panose="020B0604030504040204" pitchFamily="34" charset="-120"/>
+                  <a:cs typeface="芫荽 0.94" pitchFamily="2" charset="-120"/>
+                </a:rPr>
+                <a:t>個人簡介</a:t>
+              </a:r>
+            </a:p>
+          </p:txBody>
+        </p:sp>
+        <p:sp>
+          <p:nvSpPr>
+            <p:cNvPr id="25" name="文字方塊 24">
+              <a:extLst>
+                <a:ext uri="{FF2B5EF4-FFF2-40B4-BE49-F238E27FC236}">
+                  <a16:creationId xmlns:a16="http://schemas.microsoft.com/office/drawing/2014/main" id="{B5958756-D601-C66C-64FA-0BB532F109FD}"/>
+                </a:ext>
+              </a:extLst>
+            </p:cNvPr>
+            <p:cNvSpPr txBox="1"/>
+            <p:nvPr/>
+          </p:nvSpPr>
+          <p:spPr>
+            <a:xfrm>
+              <a:off x="515512" y="2974772"/>
+              <a:ext cx="5945445" cy="1015663"/>
+            </a:xfrm>
+            <a:prstGeom prst="rect">
+              <a:avLst/>
+            </a:prstGeom>
+            <a:noFill/>
+          </p:spPr>
+          <p:txBody>
+            <a:bodyPr wrap="square" rtlCol="0">
+              <a:spAutoFit/>
+            </a:bodyPr>
+            <a:lstStyle/>
+            <a:p>
+              <a:pPr>
+                <a:lnSpc>
+                  <a:spcPct val="150000"/>
+                </a:lnSpc>
+              </a:pPr>
+              <a:r>
+                <a:rPr lang="en-US" altLang="zh-TW" sz="1000" b="1" dirty="0" smtClean="0">
+                  <a:solidFill>
+                    <a:schemeClr val="tx1">
+                      <a:lumMod val="75000"/>
+                      <a:lumOff val="25000"/>
+                    </a:schemeClr>
+                  </a:solidFill>
+                  <a:latin typeface="微軟正黑體" panose="020B0604030504040204" pitchFamily="34" charset="-120"/>
+                  <a:ea typeface="微軟正黑體" panose="020B0604030504040204" pitchFamily="34" charset="-120"/>
+                  <a:cs typeface="芫荽 0.94" pitchFamily="2" charset="-120"/>
+                </a:rPr>
+                <a:t>        </a:t>
+              </a:r>
+              <a:r>
+                <a:rPr lang="zh-TW" altLang="en-US" sz="1000" b="1" dirty="0" smtClean="0">
+                  <a:solidFill>
+                    <a:schemeClr val="tx1">
+                      <a:lumMod val="75000"/>
+                      <a:lumOff val="25000"/>
+                    </a:schemeClr>
+                  </a:solidFill>
+                  <a:latin typeface="微軟正黑體" panose="020B0604030504040204" pitchFamily="34" charset="-120"/>
+                  <a:ea typeface="微軟正黑體" panose="020B0604030504040204" pitchFamily="34" charset="-120"/>
+                  <a:cs typeface="芫荽 0.94" pitchFamily="2" charset="-120"/>
+                </a:rPr>
+                <a:t>大學</a:t>
+              </a:r>
+              <a:r>
+                <a:rPr lang="zh-TW" altLang="en-US" sz="1000" b="1" dirty="0">
+                  <a:solidFill>
+                    <a:schemeClr val="tx1">
+                      <a:lumMod val="75000"/>
+                      <a:lumOff val="25000"/>
+                    </a:schemeClr>
+                  </a:solidFill>
+                  <a:latin typeface="微軟正黑體" panose="020B0604030504040204" pitchFamily="34" charset="-120"/>
+                  <a:ea typeface="微軟正黑體" panose="020B0604030504040204" pitchFamily="34" charset="-120"/>
+                  <a:cs typeface="芫荽 0.94" pitchFamily="2" charset="-120"/>
+                </a:rPr>
+                <a:t>期間曾擔任過社團的傳播媒體長，負責管理學生社團的 </a:t>
+              </a:r>
+              <a:r>
+                <a:rPr lang="en-US" altLang="zh-TW" sz="1000" b="1" dirty="0">
+                  <a:solidFill>
+                    <a:schemeClr val="tx1">
+                      <a:lumMod val="75000"/>
+                      <a:lumOff val="25000"/>
+                    </a:schemeClr>
+                  </a:solidFill>
+                  <a:latin typeface="微軟正黑體" panose="020B0604030504040204" pitchFamily="34" charset="-120"/>
+                  <a:ea typeface="微軟正黑體" panose="020B0604030504040204" pitchFamily="34" charset="-120"/>
+                  <a:cs typeface="芫荽 0.94" pitchFamily="2" charset="-120"/>
+                </a:rPr>
+                <a:t>Facebook </a:t>
+              </a:r>
+              <a:r>
+                <a:rPr lang="zh-TW" altLang="en-US" sz="1000" b="1" dirty="0">
+                  <a:solidFill>
+                    <a:schemeClr val="tx1">
+                      <a:lumMod val="75000"/>
+                      <a:lumOff val="25000"/>
+                    </a:schemeClr>
+                  </a:solidFill>
+                  <a:latin typeface="微軟正黑體" panose="020B0604030504040204" pitchFamily="34" charset="-120"/>
+                  <a:ea typeface="微軟正黑體" panose="020B0604030504040204" pitchFamily="34" charset="-120"/>
+                  <a:cs typeface="芫荽 0.94" pitchFamily="2" charset="-120"/>
+                </a:rPr>
+                <a:t>專頁、</a:t>
+              </a:r>
+              <a:r>
+                <a:rPr lang="en-US" altLang="zh-TW" sz="1000" b="1" dirty="0">
+                  <a:solidFill>
+                    <a:schemeClr val="tx1">
+                      <a:lumMod val="75000"/>
+                      <a:lumOff val="25000"/>
+                    </a:schemeClr>
+                  </a:solidFill>
+                  <a:latin typeface="微軟正黑體" panose="020B0604030504040204" pitchFamily="34" charset="-120"/>
+                  <a:ea typeface="微軟正黑體" panose="020B0604030504040204" pitchFamily="34" charset="-120"/>
+                  <a:cs typeface="芫荽 0.94" pitchFamily="2" charset="-120"/>
+                </a:rPr>
+                <a:t>Instagram </a:t>
+              </a:r>
+              <a:r>
+                <a:rPr lang="zh-TW" altLang="en-US" sz="1000" b="1" dirty="0">
+                  <a:solidFill>
+                    <a:schemeClr val="tx1">
+                      <a:lumMod val="75000"/>
+                      <a:lumOff val="25000"/>
+                    </a:schemeClr>
+                  </a:solidFill>
+                  <a:latin typeface="微軟正黑體" panose="020B0604030504040204" pitchFamily="34" charset="-120"/>
+                  <a:ea typeface="微軟正黑體" panose="020B0604030504040204" pitchFamily="34" charset="-120"/>
+                  <a:cs typeface="芫荽 0.94" pitchFamily="2" charset="-120"/>
+                </a:rPr>
+                <a:t>商業帳號等社群媒體平台。也曾擔任過參與人數達五百人，為期兩天的大型活動副召集人，負責規劃活動內容及監督活動各組別籌備進度。我在這些經歷中培養了與他人共同合作的能力，並應用於現在資展國際課程專題的籌備當中</a:t>
+              </a:r>
+              <a:r>
+                <a:rPr lang="zh-TW" altLang="en-US" sz="1000" b="1" dirty="0" smtClean="0">
+                  <a:solidFill>
+                    <a:schemeClr val="tx1">
+                      <a:lumMod val="75000"/>
+                      <a:lumOff val="25000"/>
+                    </a:schemeClr>
+                  </a:solidFill>
+                  <a:latin typeface="微軟正黑體" panose="020B0604030504040204" pitchFamily="34" charset="-120"/>
+                  <a:ea typeface="微軟正黑體" panose="020B0604030504040204" pitchFamily="34" charset="-120"/>
+                  <a:cs typeface="芫荽 0.94" pitchFamily="2" charset="-120"/>
+                </a:rPr>
+                <a:t>。</a:t>
+              </a:r>
+              <a:endParaRPr lang="zh-TW" altLang="en-US" sz="1000" b="1" dirty="0">
+                <a:solidFill>
+                  <a:schemeClr val="tx1">
+                    <a:lumMod val="75000"/>
+                    <a:lumOff val="25000"/>
+                  </a:schemeClr>
+                </a:solidFill>
+                <a:latin typeface="微軟正黑體" panose="020B0604030504040204" pitchFamily="34" charset="-120"/>
+                <a:ea typeface="微軟正黑體" panose="020B0604030504040204" pitchFamily="34" charset="-120"/>
+                <a:cs typeface="芫荽 0.94" pitchFamily="2" charset="-120"/>
+              </a:endParaRPr>
+            </a:p>
+          </p:txBody>
+        </p:sp>
+        <p:sp>
+          <p:nvSpPr>
+            <p:cNvPr id="34" name="文字方塊 33">
+              <a:extLst>
+                <a:ext uri="{FF2B5EF4-FFF2-40B4-BE49-F238E27FC236}">
+                  <a16:creationId xmlns:a16="http://schemas.microsoft.com/office/drawing/2014/main" id="{912E264E-54E6-7D9D-28C2-D0D78A7D9B0F}"/>
+                </a:ext>
+              </a:extLst>
+            </p:cNvPr>
+            <p:cNvSpPr txBox="1"/>
+            <p:nvPr/>
+          </p:nvSpPr>
+          <p:spPr>
+            <a:xfrm>
+              <a:off x="356215" y="2582357"/>
+              <a:ext cx="1292111" cy="392415"/>
+            </a:xfrm>
+            <a:prstGeom prst="rect">
+              <a:avLst/>
+            </a:prstGeom>
+            <a:noFill/>
+          </p:spPr>
+          <p:txBody>
+            <a:bodyPr wrap="square" rtlCol="0">
+              <a:spAutoFit/>
+            </a:bodyPr>
+            <a:lstStyle/>
+            <a:p>
+              <a:pPr>
+                <a:lnSpc>
+                  <a:spcPct val="150000"/>
+                </a:lnSpc>
+              </a:pPr>
+              <a:r>
+                <a:rPr lang="zh-TW" altLang="en-US" sz="1300" b="1" dirty="0">
+                  <a:solidFill>
+                    <a:srgbClr val="2E406F"/>
+                  </a:solidFill>
+                  <a:latin typeface="微軟正黑體" panose="020B0604030504040204" pitchFamily="34" charset="-120"/>
+                  <a:ea typeface="微軟正黑體" panose="020B0604030504040204" pitchFamily="34" charset="-120"/>
+                  <a:cs typeface="芫荽 0.94" pitchFamily="2" charset="-120"/>
+                </a:rPr>
+                <a:t>大學活動經歷</a:t>
+              </a:r>
+            </a:p>
+          </p:txBody>
+        </p:sp>
+        <p:sp>
+          <p:nvSpPr>
+            <p:cNvPr id="35" name="文字方塊 34">
+              <a:extLst>
+                <a:ext uri="{FF2B5EF4-FFF2-40B4-BE49-F238E27FC236}">
+                  <a16:creationId xmlns:a16="http://schemas.microsoft.com/office/drawing/2014/main" id="{B5958756-D601-C66C-64FA-0BB532F109FD}"/>
+                </a:ext>
+              </a:extLst>
+            </p:cNvPr>
+            <p:cNvSpPr txBox="1"/>
+            <p:nvPr/>
+          </p:nvSpPr>
+          <p:spPr>
+            <a:xfrm>
+              <a:off x="515514" y="4513284"/>
+              <a:ext cx="5945444" cy="2169825"/>
+            </a:xfrm>
+            <a:prstGeom prst="rect">
+              <a:avLst/>
+            </a:prstGeom>
+            <a:noFill/>
+          </p:spPr>
+          <p:txBody>
+            <a:bodyPr wrap="square" rtlCol="0">
+              <a:spAutoFit/>
+            </a:bodyPr>
+            <a:lstStyle/>
+            <a:p>
+              <a:pPr>
+                <a:lnSpc>
+                  <a:spcPct val="150000"/>
+                </a:lnSpc>
+              </a:pPr>
+              <a:r>
+                <a:rPr lang="en-US" altLang="zh-TW" sz="1000" b="1" dirty="0" smtClean="0">
+                  <a:solidFill>
+                    <a:schemeClr val="tx1">
+                      <a:lumMod val="75000"/>
+                      <a:lumOff val="25000"/>
+                    </a:schemeClr>
+                  </a:solidFill>
+                  <a:latin typeface="微軟正黑體" panose="020B0604030504040204" pitchFamily="34" charset="-120"/>
+                  <a:ea typeface="微軟正黑體" panose="020B0604030504040204" pitchFamily="34" charset="-120"/>
+                  <a:cs typeface="芫荽 0.94" pitchFamily="2" charset="-120"/>
+                </a:rPr>
+                <a:t>        </a:t>
+              </a:r>
+              <a:r>
+                <a:rPr lang="zh-TW" altLang="en-US" sz="1000" b="1" dirty="0" smtClean="0">
+                  <a:solidFill>
+                    <a:schemeClr val="tx1">
+                      <a:lumMod val="75000"/>
+                      <a:lumOff val="25000"/>
+                    </a:schemeClr>
+                  </a:solidFill>
+                  <a:latin typeface="微軟正黑體" panose="020B0604030504040204" pitchFamily="34" charset="-120"/>
+                  <a:ea typeface="微軟正黑體" panose="020B0604030504040204" pitchFamily="34" charset="-120"/>
+                  <a:cs typeface="芫荽 0.94" pitchFamily="2" charset="-120"/>
+                </a:rPr>
+                <a:t>我</a:t>
+              </a:r>
+              <a:r>
+                <a:rPr lang="zh-TW" altLang="en-US" sz="1000" b="1" dirty="0">
+                  <a:solidFill>
+                    <a:schemeClr val="tx1">
+                      <a:lumMod val="75000"/>
+                      <a:lumOff val="25000"/>
+                    </a:schemeClr>
+                  </a:solidFill>
+                  <a:latin typeface="微軟正黑體" panose="020B0604030504040204" pitchFamily="34" charset="-120"/>
+                  <a:ea typeface="微軟正黑體" panose="020B0604030504040204" pitchFamily="34" charset="-120"/>
+                  <a:cs typeface="芫荽 0.94" pitchFamily="2" charset="-120"/>
+                </a:rPr>
+                <a:t>很慶幸自己能參與資展國際的程式訓練課程，雖然自己曾在大學修習些許資訊相關課程，但總覺得當時自己的基礎能力不夠扎實，也還不具備能獨立產出作品的信心。來到資展國際參與課程後，讓我重新完整學習了一次程式的基礎課程，並在各個上課的實作練習中逐漸培養出了成就感與自信心，而我在課程中也經常與同學討論程式與老師上課教過的課程內容。我認為在協助他人的過程中，自己也能再檢視一遍自己的觀念與思考是否通順，所以總是積極的協助同學學習。而當我在課程中對老師所教的觀念仍不太清楚時，同學也總是很熱心的來幫助我學習，讓我認為這裡真的是很棒的學習環境！而我也在資策會前中後期的專題課程中擔任副組長，協助小組制定專題方向、分工規劃、合作方式，並維持專題進度，讓我有一個應用大學期間習得的溝通技巧及邏輯思維的機會。專題製作過程中，組員之間都相當可靠，彼此除了完成各自負責的內容，也總是很有效的相互協助，讓專題維持穩定的產出</a:t>
+              </a:r>
+              <a:r>
+                <a:rPr lang="zh-TW" altLang="en-US" sz="1000" b="1" dirty="0" smtClean="0">
+                  <a:solidFill>
+                    <a:schemeClr val="tx1">
+                      <a:lumMod val="75000"/>
+                      <a:lumOff val="25000"/>
+                    </a:schemeClr>
+                  </a:solidFill>
+                  <a:latin typeface="微軟正黑體" panose="020B0604030504040204" pitchFamily="34" charset="-120"/>
+                  <a:ea typeface="微軟正黑體" panose="020B0604030504040204" pitchFamily="34" charset="-120"/>
+                  <a:cs typeface="芫荽 0.94" pitchFamily="2" charset="-120"/>
+                </a:rPr>
+                <a:t>。</a:t>
+              </a:r>
+              <a:endParaRPr lang="zh-TW" altLang="en-US" sz="1000" b="1" dirty="0">
+                <a:solidFill>
+                  <a:schemeClr val="tx1">
+                    <a:lumMod val="75000"/>
+                    <a:lumOff val="25000"/>
+                  </a:schemeClr>
+                </a:solidFill>
+                <a:latin typeface="微軟正黑體" panose="020B0604030504040204" pitchFamily="34" charset="-120"/>
+                <a:ea typeface="微軟正黑體" panose="020B0604030504040204" pitchFamily="34" charset="-120"/>
+                <a:cs typeface="芫荽 0.94" pitchFamily="2" charset="-120"/>
+              </a:endParaRPr>
+            </a:p>
+          </p:txBody>
+        </p:sp>
+        <p:sp>
+          <p:nvSpPr>
+            <p:cNvPr id="36" name="文字方塊 35">
+              <a:extLst>
+                <a:ext uri="{FF2B5EF4-FFF2-40B4-BE49-F238E27FC236}">
+                  <a16:creationId xmlns:a16="http://schemas.microsoft.com/office/drawing/2014/main" id="{912E264E-54E6-7D9D-28C2-D0D78A7D9B0F}"/>
+                </a:ext>
+              </a:extLst>
+            </p:cNvPr>
+            <p:cNvSpPr txBox="1"/>
+            <p:nvPr/>
+          </p:nvSpPr>
+          <p:spPr>
+            <a:xfrm>
+              <a:off x="356215" y="4120869"/>
+              <a:ext cx="2074164" cy="392415"/>
+            </a:xfrm>
+            <a:prstGeom prst="rect">
+              <a:avLst/>
+            </a:prstGeom>
+            <a:noFill/>
+          </p:spPr>
+          <p:txBody>
+            <a:bodyPr wrap="square" rtlCol="0">
+              <a:spAutoFit/>
+            </a:bodyPr>
+            <a:lstStyle/>
+            <a:p>
+              <a:pPr>
+                <a:lnSpc>
+                  <a:spcPct val="150000"/>
+                </a:lnSpc>
+              </a:pPr>
+              <a:r>
+                <a:rPr lang="zh-TW" altLang="en-US" sz="1300" b="1" dirty="0">
+                  <a:solidFill>
+                    <a:srgbClr val="2E406F"/>
+                  </a:solidFill>
+                  <a:latin typeface="微軟正黑體" panose="020B0604030504040204" pitchFamily="34" charset="-120"/>
+                  <a:ea typeface="微軟正黑體" panose="020B0604030504040204" pitchFamily="34" charset="-120"/>
+                  <a:cs typeface="芫荽 0.94" pitchFamily="2" charset="-120"/>
+                </a:rPr>
+                <a:t>資展國際的專業訓練歷程</a:t>
+              </a:r>
+            </a:p>
+          </p:txBody>
+        </p:sp>
+        <p:sp>
+          <p:nvSpPr>
+            <p:cNvPr id="37" name="文字方塊 36">
+              <a:extLst>
+                <a:ext uri="{FF2B5EF4-FFF2-40B4-BE49-F238E27FC236}">
+                  <a16:creationId xmlns:a16="http://schemas.microsoft.com/office/drawing/2014/main" id="{B5958756-D601-C66C-64FA-0BB532F109FD}"/>
+                </a:ext>
+              </a:extLst>
+            </p:cNvPr>
+            <p:cNvSpPr txBox="1"/>
+            <p:nvPr/>
+          </p:nvSpPr>
+          <p:spPr>
+            <a:xfrm>
+              <a:off x="515514" y="7205958"/>
+              <a:ext cx="5792584" cy="553998"/>
+            </a:xfrm>
+            <a:prstGeom prst="rect">
+              <a:avLst/>
+            </a:prstGeom>
+            <a:noFill/>
+          </p:spPr>
+          <p:txBody>
+            <a:bodyPr wrap="square" rtlCol="0">
+              <a:spAutoFit/>
+            </a:bodyPr>
+            <a:lstStyle/>
+            <a:p>
+              <a:pPr>
+                <a:lnSpc>
+                  <a:spcPct val="150000"/>
+                </a:lnSpc>
+              </a:pPr>
+              <a:r>
+                <a:rPr lang="en-US" altLang="zh-TW" sz="1000" b="1" dirty="0" smtClean="0">
+                  <a:solidFill>
+                    <a:schemeClr val="tx1">
+                      <a:lumMod val="75000"/>
+                      <a:lumOff val="25000"/>
+                    </a:schemeClr>
+                  </a:solidFill>
+                  <a:latin typeface="微軟正黑體" panose="020B0604030504040204" pitchFamily="34" charset="-120"/>
+                  <a:ea typeface="微軟正黑體" panose="020B0604030504040204" pitchFamily="34" charset="-120"/>
+                  <a:cs typeface="芫荽 0.94" pitchFamily="2" charset="-120"/>
+                </a:rPr>
+                <a:t>        </a:t>
+              </a:r>
+              <a:r>
+                <a:rPr lang="zh-TW" altLang="en-US" sz="1000" b="1" dirty="0" smtClean="0">
+                  <a:solidFill>
+                    <a:schemeClr val="tx1">
+                      <a:lumMod val="75000"/>
+                      <a:lumOff val="25000"/>
+                    </a:schemeClr>
+                  </a:solidFill>
+                  <a:latin typeface="微軟正黑體" panose="020B0604030504040204" pitchFamily="34" charset="-120"/>
+                  <a:ea typeface="微軟正黑體" panose="020B0604030504040204" pitchFamily="34" charset="-120"/>
+                  <a:cs typeface="芫荽 0.94" pitchFamily="2" charset="-120"/>
+                </a:rPr>
+                <a:t>在</a:t>
+              </a:r>
+              <a:r>
+                <a:rPr lang="zh-TW" altLang="en-US" sz="1000" b="1" dirty="0">
+                  <a:solidFill>
+                    <a:schemeClr val="tx1">
+                      <a:lumMod val="75000"/>
+                      <a:lumOff val="25000"/>
+                    </a:schemeClr>
+                  </a:solidFill>
+                  <a:latin typeface="微軟正黑體" panose="020B0604030504040204" pitchFamily="34" charset="-120"/>
+                  <a:ea typeface="微軟正黑體" panose="020B0604030504040204" pitchFamily="34" charset="-120"/>
+                  <a:cs typeface="芫荽 0.94" pitchFamily="2" charset="-120"/>
+                </a:rPr>
+                <a:t>學習過程中，我很享受自己習得一個又一個技術的過程，我也發現開發作品的過程相當有趣，讓我希望未來能投身於軟體開發工作之中。</a:t>
+              </a:r>
+            </a:p>
+          </p:txBody>
+        </p:sp>
+        <p:sp>
+          <p:nvSpPr>
+            <p:cNvPr id="38" name="文字方塊 37">
+              <a:extLst>
+                <a:ext uri="{FF2B5EF4-FFF2-40B4-BE49-F238E27FC236}">
+                  <a16:creationId xmlns:a16="http://schemas.microsoft.com/office/drawing/2014/main" id="{912E264E-54E6-7D9D-28C2-D0D78A7D9B0F}"/>
+                </a:ext>
+              </a:extLst>
+            </p:cNvPr>
+            <p:cNvSpPr txBox="1"/>
+            <p:nvPr/>
+          </p:nvSpPr>
+          <p:spPr>
+            <a:xfrm>
+              <a:off x="356215" y="6813543"/>
+              <a:ext cx="2074164" cy="355610"/>
+            </a:xfrm>
+            <a:prstGeom prst="rect">
+              <a:avLst/>
+            </a:prstGeom>
+            <a:noFill/>
+          </p:spPr>
+          <p:txBody>
+            <a:bodyPr wrap="square" rtlCol="0">
+              <a:spAutoFit/>
+            </a:bodyPr>
+            <a:lstStyle/>
+            <a:p>
+              <a:pPr>
+                <a:lnSpc>
+                  <a:spcPct val="150000"/>
+                </a:lnSpc>
+              </a:pPr>
+              <a:r>
+                <a:rPr lang="zh-TW" altLang="en-US" sz="1300" b="1" dirty="0">
+                  <a:solidFill>
+                    <a:srgbClr val="2E406F"/>
+                  </a:solidFill>
+                  <a:latin typeface="微軟正黑體" panose="020B0604030504040204" pitchFamily="34" charset="-120"/>
+                  <a:ea typeface="微軟正黑體" panose="020B0604030504040204" pitchFamily="34" charset="-120"/>
+                  <a:cs typeface="芫荽 0.94" pitchFamily="2" charset="-120"/>
+                </a:rPr>
+                <a:t>未來工作期許</a:t>
+              </a:r>
+            </a:p>
+          </p:txBody>
+        </p:sp>
+      </p:grpSp>
+      <p:cxnSp>
+        <p:nvCxnSpPr>
+          <p:cNvPr id="39" name="直線接點 38">
+            <a:extLst>
+              <a:ext uri="{FF2B5EF4-FFF2-40B4-BE49-F238E27FC236}">
+                <a16:creationId xmlns:a16="http://schemas.microsoft.com/office/drawing/2014/main" id="{81D3547E-A034-2EBC-D0FC-07255E06CDA9}"/>
+              </a:ext>
+            </a:extLst>
+          </p:cNvPr>
+          <p:cNvCxnSpPr>
+            <a:cxnSpLocks/>
+          </p:cNvCxnSpPr>
+          <p:nvPr/>
+        </p:nvCxnSpPr>
+        <p:spPr>
+          <a:xfrm>
+            <a:off x="506746" y="925138"/>
+            <a:ext cx="5844509" cy="0"/>
+          </a:xfrm>
+          <a:prstGeom prst="line">
+            <a:avLst/>
+          </a:prstGeom>
+          <a:ln w="12700"/>
+        </p:spPr>
+        <p:style>
+          <a:lnRef idx="1">
+            <a:schemeClr val="accent1"/>
+          </a:lnRef>
+          <a:fillRef idx="0">
+            <a:schemeClr val="accent1"/>
+          </a:fillRef>
+          <a:effectRef idx="0">
+            <a:schemeClr val="accent1"/>
+          </a:effectRef>
+          <a:fontRef idx="minor">
+            <a:schemeClr val="tx1"/>
+          </a:fontRef>
+        </p:style>
+      </p:cxnSp>
+      <p:cxnSp>
+        <p:nvCxnSpPr>
+          <p:cNvPr id="40" name="直線接點 39">
+            <a:extLst>
+              <a:ext uri="{FF2B5EF4-FFF2-40B4-BE49-F238E27FC236}">
+                <a16:creationId xmlns:a16="http://schemas.microsoft.com/office/drawing/2014/main" id="{81D3547E-A034-2EBC-D0FC-07255E06CDA9}"/>
+              </a:ext>
+            </a:extLst>
+          </p:cNvPr>
+          <p:cNvCxnSpPr>
+            <a:cxnSpLocks/>
+          </p:cNvCxnSpPr>
+          <p:nvPr/>
+        </p:nvCxnSpPr>
+        <p:spPr>
+          <a:xfrm>
+            <a:off x="506746" y="877012"/>
+            <a:ext cx="5844509" cy="0"/>
+          </a:xfrm>
+          <a:prstGeom prst="line">
+            <a:avLst/>
+          </a:prstGeom>
+          <a:ln w="12700"/>
+        </p:spPr>
+        <p:style>
+          <a:lnRef idx="1">
+            <a:schemeClr val="accent1"/>
+          </a:lnRef>
+          <a:fillRef idx="0">
+            <a:schemeClr val="accent1"/>
+          </a:fillRef>
+          <a:effectRef idx="0">
+            <a:schemeClr val="accent1"/>
+          </a:effectRef>
+          <a:fontRef idx="minor">
+            <a:schemeClr val="tx1"/>
+          </a:fontRef>
+        </p:style>
+      </p:cxnSp>
+      <p:cxnSp>
+        <p:nvCxnSpPr>
+          <p:cNvPr id="41" name="直線接點 40">
+            <a:extLst>
+              <a:ext uri="{FF2B5EF4-FFF2-40B4-BE49-F238E27FC236}">
+                <a16:creationId xmlns:a16="http://schemas.microsoft.com/office/drawing/2014/main" id="{81D3547E-A034-2EBC-D0FC-07255E06CDA9}"/>
+              </a:ext>
+            </a:extLst>
+          </p:cNvPr>
+          <p:cNvCxnSpPr>
+            <a:cxnSpLocks/>
+          </p:cNvCxnSpPr>
+          <p:nvPr/>
+        </p:nvCxnSpPr>
+        <p:spPr>
+          <a:xfrm>
+            <a:off x="616449" y="8047832"/>
+            <a:ext cx="5844509" cy="0"/>
+          </a:xfrm>
+          <a:prstGeom prst="line">
+            <a:avLst/>
+          </a:prstGeom>
+          <a:ln w="12700"/>
+        </p:spPr>
+        <p:style>
+          <a:lnRef idx="1">
+            <a:schemeClr val="accent1"/>
+          </a:lnRef>
+          <a:fillRef idx="0">
+            <a:schemeClr val="accent1"/>
+          </a:fillRef>
+          <a:effectRef idx="0">
+            <a:schemeClr val="accent1"/>
+          </a:effectRef>
+          <a:fontRef idx="minor">
+            <a:schemeClr val="tx1"/>
+          </a:fontRef>
+        </p:style>
+      </p:cxnSp>
+      <p:cxnSp>
+        <p:nvCxnSpPr>
+          <p:cNvPr id="42" name="直線接點 41">
+            <a:extLst>
+              <a:ext uri="{FF2B5EF4-FFF2-40B4-BE49-F238E27FC236}">
+                <a16:creationId xmlns:a16="http://schemas.microsoft.com/office/drawing/2014/main" id="{81D3547E-A034-2EBC-D0FC-07255E06CDA9}"/>
+              </a:ext>
+            </a:extLst>
+          </p:cNvPr>
+          <p:cNvCxnSpPr>
+            <a:cxnSpLocks/>
+          </p:cNvCxnSpPr>
+          <p:nvPr/>
+        </p:nvCxnSpPr>
+        <p:spPr>
+          <a:xfrm>
+            <a:off x="616449" y="7999706"/>
+            <a:ext cx="5844509" cy="0"/>
+          </a:xfrm>
+          <a:prstGeom prst="line">
+            <a:avLst/>
+          </a:prstGeom>
+          <a:ln w="12700"/>
+        </p:spPr>
+        <p:style>
+          <a:lnRef idx="1">
+            <a:schemeClr val="accent1"/>
+          </a:lnRef>
+          <a:fillRef idx="0">
+            <a:schemeClr val="accent1"/>
+          </a:fillRef>
+          <a:effectRef idx="0">
+            <a:schemeClr val="accent1"/>
+          </a:effectRef>
+          <a:fontRef idx="minor">
+            <a:schemeClr val="tx1"/>
+          </a:fontRef>
+        </p:style>
+      </p:cxnSp>
+    </p:spTree>
+    <p:extLst>
+      <p:ext uri="{BB962C8B-B14F-4D97-AF65-F5344CB8AC3E}">
+        <p14:creationId xmlns:p14="http://schemas.microsoft.com/office/powerpoint/2010/main" val="1221946987"/>
+      </p:ext>
+    </p:extLst>
+  </p:cSld>
+  <p:clrMapOvr>
+    <a:masterClrMapping/>
+  </p:clrMapOvr>
+  <p:timing>
+    <p:tnLst>
+      <p:par>
+        <p:cTn id="1" dur="indefinite" restart="never" nodeType="tmRoot"/>
+      </p:par>
+    </p:tnLst>
+  </p:timing>
 </p:sld>
 </file>
 
